--- a/Pictures/Figures/Figure 3.pptx
+++ b/Pictures/Figures/Figure 3.pptx
@@ -129,7 +129,7 @@
           <p:cNvPr id="2" name="Title 1">
             <a:extLst>
               <a:ext uri="{FF2B5EF4-FFF2-40B4-BE49-F238E27FC236}">
-                <a16:creationId xmlns:a16="http://schemas.microsoft.com/office/drawing/2014/main" id="{60CB2692-8A72-4D5B-BE64-17E4C0CAE050}"/>
+                <a16:creationId xmlns:a16="http://schemas.microsoft.com/office/drawing/2014/main" id="{86E2694D-29BD-4BB3-8349-433F4189BABC}"/>
               </a:ext>
             </a:extLst>
           </p:cNvPr>
@@ -166,7 +166,7 @@
           <p:cNvPr id="3" name="Subtitle 2">
             <a:extLst>
               <a:ext uri="{FF2B5EF4-FFF2-40B4-BE49-F238E27FC236}">
-                <a16:creationId xmlns:a16="http://schemas.microsoft.com/office/drawing/2014/main" id="{18277A4A-CB92-4EFE-9C80-5FD2BCAB7910}"/>
+                <a16:creationId xmlns:a16="http://schemas.microsoft.com/office/drawing/2014/main" id="{6DB57959-E7DC-4F58-B51E-99FD1DF4316A}"/>
               </a:ext>
             </a:extLst>
           </p:cNvPr>
@@ -236,7 +236,7 @@
           <p:cNvPr id="4" name="Date Placeholder 3">
             <a:extLst>
               <a:ext uri="{FF2B5EF4-FFF2-40B4-BE49-F238E27FC236}">
-                <a16:creationId xmlns:a16="http://schemas.microsoft.com/office/drawing/2014/main" id="{C54D0D7D-3DA6-479C-B32A-94012DBCAFFF}"/>
+                <a16:creationId xmlns:a16="http://schemas.microsoft.com/office/drawing/2014/main" id="{FE84DF39-EF0D-4F8A-96BF-E7161DDDB4AB}"/>
               </a:ext>
             </a:extLst>
           </p:cNvPr>
@@ -252,7 +252,7 @@
           <a:bodyPr/>
           <a:lstStyle/>
           <a:p>
-            <a:fld id="{7F5B0D31-1ADB-4B4E-ACBB-720D5B718FAA}" type="datetimeFigureOut">
+            <a:fld id="{BBE91FCD-5F32-4893-87F4-18E5763C05BB}" type="datetimeFigureOut">
               <a:rPr lang="en-US" smtClean="0"/>
               <a:t>11/3/2022</a:t>
             </a:fld>
@@ -265,7 +265,7 @@
           <p:cNvPr id="5" name="Footer Placeholder 4">
             <a:extLst>
               <a:ext uri="{FF2B5EF4-FFF2-40B4-BE49-F238E27FC236}">
-                <a16:creationId xmlns:a16="http://schemas.microsoft.com/office/drawing/2014/main" id="{CE606E4A-72F1-4634-A989-D5D5EB391DAE}"/>
+                <a16:creationId xmlns:a16="http://schemas.microsoft.com/office/drawing/2014/main" id="{EAA11329-D181-4883-8324-E900F1B8BE58}"/>
               </a:ext>
             </a:extLst>
           </p:cNvPr>
@@ -290,7 +290,7 @@
           <p:cNvPr id="6" name="Slide Number Placeholder 5">
             <a:extLst>
               <a:ext uri="{FF2B5EF4-FFF2-40B4-BE49-F238E27FC236}">
-                <a16:creationId xmlns:a16="http://schemas.microsoft.com/office/drawing/2014/main" id="{F2AA4B7D-3168-4F57-A1DB-35049CA8026F}"/>
+                <a16:creationId xmlns:a16="http://schemas.microsoft.com/office/drawing/2014/main" id="{57D6A287-CD2A-4054-BFEC-D617E8AB426A}"/>
               </a:ext>
             </a:extLst>
           </p:cNvPr>
@@ -306,7 +306,7 @@
           <a:bodyPr/>
           <a:lstStyle/>
           <a:p>
-            <a:fld id="{EFEC1622-8CC9-4F00-80C4-DFC570F6CBD0}" type="slidenum">
+            <a:fld id="{B97B9177-721B-4D9E-8370-F7DE891ADD74}" type="slidenum">
               <a:rPr lang="en-US" smtClean="0"/>
               <a:t>‹#›</a:t>
             </a:fld>
@@ -317,7 +317,7 @@
     </p:spTree>
     <p:extLst>
       <p:ext uri="{BB962C8B-B14F-4D97-AF65-F5344CB8AC3E}">
-        <p14:creationId xmlns:p14="http://schemas.microsoft.com/office/powerpoint/2010/main" val="3996223760"/>
+        <p14:creationId xmlns:p14="http://schemas.microsoft.com/office/powerpoint/2010/main" val="3705604621"/>
       </p:ext>
     </p:extLst>
   </p:cSld>
@@ -349,7 +349,7 @@
           <p:cNvPr id="2" name="Title 1">
             <a:extLst>
               <a:ext uri="{FF2B5EF4-FFF2-40B4-BE49-F238E27FC236}">
-                <a16:creationId xmlns:a16="http://schemas.microsoft.com/office/drawing/2014/main" id="{01DB6B47-1C84-48B6-9DB5-7AE85E8B881C}"/>
+                <a16:creationId xmlns:a16="http://schemas.microsoft.com/office/drawing/2014/main" id="{01820BEE-9B01-41F6-9333-8467B919F4B3}"/>
               </a:ext>
             </a:extLst>
           </p:cNvPr>
@@ -377,7 +377,7 @@
           <p:cNvPr id="3" name="Vertical Text Placeholder 2">
             <a:extLst>
               <a:ext uri="{FF2B5EF4-FFF2-40B4-BE49-F238E27FC236}">
-                <a16:creationId xmlns:a16="http://schemas.microsoft.com/office/drawing/2014/main" id="{7A630BBD-298B-45DE-86F0-E873E408769E}"/>
+                <a16:creationId xmlns:a16="http://schemas.microsoft.com/office/drawing/2014/main" id="{26DB54CE-40A4-4628-8CB3-7CA2E0FE311E}"/>
               </a:ext>
             </a:extLst>
           </p:cNvPr>
@@ -434,7 +434,7 @@
           <p:cNvPr id="4" name="Date Placeholder 3">
             <a:extLst>
               <a:ext uri="{FF2B5EF4-FFF2-40B4-BE49-F238E27FC236}">
-                <a16:creationId xmlns:a16="http://schemas.microsoft.com/office/drawing/2014/main" id="{B25C1EA7-7637-40F3-B3D2-4E28ECDBBCDA}"/>
+                <a16:creationId xmlns:a16="http://schemas.microsoft.com/office/drawing/2014/main" id="{4B9CB1B2-C17C-4D3E-93D7-43E472DB7B43}"/>
               </a:ext>
             </a:extLst>
           </p:cNvPr>
@@ -450,7 +450,7 @@
           <a:bodyPr/>
           <a:lstStyle/>
           <a:p>
-            <a:fld id="{7F5B0D31-1ADB-4B4E-ACBB-720D5B718FAA}" type="datetimeFigureOut">
+            <a:fld id="{BBE91FCD-5F32-4893-87F4-18E5763C05BB}" type="datetimeFigureOut">
               <a:rPr lang="en-US" smtClean="0"/>
               <a:t>11/3/2022</a:t>
             </a:fld>
@@ -463,7 +463,7 @@
           <p:cNvPr id="5" name="Footer Placeholder 4">
             <a:extLst>
               <a:ext uri="{FF2B5EF4-FFF2-40B4-BE49-F238E27FC236}">
-                <a16:creationId xmlns:a16="http://schemas.microsoft.com/office/drawing/2014/main" id="{DE4F2A65-BE98-4889-B500-813CB12EC4D7}"/>
+                <a16:creationId xmlns:a16="http://schemas.microsoft.com/office/drawing/2014/main" id="{AB0592ED-8056-4A7D-B7FB-02E60C323073}"/>
               </a:ext>
             </a:extLst>
           </p:cNvPr>
@@ -488,7 +488,7 @@
           <p:cNvPr id="6" name="Slide Number Placeholder 5">
             <a:extLst>
               <a:ext uri="{FF2B5EF4-FFF2-40B4-BE49-F238E27FC236}">
-                <a16:creationId xmlns:a16="http://schemas.microsoft.com/office/drawing/2014/main" id="{71BCFD5C-728B-4DDB-B86A-5216B9E4E114}"/>
+                <a16:creationId xmlns:a16="http://schemas.microsoft.com/office/drawing/2014/main" id="{70F9F116-5BAE-458A-AC04-4830898B742B}"/>
               </a:ext>
             </a:extLst>
           </p:cNvPr>
@@ -504,7 +504,7 @@
           <a:bodyPr/>
           <a:lstStyle/>
           <a:p>
-            <a:fld id="{EFEC1622-8CC9-4F00-80C4-DFC570F6CBD0}" type="slidenum">
+            <a:fld id="{B97B9177-721B-4D9E-8370-F7DE891ADD74}" type="slidenum">
               <a:rPr lang="en-US" smtClean="0"/>
               <a:t>‹#›</a:t>
             </a:fld>
@@ -515,7 +515,7 @@
     </p:spTree>
     <p:extLst>
       <p:ext uri="{BB962C8B-B14F-4D97-AF65-F5344CB8AC3E}">
-        <p14:creationId xmlns:p14="http://schemas.microsoft.com/office/powerpoint/2010/main" val="622872639"/>
+        <p14:creationId xmlns:p14="http://schemas.microsoft.com/office/powerpoint/2010/main" val="3046918127"/>
       </p:ext>
     </p:extLst>
   </p:cSld>
@@ -547,7 +547,7 @@
           <p:cNvPr id="2" name="Vertical Title 1">
             <a:extLst>
               <a:ext uri="{FF2B5EF4-FFF2-40B4-BE49-F238E27FC236}">
-                <a16:creationId xmlns:a16="http://schemas.microsoft.com/office/drawing/2014/main" id="{C1FC1431-A43C-4B46-B066-6E35E392F846}"/>
+                <a16:creationId xmlns:a16="http://schemas.microsoft.com/office/drawing/2014/main" id="{756BCD74-B365-4ADC-ADD0-2F9DAF0BCE47}"/>
               </a:ext>
             </a:extLst>
           </p:cNvPr>
@@ -580,7 +580,7 @@
           <p:cNvPr id="3" name="Vertical Text Placeholder 2">
             <a:extLst>
               <a:ext uri="{FF2B5EF4-FFF2-40B4-BE49-F238E27FC236}">
-                <a16:creationId xmlns:a16="http://schemas.microsoft.com/office/drawing/2014/main" id="{32B36D4D-1D5B-4BA5-B7A4-EB8F36D019C6}"/>
+                <a16:creationId xmlns:a16="http://schemas.microsoft.com/office/drawing/2014/main" id="{8AF74C22-4033-4EA4-96E0-5106D341FDA7}"/>
               </a:ext>
             </a:extLst>
           </p:cNvPr>
@@ -642,7 +642,7 @@
           <p:cNvPr id="4" name="Date Placeholder 3">
             <a:extLst>
               <a:ext uri="{FF2B5EF4-FFF2-40B4-BE49-F238E27FC236}">
-                <a16:creationId xmlns:a16="http://schemas.microsoft.com/office/drawing/2014/main" id="{36A2CAD6-F0CE-439E-BF7B-EEDCF28F3EB3}"/>
+                <a16:creationId xmlns:a16="http://schemas.microsoft.com/office/drawing/2014/main" id="{E401A21C-EAEE-4C52-BC07-6F9BEED95B80}"/>
               </a:ext>
             </a:extLst>
           </p:cNvPr>
@@ -658,7 +658,7 @@
           <a:bodyPr/>
           <a:lstStyle/>
           <a:p>
-            <a:fld id="{7F5B0D31-1ADB-4B4E-ACBB-720D5B718FAA}" type="datetimeFigureOut">
+            <a:fld id="{BBE91FCD-5F32-4893-87F4-18E5763C05BB}" type="datetimeFigureOut">
               <a:rPr lang="en-US" smtClean="0"/>
               <a:t>11/3/2022</a:t>
             </a:fld>
@@ -671,7 +671,7 @@
           <p:cNvPr id="5" name="Footer Placeholder 4">
             <a:extLst>
               <a:ext uri="{FF2B5EF4-FFF2-40B4-BE49-F238E27FC236}">
-                <a16:creationId xmlns:a16="http://schemas.microsoft.com/office/drawing/2014/main" id="{4D9B3983-95EA-4002-A7BA-CABD46351A70}"/>
+                <a16:creationId xmlns:a16="http://schemas.microsoft.com/office/drawing/2014/main" id="{9C741ED4-9691-4EB2-981C-9B58DB4A7BDF}"/>
               </a:ext>
             </a:extLst>
           </p:cNvPr>
@@ -696,7 +696,7 @@
           <p:cNvPr id="6" name="Slide Number Placeholder 5">
             <a:extLst>
               <a:ext uri="{FF2B5EF4-FFF2-40B4-BE49-F238E27FC236}">
-                <a16:creationId xmlns:a16="http://schemas.microsoft.com/office/drawing/2014/main" id="{D0E90051-C097-49FC-9F15-E2341381635F}"/>
+                <a16:creationId xmlns:a16="http://schemas.microsoft.com/office/drawing/2014/main" id="{C849F8D9-7D6E-4B70-8493-B3D14DDFC575}"/>
               </a:ext>
             </a:extLst>
           </p:cNvPr>
@@ -712,7 +712,7 @@
           <a:bodyPr/>
           <a:lstStyle/>
           <a:p>
-            <a:fld id="{EFEC1622-8CC9-4F00-80C4-DFC570F6CBD0}" type="slidenum">
+            <a:fld id="{B97B9177-721B-4D9E-8370-F7DE891ADD74}" type="slidenum">
               <a:rPr lang="en-US" smtClean="0"/>
               <a:t>‹#›</a:t>
             </a:fld>
@@ -723,7 +723,7 @@
     </p:spTree>
     <p:extLst>
       <p:ext uri="{BB962C8B-B14F-4D97-AF65-F5344CB8AC3E}">
-        <p14:creationId xmlns:p14="http://schemas.microsoft.com/office/powerpoint/2010/main" val="1335779056"/>
+        <p14:creationId xmlns:p14="http://schemas.microsoft.com/office/powerpoint/2010/main" val="2781505932"/>
       </p:ext>
     </p:extLst>
   </p:cSld>
@@ -755,7 +755,7 @@
           <p:cNvPr id="2" name="Title 1">
             <a:extLst>
               <a:ext uri="{FF2B5EF4-FFF2-40B4-BE49-F238E27FC236}">
-                <a16:creationId xmlns:a16="http://schemas.microsoft.com/office/drawing/2014/main" id="{5B8033CD-3A68-4E93-905D-26B89D1F4504}"/>
+                <a16:creationId xmlns:a16="http://schemas.microsoft.com/office/drawing/2014/main" id="{2EA2B8A0-7DBE-451A-9154-B7D61CE23DBC}"/>
               </a:ext>
             </a:extLst>
           </p:cNvPr>
@@ -783,7 +783,7 @@
           <p:cNvPr id="3" name="Content Placeholder 2">
             <a:extLst>
               <a:ext uri="{FF2B5EF4-FFF2-40B4-BE49-F238E27FC236}">
-                <a16:creationId xmlns:a16="http://schemas.microsoft.com/office/drawing/2014/main" id="{05F64BCA-106A-4B5D-8F83-7462D5323AF8}"/>
+                <a16:creationId xmlns:a16="http://schemas.microsoft.com/office/drawing/2014/main" id="{D2221FD2-519F-456E-A486-4563A7F2BB27}"/>
               </a:ext>
             </a:extLst>
           </p:cNvPr>
@@ -840,7 +840,7 @@
           <p:cNvPr id="4" name="Date Placeholder 3">
             <a:extLst>
               <a:ext uri="{FF2B5EF4-FFF2-40B4-BE49-F238E27FC236}">
-                <a16:creationId xmlns:a16="http://schemas.microsoft.com/office/drawing/2014/main" id="{BEFEA631-F9CB-43D6-B742-70F4C90AE5DF}"/>
+                <a16:creationId xmlns:a16="http://schemas.microsoft.com/office/drawing/2014/main" id="{52A21DE3-AD07-4D5B-8BD0-F7E87F787D95}"/>
               </a:ext>
             </a:extLst>
           </p:cNvPr>
@@ -856,7 +856,7 @@
           <a:bodyPr/>
           <a:lstStyle/>
           <a:p>
-            <a:fld id="{7F5B0D31-1ADB-4B4E-ACBB-720D5B718FAA}" type="datetimeFigureOut">
+            <a:fld id="{BBE91FCD-5F32-4893-87F4-18E5763C05BB}" type="datetimeFigureOut">
               <a:rPr lang="en-US" smtClean="0"/>
               <a:t>11/3/2022</a:t>
             </a:fld>
@@ -869,7 +869,7 @@
           <p:cNvPr id="5" name="Footer Placeholder 4">
             <a:extLst>
               <a:ext uri="{FF2B5EF4-FFF2-40B4-BE49-F238E27FC236}">
-                <a16:creationId xmlns:a16="http://schemas.microsoft.com/office/drawing/2014/main" id="{6D85F878-CD60-4E10-9B87-46BCC5ACEBE6}"/>
+                <a16:creationId xmlns:a16="http://schemas.microsoft.com/office/drawing/2014/main" id="{532989E3-3C8E-4F5F-952B-4845E2604610}"/>
               </a:ext>
             </a:extLst>
           </p:cNvPr>
@@ -894,7 +894,7 @@
           <p:cNvPr id="6" name="Slide Number Placeholder 5">
             <a:extLst>
               <a:ext uri="{FF2B5EF4-FFF2-40B4-BE49-F238E27FC236}">
-                <a16:creationId xmlns:a16="http://schemas.microsoft.com/office/drawing/2014/main" id="{A0EC8796-11F0-4155-873E-6269C92A00D6}"/>
+                <a16:creationId xmlns:a16="http://schemas.microsoft.com/office/drawing/2014/main" id="{EAD74FC6-7470-47A5-8805-9FC6DAE44A03}"/>
               </a:ext>
             </a:extLst>
           </p:cNvPr>
@@ -910,7 +910,7 @@
           <a:bodyPr/>
           <a:lstStyle/>
           <a:p>
-            <a:fld id="{EFEC1622-8CC9-4F00-80C4-DFC570F6CBD0}" type="slidenum">
+            <a:fld id="{B97B9177-721B-4D9E-8370-F7DE891ADD74}" type="slidenum">
               <a:rPr lang="en-US" smtClean="0"/>
               <a:t>‹#›</a:t>
             </a:fld>
@@ -921,7 +921,7 @@
     </p:spTree>
     <p:extLst>
       <p:ext uri="{BB962C8B-B14F-4D97-AF65-F5344CB8AC3E}">
-        <p14:creationId xmlns:p14="http://schemas.microsoft.com/office/powerpoint/2010/main" val="808725206"/>
+        <p14:creationId xmlns:p14="http://schemas.microsoft.com/office/powerpoint/2010/main" val="4267063630"/>
       </p:ext>
     </p:extLst>
   </p:cSld>
@@ -953,7 +953,7 @@
           <p:cNvPr id="2" name="Title 1">
             <a:extLst>
               <a:ext uri="{FF2B5EF4-FFF2-40B4-BE49-F238E27FC236}">
-                <a16:creationId xmlns:a16="http://schemas.microsoft.com/office/drawing/2014/main" id="{AA72C79F-7B64-47FA-9C3F-187494191601}"/>
+                <a16:creationId xmlns:a16="http://schemas.microsoft.com/office/drawing/2014/main" id="{337D002A-41EC-469C-AF36-247DDCDBAFD2}"/>
               </a:ext>
             </a:extLst>
           </p:cNvPr>
@@ -990,7 +990,7 @@
           <p:cNvPr id="3" name="Text Placeholder 2">
             <a:extLst>
               <a:ext uri="{FF2B5EF4-FFF2-40B4-BE49-F238E27FC236}">
-                <a16:creationId xmlns:a16="http://schemas.microsoft.com/office/drawing/2014/main" id="{E226DB79-4E16-46C4-9784-B9F3742058DA}"/>
+                <a16:creationId xmlns:a16="http://schemas.microsoft.com/office/drawing/2014/main" id="{2AF6F1C9-CC98-437D-9588-587669958876}"/>
               </a:ext>
             </a:extLst>
           </p:cNvPr>
@@ -1115,7 +1115,7 @@
           <p:cNvPr id="4" name="Date Placeholder 3">
             <a:extLst>
               <a:ext uri="{FF2B5EF4-FFF2-40B4-BE49-F238E27FC236}">
-                <a16:creationId xmlns:a16="http://schemas.microsoft.com/office/drawing/2014/main" id="{E2DE8125-C9BB-4DE8-9A74-D153DA2C317D}"/>
+                <a16:creationId xmlns:a16="http://schemas.microsoft.com/office/drawing/2014/main" id="{F76D7ACB-DAC9-4C78-90EF-ADDD95CFC94F}"/>
               </a:ext>
             </a:extLst>
           </p:cNvPr>
@@ -1131,7 +1131,7 @@
           <a:bodyPr/>
           <a:lstStyle/>
           <a:p>
-            <a:fld id="{7F5B0D31-1ADB-4B4E-ACBB-720D5B718FAA}" type="datetimeFigureOut">
+            <a:fld id="{BBE91FCD-5F32-4893-87F4-18E5763C05BB}" type="datetimeFigureOut">
               <a:rPr lang="en-US" smtClean="0"/>
               <a:t>11/3/2022</a:t>
             </a:fld>
@@ -1144,7 +1144,7 @@
           <p:cNvPr id="5" name="Footer Placeholder 4">
             <a:extLst>
               <a:ext uri="{FF2B5EF4-FFF2-40B4-BE49-F238E27FC236}">
-                <a16:creationId xmlns:a16="http://schemas.microsoft.com/office/drawing/2014/main" id="{2523CFA1-408B-4254-9F64-6B822190BD36}"/>
+                <a16:creationId xmlns:a16="http://schemas.microsoft.com/office/drawing/2014/main" id="{3DDE4BFB-04B6-48A1-83B6-227A9E738E24}"/>
               </a:ext>
             </a:extLst>
           </p:cNvPr>
@@ -1169,7 +1169,7 @@
           <p:cNvPr id="6" name="Slide Number Placeholder 5">
             <a:extLst>
               <a:ext uri="{FF2B5EF4-FFF2-40B4-BE49-F238E27FC236}">
-                <a16:creationId xmlns:a16="http://schemas.microsoft.com/office/drawing/2014/main" id="{FCD27A2B-5D23-40D2-98D6-6474D9C346BD}"/>
+                <a16:creationId xmlns:a16="http://schemas.microsoft.com/office/drawing/2014/main" id="{4E7200C6-59C8-4125-962D-00CFF2258885}"/>
               </a:ext>
             </a:extLst>
           </p:cNvPr>
@@ -1185,7 +1185,7 @@
           <a:bodyPr/>
           <a:lstStyle/>
           <a:p>
-            <a:fld id="{EFEC1622-8CC9-4F00-80C4-DFC570F6CBD0}" type="slidenum">
+            <a:fld id="{B97B9177-721B-4D9E-8370-F7DE891ADD74}" type="slidenum">
               <a:rPr lang="en-US" smtClean="0"/>
               <a:t>‹#›</a:t>
             </a:fld>
@@ -1196,7 +1196,7 @@
     </p:spTree>
     <p:extLst>
       <p:ext uri="{BB962C8B-B14F-4D97-AF65-F5344CB8AC3E}">
-        <p14:creationId xmlns:p14="http://schemas.microsoft.com/office/powerpoint/2010/main" val="2443111048"/>
+        <p14:creationId xmlns:p14="http://schemas.microsoft.com/office/powerpoint/2010/main" val="3289004799"/>
       </p:ext>
     </p:extLst>
   </p:cSld>
@@ -1228,7 +1228,7 @@
           <p:cNvPr id="2" name="Title 1">
             <a:extLst>
               <a:ext uri="{FF2B5EF4-FFF2-40B4-BE49-F238E27FC236}">
-                <a16:creationId xmlns:a16="http://schemas.microsoft.com/office/drawing/2014/main" id="{70524937-31FF-465B-8EEF-F93F09ED136D}"/>
+                <a16:creationId xmlns:a16="http://schemas.microsoft.com/office/drawing/2014/main" id="{6037EAFD-8CFB-4AA4-8221-C914CC603865}"/>
               </a:ext>
             </a:extLst>
           </p:cNvPr>
@@ -1256,7 +1256,7 @@
           <p:cNvPr id="3" name="Content Placeholder 2">
             <a:extLst>
               <a:ext uri="{FF2B5EF4-FFF2-40B4-BE49-F238E27FC236}">
-                <a16:creationId xmlns:a16="http://schemas.microsoft.com/office/drawing/2014/main" id="{CF7860A3-FAD6-444D-80FD-69363D1E1DDD}"/>
+                <a16:creationId xmlns:a16="http://schemas.microsoft.com/office/drawing/2014/main" id="{BC132455-6B6A-4C0C-ACCC-0DF57977338B}"/>
               </a:ext>
             </a:extLst>
           </p:cNvPr>
@@ -1318,7 +1318,7 @@
           <p:cNvPr id="4" name="Content Placeholder 3">
             <a:extLst>
               <a:ext uri="{FF2B5EF4-FFF2-40B4-BE49-F238E27FC236}">
-                <a16:creationId xmlns:a16="http://schemas.microsoft.com/office/drawing/2014/main" id="{86CF073D-782C-4A26-ABE8-B74AF4CCFF39}"/>
+                <a16:creationId xmlns:a16="http://schemas.microsoft.com/office/drawing/2014/main" id="{34B1F6DE-EAA5-4532-A1B5-4CFE32852A99}"/>
               </a:ext>
             </a:extLst>
           </p:cNvPr>
@@ -1380,7 +1380,7 @@
           <p:cNvPr id="5" name="Date Placeholder 4">
             <a:extLst>
               <a:ext uri="{FF2B5EF4-FFF2-40B4-BE49-F238E27FC236}">
-                <a16:creationId xmlns:a16="http://schemas.microsoft.com/office/drawing/2014/main" id="{BB0DD79D-FB5A-4F86-AE15-741F974C4799}"/>
+                <a16:creationId xmlns:a16="http://schemas.microsoft.com/office/drawing/2014/main" id="{31B8887B-5429-441C-BEA6-24A67F047FDA}"/>
               </a:ext>
             </a:extLst>
           </p:cNvPr>
@@ -1396,7 +1396,7 @@
           <a:bodyPr/>
           <a:lstStyle/>
           <a:p>
-            <a:fld id="{7F5B0D31-1ADB-4B4E-ACBB-720D5B718FAA}" type="datetimeFigureOut">
+            <a:fld id="{BBE91FCD-5F32-4893-87F4-18E5763C05BB}" type="datetimeFigureOut">
               <a:rPr lang="en-US" smtClean="0"/>
               <a:t>11/3/2022</a:t>
             </a:fld>
@@ -1409,7 +1409,7 @@
           <p:cNvPr id="6" name="Footer Placeholder 5">
             <a:extLst>
               <a:ext uri="{FF2B5EF4-FFF2-40B4-BE49-F238E27FC236}">
-                <a16:creationId xmlns:a16="http://schemas.microsoft.com/office/drawing/2014/main" id="{CC32B42A-D29D-4D62-A6BE-7A971B438264}"/>
+                <a16:creationId xmlns:a16="http://schemas.microsoft.com/office/drawing/2014/main" id="{FBC06A2F-C8C8-4C26-B4E3-5C9FAD0F9F07}"/>
               </a:ext>
             </a:extLst>
           </p:cNvPr>
@@ -1434,7 +1434,7 @@
           <p:cNvPr id="7" name="Slide Number Placeholder 6">
             <a:extLst>
               <a:ext uri="{FF2B5EF4-FFF2-40B4-BE49-F238E27FC236}">
-                <a16:creationId xmlns:a16="http://schemas.microsoft.com/office/drawing/2014/main" id="{C6081245-58C4-457C-8531-5C084DA5AD52}"/>
+                <a16:creationId xmlns:a16="http://schemas.microsoft.com/office/drawing/2014/main" id="{F8FF299B-0416-44A0-8A7C-8A558859E11F}"/>
               </a:ext>
             </a:extLst>
           </p:cNvPr>
@@ -1450,7 +1450,7 @@
           <a:bodyPr/>
           <a:lstStyle/>
           <a:p>
-            <a:fld id="{EFEC1622-8CC9-4F00-80C4-DFC570F6CBD0}" type="slidenum">
+            <a:fld id="{B97B9177-721B-4D9E-8370-F7DE891ADD74}" type="slidenum">
               <a:rPr lang="en-US" smtClean="0"/>
               <a:t>‹#›</a:t>
             </a:fld>
@@ -1461,7 +1461,7 @@
     </p:spTree>
     <p:extLst>
       <p:ext uri="{BB962C8B-B14F-4D97-AF65-F5344CB8AC3E}">
-        <p14:creationId xmlns:p14="http://schemas.microsoft.com/office/powerpoint/2010/main" val="968463417"/>
+        <p14:creationId xmlns:p14="http://schemas.microsoft.com/office/powerpoint/2010/main" val="1131636205"/>
       </p:ext>
     </p:extLst>
   </p:cSld>
@@ -1493,7 +1493,7 @@
           <p:cNvPr id="2" name="Title 1">
             <a:extLst>
               <a:ext uri="{FF2B5EF4-FFF2-40B4-BE49-F238E27FC236}">
-                <a16:creationId xmlns:a16="http://schemas.microsoft.com/office/drawing/2014/main" id="{79260C92-DF87-48FD-A6EB-DE32A89EEDB5}"/>
+                <a16:creationId xmlns:a16="http://schemas.microsoft.com/office/drawing/2014/main" id="{333D2715-A2D8-4725-BF35-12FD45B71267}"/>
               </a:ext>
             </a:extLst>
           </p:cNvPr>
@@ -1526,7 +1526,7 @@
           <p:cNvPr id="3" name="Text Placeholder 2">
             <a:extLst>
               <a:ext uri="{FF2B5EF4-FFF2-40B4-BE49-F238E27FC236}">
-                <a16:creationId xmlns:a16="http://schemas.microsoft.com/office/drawing/2014/main" id="{25DB2FE7-6E83-4F91-901D-2FA9A81A29A9}"/>
+                <a16:creationId xmlns:a16="http://schemas.microsoft.com/office/drawing/2014/main" id="{4721AD76-638A-43D1-9691-FAA79373849F}"/>
               </a:ext>
             </a:extLst>
           </p:cNvPr>
@@ -1597,7 +1597,7 @@
           <p:cNvPr id="4" name="Content Placeholder 3">
             <a:extLst>
               <a:ext uri="{FF2B5EF4-FFF2-40B4-BE49-F238E27FC236}">
-                <a16:creationId xmlns:a16="http://schemas.microsoft.com/office/drawing/2014/main" id="{5C19B6CA-6883-499B-A108-8D9F96D44D2B}"/>
+                <a16:creationId xmlns:a16="http://schemas.microsoft.com/office/drawing/2014/main" id="{B0FF206E-7BE6-4B34-ADAD-74CC4DE1EBE4}"/>
               </a:ext>
             </a:extLst>
           </p:cNvPr>
@@ -1659,7 +1659,7 @@
           <p:cNvPr id="5" name="Text Placeholder 4">
             <a:extLst>
               <a:ext uri="{FF2B5EF4-FFF2-40B4-BE49-F238E27FC236}">
-                <a16:creationId xmlns:a16="http://schemas.microsoft.com/office/drawing/2014/main" id="{575CF0D1-7077-4025-A5D8-3821E2AE3E8E}"/>
+                <a16:creationId xmlns:a16="http://schemas.microsoft.com/office/drawing/2014/main" id="{C3C55657-58C9-4622-B5A3-E1E51CD69AD0}"/>
               </a:ext>
             </a:extLst>
           </p:cNvPr>
@@ -1730,7 +1730,7 @@
           <p:cNvPr id="6" name="Content Placeholder 5">
             <a:extLst>
               <a:ext uri="{FF2B5EF4-FFF2-40B4-BE49-F238E27FC236}">
-                <a16:creationId xmlns:a16="http://schemas.microsoft.com/office/drawing/2014/main" id="{9DAC059F-7866-4429-8CC5-61A81786A09C}"/>
+                <a16:creationId xmlns:a16="http://schemas.microsoft.com/office/drawing/2014/main" id="{FCAB524B-513F-421F-AFE0-97131736188B}"/>
               </a:ext>
             </a:extLst>
           </p:cNvPr>
@@ -1792,7 +1792,7 @@
           <p:cNvPr id="7" name="Date Placeholder 6">
             <a:extLst>
               <a:ext uri="{FF2B5EF4-FFF2-40B4-BE49-F238E27FC236}">
-                <a16:creationId xmlns:a16="http://schemas.microsoft.com/office/drawing/2014/main" id="{7DB01B09-B183-424B-91FC-315E8576B2C5}"/>
+                <a16:creationId xmlns:a16="http://schemas.microsoft.com/office/drawing/2014/main" id="{2EDEDDFE-364C-482E-BD99-0C67AEB34759}"/>
               </a:ext>
             </a:extLst>
           </p:cNvPr>
@@ -1808,7 +1808,7 @@
           <a:bodyPr/>
           <a:lstStyle/>
           <a:p>
-            <a:fld id="{7F5B0D31-1ADB-4B4E-ACBB-720D5B718FAA}" type="datetimeFigureOut">
+            <a:fld id="{BBE91FCD-5F32-4893-87F4-18E5763C05BB}" type="datetimeFigureOut">
               <a:rPr lang="en-US" smtClean="0"/>
               <a:t>11/3/2022</a:t>
             </a:fld>
@@ -1821,7 +1821,7 @@
           <p:cNvPr id="8" name="Footer Placeholder 7">
             <a:extLst>
               <a:ext uri="{FF2B5EF4-FFF2-40B4-BE49-F238E27FC236}">
-                <a16:creationId xmlns:a16="http://schemas.microsoft.com/office/drawing/2014/main" id="{1C13B429-8423-4E1D-BB76-35E0889A77BE}"/>
+                <a16:creationId xmlns:a16="http://schemas.microsoft.com/office/drawing/2014/main" id="{08B98522-0201-410D-BD6B-47BDF03C49FB}"/>
               </a:ext>
             </a:extLst>
           </p:cNvPr>
@@ -1846,7 +1846,7 @@
           <p:cNvPr id="9" name="Slide Number Placeholder 8">
             <a:extLst>
               <a:ext uri="{FF2B5EF4-FFF2-40B4-BE49-F238E27FC236}">
-                <a16:creationId xmlns:a16="http://schemas.microsoft.com/office/drawing/2014/main" id="{34952D21-3664-453E-93E4-312D34EB352E}"/>
+                <a16:creationId xmlns:a16="http://schemas.microsoft.com/office/drawing/2014/main" id="{AB1B0911-85F5-4F65-8A14-4C4334C729DC}"/>
               </a:ext>
             </a:extLst>
           </p:cNvPr>
@@ -1862,7 +1862,7 @@
           <a:bodyPr/>
           <a:lstStyle/>
           <a:p>
-            <a:fld id="{EFEC1622-8CC9-4F00-80C4-DFC570F6CBD0}" type="slidenum">
+            <a:fld id="{B97B9177-721B-4D9E-8370-F7DE891ADD74}" type="slidenum">
               <a:rPr lang="en-US" smtClean="0"/>
               <a:t>‹#›</a:t>
             </a:fld>
@@ -1873,7 +1873,7 @@
     </p:spTree>
     <p:extLst>
       <p:ext uri="{BB962C8B-B14F-4D97-AF65-F5344CB8AC3E}">
-        <p14:creationId xmlns:p14="http://schemas.microsoft.com/office/powerpoint/2010/main" val="590617905"/>
+        <p14:creationId xmlns:p14="http://schemas.microsoft.com/office/powerpoint/2010/main" val="3564889481"/>
       </p:ext>
     </p:extLst>
   </p:cSld>
@@ -1905,7 +1905,7 @@
           <p:cNvPr id="2" name="Title 1">
             <a:extLst>
               <a:ext uri="{FF2B5EF4-FFF2-40B4-BE49-F238E27FC236}">
-                <a16:creationId xmlns:a16="http://schemas.microsoft.com/office/drawing/2014/main" id="{747E1CD3-A750-4192-A7DC-EBEB8713BFAE}"/>
+                <a16:creationId xmlns:a16="http://schemas.microsoft.com/office/drawing/2014/main" id="{0FD102FD-E59B-46A9-85E6-2D5E27DD0E08}"/>
               </a:ext>
             </a:extLst>
           </p:cNvPr>
@@ -1933,7 +1933,7 @@
           <p:cNvPr id="3" name="Date Placeholder 2">
             <a:extLst>
               <a:ext uri="{FF2B5EF4-FFF2-40B4-BE49-F238E27FC236}">
-                <a16:creationId xmlns:a16="http://schemas.microsoft.com/office/drawing/2014/main" id="{314D1A20-7EBA-4D6E-9B77-4758A2CB0527}"/>
+                <a16:creationId xmlns:a16="http://schemas.microsoft.com/office/drawing/2014/main" id="{6F6CE255-8C8D-4F93-9180-EC01F9A37DAB}"/>
               </a:ext>
             </a:extLst>
           </p:cNvPr>
@@ -1949,7 +1949,7 @@
           <a:bodyPr/>
           <a:lstStyle/>
           <a:p>
-            <a:fld id="{7F5B0D31-1ADB-4B4E-ACBB-720D5B718FAA}" type="datetimeFigureOut">
+            <a:fld id="{BBE91FCD-5F32-4893-87F4-18E5763C05BB}" type="datetimeFigureOut">
               <a:rPr lang="en-US" smtClean="0"/>
               <a:t>11/3/2022</a:t>
             </a:fld>
@@ -1962,7 +1962,7 @@
           <p:cNvPr id="4" name="Footer Placeholder 3">
             <a:extLst>
               <a:ext uri="{FF2B5EF4-FFF2-40B4-BE49-F238E27FC236}">
-                <a16:creationId xmlns:a16="http://schemas.microsoft.com/office/drawing/2014/main" id="{1E9A60BD-8708-4E38-934C-5C077AEB68CA}"/>
+                <a16:creationId xmlns:a16="http://schemas.microsoft.com/office/drawing/2014/main" id="{E78CA386-4482-4CBF-8DFD-817E83370BDC}"/>
               </a:ext>
             </a:extLst>
           </p:cNvPr>
@@ -1987,7 +1987,7 @@
           <p:cNvPr id="5" name="Slide Number Placeholder 4">
             <a:extLst>
               <a:ext uri="{FF2B5EF4-FFF2-40B4-BE49-F238E27FC236}">
-                <a16:creationId xmlns:a16="http://schemas.microsoft.com/office/drawing/2014/main" id="{510B9000-BA9D-41A8-A67E-894D55A3537E}"/>
+                <a16:creationId xmlns:a16="http://schemas.microsoft.com/office/drawing/2014/main" id="{F95E00E4-8A4F-4614-A9CF-85D9F4AE46EA}"/>
               </a:ext>
             </a:extLst>
           </p:cNvPr>
@@ -2003,7 +2003,7 @@
           <a:bodyPr/>
           <a:lstStyle/>
           <a:p>
-            <a:fld id="{EFEC1622-8CC9-4F00-80C4-DFC570F6CBD0}" type="slidenum">
+            <a:fld id="{B97B9177-721B-4D9E-8370-F7DE891ADD74}" type="slidenum">
               <a:rPr lang="en-US" smtClean="0"/>
               <a:t>‹#›</a:t>
             </a:fld>
@@ -2014,7 +2014,7 @@
     </p:spTree>
     <p:extLst>
       <p:ext uri="{BB962C8B-B14F-4D97-AF65-F5344CB8AC3E}">
-        <p14:creationId xmlns:p14="http://schemas.microsoft.com/office/powerpoint/2010/main" val="3423808156"/>
+        <p14:creationId xmlns:p14="http://schemas.microsoft.com/office/powerpoint/2010/main" val="3272796775"/>
       </p:ext>
     </p:extLst>
   </p:cSld>
@@ -2046,7 +2046,7 @@
           <p:cNvPr id="2" name="Date Placeholder 1">
             <a:extLst>
               <a:ext uri="{FF2B5EF4-FFF2-40B4-BE49-F238E27FC236}">
-                <a16:creationId xmlns:a16="http://schemas.microsoft.com/office/drawing/2014/main" id="{DDE41E3B-20A1-4F58-ACF4-2625153E8D45}"/>
+                <a16:creationId xmlns:a16="http://schemas.microsoft.com/office/drawing/2014/main" id="{56FFD97E-66D7-4608-ADD2-60D087D270C9}"/>
               </a:ext>
             </a:extLst>
           </p:cNvPr>
@@ -2062,7 +2062,7 @@
           <a:bodyPr/>
           <a:lstStyle/>
           <a:p>
-            <a:fld id="{7F5B0D31-1ADB-4B4E-ACBB-720D5B718FAA}" type="datetimeFigureOut">
+            <a:fld id="{BBE91FCD-5F32-4893-87F4-18E5763C05BB}" type="datetimeFigureOut">
               <a:rPr lang="en-US" smtClean="0"/>
               <a:t>11/3/2022</a:t>
             </a:fld>
@@ -2075,7 +2075,7 @@
           <p:cNvPr id="3" name="Footer Placeholder 2">
             <a:extLst>
               <a:ext uri="{FF2B5EF4-FFF2-40B4-BE49-F238E27FC236}">
-                <a16:creationId xmlns:a16="http://schemas.microsoft.com/office/drawing/2014/main" id="{BA6D961C-E62D-4A83-9A6B-4624277EA290}"/>
+                <a16:creationId xmlns:a16="http://schemas.microsoft.com/office/drawing/2014/main" id="{9EF31CFA-FE32-4903-B0D5-5F306D512790}"/>
               </a:ext>
             </a:extLst>
           </p:cNvPr>
@@ -2100,7 +2100,7 @@
           <p:cNvPr id="4" name="Slide Number Placeholder 3">
             <a:extLst>
               <a:ext uri="{FF2B5EF4-FFF2-40B4-BE49-F238E27FC236}">
-                <a16:creationId xmlns:a16="http://schemas.microsoft.com/office/drawing/2014/main" id="{765A97EF-17E1-47C1-B6D5-D1EB9AC68E9D}"/>
+                <a16:creationId xmlns:a16="http://schemas.microsoft.com/office/drawing/2014/main" id="{F92F2D07-5DE0-4EE3-AFB5-C741C2F32A19}"/>
               </a:ext>
             </a:extLst>
           </p:cNvPr>
@@ -2116,7 +2116,7 @@
           <a:bodyPr/>
           <a:lstStyle/>
           <a:p>
-            <a:fld id="{EFEC1622-8CC9-4F00-80C4-DFC570F6CBD0}" type="slidenum">
+            <a:fld id="{B97B9177-721B-4D9E-8370-F7DE891ADD74}" type="slidenum">
               <a:rPr lang="en-US" smtClean="0"/>
               <a:t>‹#›</a:t>
             </a:fld>
@@ -2127,7 +2127,7 @@
     </p:spTree>
     <p:extLst>
       <p:ext uri="{BB962C8B-B14F-4D97-AF65-F5344CB8AC3E}">
-        <p14:creationId xmlns:p14="http://schemas.microsoft.com/office/powerpoint/2010/main" val="186645957"/>
+        <p14:creationId xmlns:p14="http://schemas.microsoft.com/office/powerpoint/2010/main" val="4012065149"/>
       </p:ext>
     </p:extLst>
   </p:cSld>
@@ -2159,7 +2159,7 @@
           <p:cNvPr id="2" name="Title 1">
             <a:extLst>
               <a:ext uri="{FF2B5EF4-FFF2-40B4-BE49-F238E27FC236}">
-                <a16:creationId xmlns:a16="http://schemas.microsoft.com/office/drawing/2014/main" id="{03B3280F-4A1B-47AF-BF1A-684D7E474BEA}"/>
+                <a16:creationId xmlns:a16="http://schemas.microsoft.com/office/drawing/2014/main" id="{6AE9A13A-DF33-469A-8FCC-E3F7BB8751C1}"/>
               </a:ext>
             </a:extLst>
           </p:cNvPr>
@@ -2196,7 +2196,7 @@
           <p:cNvPr id="3" name="Content Placeholder 2">
             <a:extLst>
               <a:ext uri="{FF2B5EF4-FFF2-40B4-BE49-F238E27FC236}">
-                <a16:creationId xmlns:a16="http://schemas.microsoft.com/office/drawing/2014/main" id="{59CA8A71-AA76-4495-8254-73B945A9263C}"/>
+                <a16:creationId xmlns:a16="http://schemas.microsoft.com/office/drawing/2014/main" id="{7C296D50-24E6-468A-9115-3E5F90135C48}"/>
               </a:ext>
             </a:extLst>
           </p:cNvPr>
@@ -2286,7 +2286,7 @@
           <p:cNvPr id="4" name="Text Placeholder 3">
             <a:extLst>
               <a:ext uri="{FF2B5EF4-FFF2-40B4-BE49-F238E27FC236}">
-                <a16:creationId xmlns:a16="http://schemas.microsoft.com/office/drawing/2014/main" id="{4215E70F-D3C1-4945-A210-06F67F637636}"/>
+                <a16:creationId xmlns:a16="http://schemas.microsoft.com/office/drawing/2014/main" id="{33A0310E-017C-4471-8701-54409CC7CE27}"/>
               </a:ext>
             </a:extLst>
           </p:cNvPr>
@@ -2357,7 +2357,7 @@
           <p:cNvPr id="5" name="Date Placeholder 4">
             <a:extLst>
               <a:ext uri="{FF2B5EF4-FFF2-40B4-BE49-F238E27FC236}">
-                <a16:creationId xmlns:a16="http://schemas.microsoft.com/office/drawing/2014/main" id="{B4C2685B-6CE7-45AF-B3E8-CA83232DF007}"/>
+                <a16:creationId xmlns:a16="http://schemas.microsoft.com/office/drawing/2014/main" id="{98E3E984-EB2F-49B5-AA2D-6C5F186DC057}"/>
               </a:ext>
             </a:extLst>
           </p:cNvPr>
@@ -2373,7 +2373,7 @@
           <a:bodyPr/>
           <a:lstStyle/>
           <a:p>
-            <a:fld id="{7F5B0D31-1ADB-4B4E-ACBB-720D5B718FAA}" type="datetimeFigureOut">
+            <a:fld id="{BBE91FCD-5F32-4893-87F4-18E5763C05BB}" type="datetimeFigureOut">
               <a:rPr lang="en-US" smtClean="0"/>
               <a:t>11/3/2022</a:t>
             </a:fld>
@@ -2386,7 +2386,7 @@
           <p:cNvPr id="6" name="Footer Placeholder 5">
             <a:extLst>
               <a:ext uri="{FF2B5EF4-FFF2-40B4-BE49-F238E27FC236}">
-                <a16:creationId xmlns:a16="http://schemas.microsoft.com/office/drawing/2014/main" id="{533E5EAD-CFAC-4780-8053-B2A27FB33A8D}"/>
+                <a16:creationId xmlns:a16="http://schemas.microsoft.com/office/drawing/2014/main" id="{FE54CA74-AC29-47FA-ADC5-C2AF45117E00}"/>
               </a:ext>
             </a:extLst>
           </p:cNvPr>
@@ -2411,7 +2411,7 @@
           <p:cNvPr id="7" name="Slide Number Placeholder 6">
             <a:extLst>
               <a:ext uri="{FF2B5EF4-FFF2-40B4-BE49-F238E27FC236}">
-                <a16:creationId xmlns:a16="http://schemas.microsoft.com/office/drawing/2014/main" id="{87DF6223-FD56-41E0-BB69-93CCB513FB91}"/>
+                <a16:creationId xmlns:a16="http://schemas.microsoft.com/office/drawing/2014/main" id="{0A9715ED-E45E-4655-8B0D-6D8A993E3A13}"/>
               </a:ext>
             </a:extLst>
           </p:cNvPr>
@@ -2427,7 +2427,7 @@
           <a:bodyPr/>
           <a:lstStyle/>
           <a:p>
-            <a:fld id="{EFEC1622-8CC9-4F00-80C4-DFC570F6CBD0}" type="slidenum">
+            <a:fld id="{B97B9177-721B-4D9E-8370-F7DE891ADD74}" type="slidenum">
               <a:rPr lang="en-US" smtClean="0"/>
               <a:t>‹#›</a:t>
             </a:fld>
@@ -2438,7 +2438,7 @@
     </p:spTree>
     <p:extLst>
       <p:ext uri="{BB962C8B-B14F-4D97-AF65-F5344CB8AC3E}">
-        <p14:creationId xmlns:p14="http://schemas.microsoft.com/office/powerpoint/2010/main" val="2847769372"/>
+        <p14:creationId xmlns:p14="http://schemas.microsoft.com/office/powerpoint/2010/main" val="1117672243"/>
       </p:ext>
     </p:extLst>
   </p:cSld>
@@ -2470,7 +2470,7 @@
           <p:cNvPr id="2" name="Title 1">
             <a:extLst>
               <a:ext uri="{FF2B5EF4-FFF2-40B4-BE49-F238E27FC236}">
-                <a16:creationId xmlns:a16="http://schemas.microsoft.com/office/drawing/2014/main" id="{18FF3478-F893-4F8F-B57D-1A8AC7D54A32}"/>
+                <a16:creationId xmlns:a16="http://schemas.microsoft.com/office/drawing/2014/main" id="{61EB5436-6B58-48FA-BE5D-B1D7ADB61E42}"/>
               </a:ext>
             </a:extLst>
           </p:cNvPr>
@@ -2507,7 +2507,7 @@
           <p:cNvPr id="3" name="Picture Placeholder 2">
             <a:extLst>
               <a:ext uri="{FF2B5EF4-FFF2-40B4-BE49-F238E27FC236}">
-                <a16:creationId xmlns:a16="http://schemas.microsoft.com/office/drawing/2014/main" id="{78D22277-4890-41E9-AF40-5B89911210EF}"/>
+                <a16:creationId xmlns:a16="http://schemas.microsoft.com/office/drawing/2014/main" id="{F0CFE3C8-524B-4B11-8337-C1E26A9CBFEC}"/>
               </a:ext>
             </a:extLst>
           </p:cNvPr>
@@ -2574,7 +2574,7 @@
           <p:cNvPr id="4" name="Text Placeholder 3">
             <a:extLst>
               <a:ext uri="{FF2B5EF4-FFF2-40B4-BE49-F238E27FC236}">
-                <a16:creationId xmlns:a16="http://schemas.microsoft.com/office/drawing/2014/main" id="{E2700185-0618-44FF-9D7B-F9C2764AB9F9}"/>
+                <a16:creationId xmlns:a16="http://schemas.microsoft.com/office/drawing/2014/main" id="{546C74BF-798A-4760-8E30-870F41A9807F}"/>
               </a:ext>
             </a:extLst>
           </p:cNvPr>
@@ -2645,7 +2645,7 @@
           <p:cNvPr id="5" name="Date Placeholder 4">
             <a:extLst>
               <a:ext uri="{FF2B5EF4-FFF2-40B4-BE49-F238E27FC236}">
-                <a16:creationId xmlns:a16="http://schemas.microsoft.com/office/drawing/2014/main" id="{9A7719BF-3F05-4FFC-8A2D-E32B764FEC27}"/>
+                <a16:creationId xmlns:a16="http://schemas.microsoft.com/office/drawing/2014/main" id="{146E9A8D-B7E4-4625-916C-FD715D800BB1}"/>
               </a:ext>
             </a:extLst>
           </p:cNvPr>
@@ -2661,7 +2661,7 @@
           <a:bodyPr/>
           <a:lstStyle/>
           <a:p>
-            <a:fld id="{7F5B0D31-1ADB-4B4E-ACBB-720D5B718FAA}" type="datetimeFigureOut">
+            <a:fld id="{BBE91FCD-5F32-4893-87F4-18E5763C05BB}" type="datetimeFigureOut">
               <a:rPr lang="en-US" smtClean="0"/>
               <a:t>11/3/2022</a:t>
             </a:fld>
@@ -2674,7 +2674,7 @@
           <p:cNvPr id="6" name="Footer Placeholder 5">
             <a:extLst>
               <a:ext uri="{FF2B5EF4-FFF2-40B4-BE49-F238E27FC236}">
-                <a16:creationId xmlns:a16="http://schemas.microsoft.com/office/drawing/2014/main" id="{3097AD6D-AF8F-44C4-9E79-EC31FE5690E4}"/>
+                <a16:creationId xmlns:a16="http://schemas.microsoft.com/office/drawing/2014/main" id="{6B231CD3-4299-4013-9CB3-F7A357ABD3F7}"/>
               </a:ext>
             </a:extLst>
           </p:cNvPr>
@@ -2699,7 +2699,7 @@
           <p:cNvPr id="7" name="Slide Number Placeholder 6">
             <a:extLst>
               <a:ext uri="{FF2B5EF4-FFF2-40B4-BE49-F238E27FC236}">
-                <a16:creationId xmlns:a16="http://schemas.microsoft.com/office/drawing/2014/main" id="{99EAF14F-7DC8-4C86-A692-3A00CBD2DE41}"/>
+                <a16:creationId xmlns:a16="http://schemas.microsoft.com/office/drawing/2014/main" id="{7E317C87-09F9-4A03-ABFA-95CB4E32A57A}"/>
               </a:ext>
             </a:extLst>
           </p:cNvPr>
@@ -2715,7 +2715,7 @@
           <a:bodyPr/>
           <a:lstStyle/>
           <a:p>
-            <a:fld id="{EFEC1622-8CC9-4F00-80C4-DFC570F6CBD0}" type="slidenum">
+            <a:fld id="{B97B9177-721B-4D9E-8370-F7DE891ADD74}" type="slidenum">
               <a:rPr lang="en-US" smtClean="0"/>
               <a:t>‹#›</a:t>
             </a:fld>
@@ -2726,7 +2726,7 @@
     </p:spTree>
     <p:extLst>
       <p:ext uri="{BB962C8B-B14F-4D97-AF65-F5344CB8AC3E}">
-        <p14:creationId xmlns:p14="http://schemas.microsoft.com/office/powerpoint/2010/main" val="578236691"/>
+        <p14:creationId xmlns:p14="http://schemas.microsoft.com/office/powerpoint/2010/main" val="1278939702"/>
       </p:ext>
     </p:extLst>
   </p:cSld>
@@ -2763,7 +2763,7 @@
           <p:cNvPr id="2" name="Title Placeholder 1">
             <a:extLst>
               <a:ext uri="{FF2B5EF4-FFF2-40B4-BE49-F238E27FC236}">
-                <a16:creationId xmlns:a16="http://schemas.microsoft.com/office/drawing/2014/main" id="{E939F9E8-DA9A-4F95-A00A-D74EAAB45C0C}"/>
+                <a16:creationId xmlns:a16="http://schemas.microsoft.com/office/drawing/2014/main" id="{8AFCB2E8-7C56-4431-91EF-E8AE6901D227}"/>
               </a:ext>
             </a:extLst>
           </p:cNvPr>
@@ -2801,7 +2801,7 @@
           <p:cNvPr id="3" name="Text Placeholder 2">
             <a:extLst>
               <a:ext uri="{FF2B5EF4-FFF2-40B4-BE49-F238E27FC236}">
-                <a16:creationId xmlns:a16="http://schemas.microsoft.com/office/drawing/2014/main" id="{A33A699E-7BCD-4FF5-9B4E-9FBD4573E196}"/>
+                <a16:creationId xmlns:a16="http://schemas.microsoft.com/office/drawing/2014/main" id="{8C009E8D-7B94-4763-856F-EC48AAAF9D7F}"/>
               </a:ext>
             </a:extLst>
           </p:cNvPr>
@@ -2868,7 +2868,7 @@
           <p:cNvPr id="4" name="Date Placeholder 3">
             <a:extLst>
               <a:ext uri="{FF2B5EF4-FFF2-40B4-BE49-F238E27FC236}">
-                <a16:creationId xmlns:a16="http://schemas.microsoft.com/office/drawing/2014/main" id="{B750CEC7-F92F-40BE-8CCA-6C855093F44F}"/>
+                <a16:creationId xmlns:a16="http://schemas.microsoft.com/office/drawing/2014/main" id="{BE0FBB27-8E25-4AAB-A6A8-E8AF155EFB54}"/>
               </a:ext>
             </a:extLst>
           </p:cNvPr>
@@ -2902,7 +2902,7 @@
             </a:lvl1pPr>
           </a:lstStyle>
           <a:p>
-            <a:fld id="{7F5B0D31-1ADB-4B4E-ACBB-720D5B718FAA}" type="datetimeFigureOut">
+            <a:fld id="{BBE91FCD-5F32-4893-87F4-18E5763C05BB}" type="datetimeFigureOut">
               <a:rPr lang="en-US" smtClean="0"/>
               <a:t>11/3/2022</a:t>
             </a:fld>
@@ -2915,7 +2915,7 @@
           <p:cNvPr id="5" name="Footer Placeholder 4">
             <a:extLst>
               <a:ext uri="{FF2B5EF4-FFF2-40B4-BE49-F238E27FC236}">
-                <a16:creationId xmlns:a16="http://schemas.microsoft.com/office/drawing/2014/main" id="{0AAF3BF2-B2E7-4D20-8DC2-34DDA445861E}"/>
+                <a16:creationId xmlns:a16="http://schemas.microsoft.com/office/drawing/2014/main" id="{76AFB3C9-2C3E-49D0-A514-530A0C1B7E10}"/>
               </a:ext>
             </a:extLst>
           </p:cNvPr>
@@ -2958,7 +2958,7 @@
           <p:cNvPr id="6" name="Slide Number Placeholder 5">
             <a:extLst>
               <a:ext uri="{FF2B5EF4-FFF2-40B4-BE49-F238E27FC236}">
-                <a16:creationId xmlns:a16="http://schemas.microsoft.com/office/drawing/2014/main" id="{739E80EC-7C89-46E3-948F-04A808A9CEC2}"/>
+                <a16:creationId xmlns:a16="http://schemas.microsoft.com/office/drawing/2014/main" id="{5DCE009B-E6D5-4DCF-816B-7AA86E0DA231}"/>
               </a:ext>
             </a:extLst>
           </p:cNvPr>
@@ -2992,7 +2992,7 @@
             </a:lvl1pPr>
           </a:lstStyle>
           <a:p>
-            <a:fld id="{EFEC1622-8CC9-4F00-80C4-DFC570F6CBD0}" type="slidenum">
+            <a:fld id="{B97B9177-721B-4D9E-8370-F7DE891ADD74}" type="slidenum">
               <a:rPr lang="en-US" smtClean="0"/>
               <a:t>‹#›</a:t>
             </a:fld>
@@ -3003,7 +3003,7 @@
     </p:spTree>
     <p:extLst>
       <p:ext uri="{BB962C8B-B14F-4D97-AF65-F5344CB8AC3E}">
-        <p14:creationId xmlns:p14="http://schemas.microsoft.com/office/powerpoint/2010/main" val="83402323"/>
+        <p14:creationId xmlns:p14="http://schemas.microsoft.com/office/powerpoint/2010/main" val="2282821301"/>
       </p:ext>
     </p:extLst>
   </p:cSld>
@@ -3323,10 +3323,10 @@
       </p:grpSpPr>
       <p:pic>
         <p:nvPicPr>
-          <p:cNvPr id="4" name="Picture 3" descr="A picture containing text, indoor&#10;&#10;Description automatically generated">
-            <a:extLst>
-              <a:ext uri="{FF2B5EF4-FFF2-40B4-BE49-F238E27FC236}">
-                <a16:creationId xmlns:a16="http://schemas.microsoft.com/office/drawing/2014/main" id="{6801CDA7-C251-4D6C-8DB4-3CD6DAABE5D8}"/>
+          <p:cNvPr id="5" name="Picture 4">
+            <a:extLst>
+              <a:ext uri="{FF2B5EF4-FFF2-40B4-BE49-F238E27FC236}">
+                <a16:creationId xmlns:a16="http://schemas.microsoft.com/office/drawing/2014/main" id="{F11B21A8-22DE-4C54-A18B-DD5D986F0C43}"/>
               </a:ext>
             </a:extLst>
           </p:cNvPr>
@@ -3335,15 +3335,22 @@
           </p:cNvPicPr>
           <p:nvPr/>
         </p:nvPicPr>
-        <p:blipFill rotWithShape="1">
-          <a:blip r:embed="rId2"/>
-          <a:srcRect l="1426"/>
-          <a:stretch/>
+        <p:blipFill>
+          <a:blip r:embed="rId2">
+            <a:extLst>
+              <a:ext uri="{28A0092B-C50C-407E-A947-70E740481C1C}">
+                <a14:useLocalDpi xmlns:a14="http://schemas.microsoft.com/office/drawing/2010/main" val="0"/>
+              </a:ext>
+            </a:extLst>
+          </a:blip>
+          <a:stretch>
+            <a:fillRect/>
+          </a:stretch>
         </p:blipFill>
         <p:spPr>
           <a:xfrm>
-            <a:off x="436079" y="545316"/>
-            <a:ext cx="11319841" cy="4599806"/>
+            <a:off x="2776537" y="923925"/>
+            <a:ext cx="6638544" cy="5009862"/>
           </a:xfrm>
           <a:prstGeom prst="rect">
             <a:avLst/>
@@ -3353,7 +3360,7 @@
     </p:spTree>
     <p:extLst>
       <p:ext uri="{BB962C8B-B14F-4D97-AF65-F5344CB8AC3E}">
-        <p14:creationId xmlns:p14="http://schemas.microsoft.com/office/powerpoint/2010/main" val="685934396"/>
+        <p14:creationId xmlns:p14="http://schemas.microsoft.com/office/powerpoint/2010/main" val="2476699761"/>
       </p:ext>
     </p:extLst>
   </p:cSld>

--- a/Pictures/Figures/Figure 3.pptx
+++ b/Pictures/Figures/Figure 3.pptx
@@ -2,18 +2,18 @@
 <file path=ppt/presentation.xml><?xml version="1.0" encoding="utf-8"?>
 <p:presentation xmlns:a="http://schemas.openxmlformats.org/drawingml/2006/main" xmlns:r="http://schemas.openxmlformats.org/officeDocument/2006/relationships" xmlns:p="http://schemas.openxmlformats.org/presentationml/2006/main" saveSubsetFonts="1">
   <p:sldMasterIdLst>
-    <p:sldMasterId id="2147483648" r:id="rId1"/>
+    <p:sldMasterId id="2147483684" r:id="rId1"/>
   </p:sldMasterIdLst>
   <p:sldIdLst>
     <p:sldId id="256" r:id="rId2"/>
   </p:sldIdLst>
-  <p:sldSz cx="12192000" cy="6858000"/>
+  <p:sldSz cx="5486400" cy="6400800"/>
   <p:notesSz cx="6858000" cy="9144000"/>
   <p:defaultTextStyle>
     <a:defPPr>
       <a:defRPr lang="en-US"/>
     </a:defPPr>
-    <a:lvl1pPr marL="0" algn="l" defTabSz="914400" rtl="0" eaLnBrk="1" latinLnBrk="0" hangingPunct="1">
+    <a:lvl1pPr marL="0" algn="l" defTabSz="457200" rtl="0" eaLnBrk="1" latinLnBrk="0" hangingPunct="1">
       <a:defRPr sz="1800" kern="1200">
         <a:solidFill>
           <a:schemeClr val="tx1"/>
@@ -23,7 +23,7 @@
         <a:cs typeface="+mn-cs"/>
       </a:defRPr>
     </a:lvl1pPr>
-    <a:lvl2pPr marL="457200" algn="l" defTabSz="914400" rtl="0" eaLnBrk="1" latinLnBrk="0" hangingPunct="1">
+    <a:lvl2pPr marL="457200" algn="l" defTabSz="457200" rtl="0" eaLnBrk="1" latinLnBrk="0" hangingPunct="1">
       <a:defRPr sz="1800" kern="1200">
         <a:solidFill>
           <a:schemeClr val="tx1"/>
@@ -33,7 +33,7 @@
         <a:cs typeface="+mn-cs"/>
       </a:defRPr>
     </a:lvl2pPr>
-    <a:lvl3pPr marL="914400" algn="l" defTabSz="914400" rtl="0" eaLnBrk="1" latinLnBrk="0" hangingPunct="1">
+    <a:lvl3pPr marL="914400" algn="l" defTabSz="457200" rtl="0" eaLnBrk="1" latinLnBrk="0" hangingPunct="1">
       <a:defRPr sz="1800" kern="1200">
         <a:solidFill>
           <a:schemeClr val="tx1"/>
@@ -43,7 +43,7 @@
         <a:cs typeface="+mn-cs"/>
       </a:defRPr>
     </a:lvl3pPr>
-    <a:lvl4pPr marL="1371600" algn="l" defTabSz="914400" rtl="0" eaLnBrk="1" latinLnBrk="0" hangingPunct="1">
+    <a:lvl4pPr marL="1371600" algn="l" defTabSz="457200" rtl="0" eaLnBrk="1" latinLnBrk="0" hangingPunct="1">
       <a:defRPr sz="1800" kern="1200">
         <a:solidFill>
           <a:schemeClr val="tx1"/>
@@ -53,7 +53,7 @@
         <a:cs typeface="+mn-cs"/>
       </a:defRPr>
     </a:lvl4pPr>
-    <a:lvl5pPr marL="1828800" algn="l" defTabSz="914400" rtl="0" eaLnBrk="1" latinLnBrk="0" hangingPunct="1">
+    <a:lvl5pPr marL="1828800" algn="l" defTabSz="457200" rtl="0" eaLnBrk="1" latinLnBrk="0" hangingPunct="1">
       <a:defRPr sz="1800" kern="1200">
         <a:solidFill>
           <a:schemeClr val="tx1"/>
@@ -63,7 +63,7 @@
         <a:cs typeface="+mn-cs"/>
       </a:defRPr>
     </a:lvl5pPr>
-    <a:lvl6pPr marL="2286000" algn="l" defTabSz="914400" rtl="0" eaLnBrk="1" latinLnBrk="0" hangingPunct="1">
+    <a:lvl6pPr marL="2286000" algn="l" defTabSz="457200" rtl="0" eaLnBrk="1" latinLnBrk="0" hangingPunct="1">
       <a:defRPr sz="1800" kern="1200">
         <a:solidFill>
           <a:schemeClr val="tx1"/>
@@ -73,7 +73,7 @@
         <a:cs typeface="+mn-cs"/>
       </a:defRPr>
     </a:lvl6pPr>
-    <a:lvl7pPr marL="2743200" algn="l" defTabSz="914400" rtl="0" eaLnBrk="1" latinLnBrk="0" hangingPunct="1">
+    <a:lvl7pPr marL="2743200" algn="l" defTabSz="457200" rtl="0" eaLnBrk="1" latinLnBrk="0" hangingPunct="1">
       <a:defRPr sz="1800" kern="1200">
         <a:solidFill>
           <a:schemeClr val="tx1"/>
@@ -83,7 +83,7 @@
         <a:cs typeface="+mn-cs"/>
       </a:defRPr>
     </a:lvl7pPr>
-    <a:lvl8pPr marL="3200400" algn="l" defTabSz="914400" rtl="0" eaLnBrk="1" latinLnBrk="0" hangingPunct="1">
+    <a:lvl8pPr marL="3200400" algn="l" defTabSz="457200" rtl="0" eaLnBrk="1" latinLnBrk="0" hangingPunct="1">
       <a:defRPr sz="1800" kern="1200">
         <a:solidFill>
           <a:schemeClr val="tx1"/>
@@ -93,7 +93,7 @@
         <a:cs typeface="+mn-cs"/>
       </a:defRPr>
     </a:lvl8pPr>
-    <a:lvl9pPr marL="3657600" algn="l" defTabSz="914400" rtl="0" eaLnBrk="1" latinLnBrk="0" hangingPunct="1">
+    <a:lvl9pPr marL="3657600" algn="l" defTabSz="457200" rtl="0" eaLnBrk="1" latinLnBrk="0" hangingPunct="1">
       <a:defRPr sz="1800" kern="1200">
         <a:solidFill>
           <a:schemeClr val="tx1"/>
@@ -126,13 +126,7 @@
       </p:grpSpPr>
       <p:sp>
         <p:nvSpPr>
-          <p:cNvPr id="2" name="Title 1">
-            <a:extLst>
-              <a:ext uri="{FF2B5EF4-FFF2-40B4-BE49-F238E27FC236}">
-                <a16:creationId xmlns:a16="http://schemas.microsoft.com/office/drawing/2014/main" id="{86E2694D-29BD-4BB3-8349-433F4189BABC}"/>
-              </a:ext>
-            </a:extLst>
-          </p:cNvPr>
+          <p:cNvPr id="2" name="Title 1"/>
           <p:cNvSpPr>
             <a:spLocks noGrp="1"/>
           </p:cNvSpPr>
@@ -142,15 +136,15 @@
         </p:nvSpPr>
         <p:spPr>
           <a:xfrm>
-            <a:off x="1524000" y="1122363"/>
-            <a:ext cx="9144000" cy="2387600"/>
+            <a:off x="411480" y="1047539"/>
+            <a:ext cx="4663440" cy="2228427"/>
           </a:xfrm>
         </p:spPr>
         <p:txBody>
           <a:bodyPr anchor="b"/>
           <a:lstStyle>
             <a:lvl1pPr algn="ctr">
-              <a:defRPr sz="6000"/>
+              <a:defRPr sz="3600"/>
             </a:lvl1pPr>
           </a:lstStyle>
           <a:p>
@@ -158,18 +152,13 @@
               <a:rPr lang="en-US"/>
               <a:t>Click to edit Master title style</a:t>
             </a:r>
-          </a:p>
-        </p:txBody>
-      </p:sp>
-      <p:sp>
-        <p:nvSpPr>
-          <p:cNvPr id="3" name="Subtitle 2">
-            <a:extLst>
-              <a:ext uri="{FF2B5EF4-FFF2-40B4-BE49-F238E27FC236}">
-                <a16:creationId xmlns:a16="http://schemas.microsoft.com/office/drawing/2014/main" id="{6DB57959-E7DC-4F58-B51E-99FD1DF4316A}"/>
-              </a:ext>
-            </a:extLst>
-          </p:cNvPr>
+            <a:endParaRPr lang="en-US" dirty="0"/>
+          </a:p>
+        </p:txBody>
+      </p:sp>
+      <p:sp>
+        <p:nvSpPr>
+          <p:cNvPr id="3" name="Subtitle 2"/>
           <p:cNvSpPr>
             <a:spLocks noGrp="1"/>
           </p:cNvSpPr>
@@ -179,8 +168,8 @@
         </p:nvSpPr>
         <p:spPr>
           <a:xfrm>
-            <a:off x="1524000" y="3602038"/>
-            <a:ext cx="9144000" cy="1655762"/>
+            <a:off x="685800" y="3361902"/>
+            <a:ext cx="4114800" cy="1545378"/>
           </a:xfrm>
         </p:spPr>
         <p:txBody>
@@ -188,39 +177,39 @@
           <a:lstStyle>
             <a:lvl1pPr marL="0" indent="0" algn="ctr">
               <a:buNone/>
-              <a:defRPr sz="2400"/>
+              <a:defRPr sz="1440"/>
             </a:lvl1pPr>
-            <a:lvl2pPr marL="457200" indent="0" algn="ctr">
-              <a:buNone/>
-              <a:defRPr sz="2000"/>
+            <a:lvl2pPr marL="274320" indent="0" algn="ctr">
+              <a:buNone/>
+              <a:defRPr sz="1200"/>
             </a:lvl2pPr>
-            <a:lvl3pPr marL="914400" indent="0" algn="ctr">
-              <a:buNone/>
-              <a:defRPr sz="1800"/>
+            <a:lvl3pPr marL="548640" indent="0" algn="ctr">
+              <a:buNone/>
+              <a:defRPr sz="1080"/>
             </a:lvl3pPr>
-            <a:lvl4pPr marL="1371600" indent="0" algn="ctr">
-              <a:buNone/>
-              <a:defRPr sz="1600"/>
+            <a:lvl4pPr marL="822960" indent="0" algn="ctr">
+              <a:buNone/>
+              <a:defRPr sz="960"/>
             </a:lvl4pPr>
-            <a:lvl5pPr marL="1828800" indent="0" algn="ctr">
-              <a:buNone/>
-              <a:defRPr sz="1600"/>
+            <a:lvl5pPr marL="1097280" indent="0" algn="ctr">
+              <a:buNone/>
+              <a:defRPr sz="960"/>
             </a:lvl5pPr>
-            <a:lvl6pPr marL="2286000" indent="0" algn="ctr">
-              <a:buNone/>
-              <a:defRPr sz="1600"/>
+            <a:lvl6pPr marL="1371600" indent="0" algn="ctr">
+              <a:buNone/>
+              <a:defRPr sz="960"/>
             </a:lvl6pPr>
-            <a:lvl7pPr marL="2743200" indent="0" algn="ctr">
-              <a:buNone/>
-              <a:defRPr sz="1600"/>
+            <a:lvl7pPr marL="1645920" indent="0" algn="ctr">
+              <a:buNone/>
+              <a:defRPr sz="960"/>
             </a:lvl7pPr>
-            <a:lvl8pPr marL="3200400" indent="0" algn="ctr">
-              <a:buNone/>
-              <a:defRPr sz="1600"/>
+            <a:lvl8pPr marL="1920240" indent="0" algn="ctr">
+              <a:buNone/>
+              <a:defRPr sz="960"/>
             </a:lvl8pPr>
-            <a:lvl9pPr marL="3657600" indent="0" algn="ctr">
-              <a:buNone/>
-              <a:defRPr sz="1600"/>
+            <a:lvl9pPr marL="2194560" indent="0" algn="ctr">
+              <a:buNone/>
+              <a:defRPr sz="960"/>
             </a:lvl9pPr>
           </a:lstStyle>
           <a:p>
@@ -228,18 +217,13 @@
               <a:rPr lang="en-US"/>
               <a:t>Click to edit Master subtitle style</a:t>
             </a:r>
-          </a:p>
-        </p:txBody>
-      </p:sp>
-      <p:sp>
-        <p:nvSpPr>
-          <p:cNvPr id="4" name="Date Placeholder 3">
-            <a:extLst>
-              <a:ext uri="{FF2B5EF4-FFF2-40B4-BE49-F238E27FC236}">
-                <a16:creationId xmlns:a16="http://schemas.microsoft.com/office/drawing/2014/main" id="{FE84DF39-EF0D-4F8A-96BF-E7161DDDB4AB}"/>
-              </a:ext>
-            </a:extLst>
-          </p:cNvPr>
+            <a:endParaRPr lang="en-US" dirty="0"/>
+          </a:p>
+        </p:txBody>
+      </p:sp>
+      <p:sp>
+        <p:nvSpPr>
+          <p:cNvPr id="4" name="Date Placeholder 3"/>
           <p:cNvSpPr>
             <a:spLocks noGrp="1"/>
           </p:cNvSpPr>
@@ -252,7 +236,7 @@
           <a:bodyPr/>
           <a:lstStyle/>
           <a:p>
-            <a:fld id="{BBE91FCD-5F32-4893-87F4-18E5763C05BB}" type="datetimeFigureOut">
+            <a:fld id="{645F7DBC-EAEC-441E-8CA0-A048D5859A18}" type="datetimeFigureOut">
               <a:rPr lang="en-US" smtClean="0"/>
               <a:t>11/3/2022</a:t>
             </a:fld>
@@ -262,13 +246,7 @@
       </p:sp>
       <p:sp>
         <p:nvSpPr>
-          <p:cNvPr id="5" name="Footer Placeholder 4">
-            <a:extLst>
-              <a:ext uri="{FF2B5EF4-FFF2-40B4-BE49-F238E27FC236}">
-                <a16:creationId xmlns:a16="http://schemas.microsoft.com/office/drawing/2014/main" id="{EAA11329-D181-4883-8324-E900F1B8BE58}"/>
-              </a:ext>
-            </a:extLst>
-          </p:cNvPr>
+          <p:cNvPr id="5" name="Footer Placeholder 4"/>
           <p:cNvSpPr>
             <a:spLocks noGrp="1"/>
           </p:cNvSpPr>
@@ -287,13 +265,7 @@
       </p:sp>
       <p:sp>
         <p:nvSpPr>
-          <p:cNvPr id="6" name="Slide Number Placeholder 5">
-            <a:extLst>
-              <a:ext uri="{FF2B5EF4-FFF2-40B4-BE49-F238E27FC236}">
-                <a16:creationId xmlns:a16="http://schemas.microsoft.com/office/drawing/2014/main" id="{57D6A287-CD2A-4054-BFEC-D617E8AB426A}"/>
-              </a:ext>
-            </a:extLst>
-          </p:cNvPr>
+          <p:cNvPr id="6" name="Slide Number Placeholder 5"/>
           <p:cNvSpPr>
             <a:spLocks noGrp="1"/>
           </p:cNvSpPr>
@@ -306,7 +278,7 @@
           <a:bodyPr/>
           <a:lstStyle/>
           <a:p>
-            <a:fld id="{B97B9177-721B-4D9E-8370-F7DE891ADD74}" type="slidenum">
+            <a:fld id="{B5A48D93-383F-4434-892B-4EB7522B144A}" type="slidenum">
               <a:rPr lang="en-US" smtClean="0"/>
               <a:t>‹#›</a:t>
             </a:fld>
@@ -317,7 +289,7 @@
     </p:spTree>
     <p:extLst>
       <p:ext uri="{BB962C8B-B14F-4D97-AF65-F5344CB8AC3E}">
-        <p14:creationId xmlns:p14="http://schemas.microsoft.com/office/powerpoint/2010/main" val="3705604621"/>
+        <p14:creationId xmlns:p14="http://schemas.microsoft.com/office/powerpoint/2010/main" val="2026659413"/>
       </p:ext>
     </p:extLst>
   </p:cSld>
@@ -346,13 +318,7 @@
       </p:grpSpPr>
       <p:sp>
         <p:nvSpPr>
-          <p:cNvPr id="2" name="Title 1">
-            <a:extLst>
-              <a:ext uri="{FF2B5EF4-FFF2-40B4-BE49-F238E27FC236}">
-                <a16:creationId xmlns:a16="http://schemas.microsoft.com/office/drawing/2014/main" id="{01820BEE-9B01-41F6-9333-8467B919F4B3}"/>
-              </a:ext>
-            </a:extLst>
-          </p:cNvPr>
+          <p:cNvPr id="2" name="Title 1"/>
           <p:cNvSpPr>
             <a:spLocks noGrp="1"/>
           </p:cNvSpPr>
@@ -369,18 +335,13 @@
               <a:rPr lang="en-US"/>
               <a:t>Click to edit Master title style</a:t>
             </a:r>
-          </a:p>
-        </p:txBody>
-      </p:sp>
-      <p:sp>
-        <p:nvSpPr>
-          <p:cNvPr id="3" name="Vertical Text Placeholder 2">
-            <a:extLst>
-              <a:ext uri="{FF2B5EF4-FFF2-40B4-BE49-F238E27FC236}">
-                <a16:creationId xmlns:a16="http://schemas.microsoft.com/office/drawing/2014/main" id="{26DB54CE-40A4-4628-8CB3-7CA2E0FE311E}"/>
-              </a:ext>
-            </a:extLst>
-          </p:cNvPr>
+            <a:endParaRPr lang="en-US" dirty="0"/>
+          </a:p>
+        </p:txBody>
+      </p:sp>
+      <p:sp>
+        <p:nvSpPr>
+          <p:cNvPr id="3" name="Vertical Text Placeholder 2"/>
           <p:cNvSpPr>
             <a:spLocks noGrp="1"/>
           </p:cNvSpPr>
@@ -426,18 +387,13 @@
               <a:rPr lang="en-US"/>
               <a:t>Fifth level</a:t>
             </a:r>
-          </a:p>
-        </p:txBody>
-      </p:sp>
-      <p:sp>
-        <p:nvSpPr>
-          <p:cNvPr id="4" name="Date Placeholder 3">
-            <a:extLst>
-              <a:ext uri="{FF2B5EF4-FFF2-40B4-BE49-F238E27FC236}">
-                <a16:creationId xmlns:a16="http://schemas.microsoft.com/office/drawing/2014/main" id="{4B9CB1B2-C17C-4D3E-93D7-43E472DB7B43}"/>
-              </a:ext>
-            </a:extLst>
-          </p:cNvPr>
+            <a:endParaRPr lang="en-US" dirty="0"/>
+          </a:p>
+        </p:txBody>
+      </p:sp>
+      <p:sp>
+        <p:nvSpPr>
+          <p:cNvPr id="4" name="Date Placeholder 3"/>
           <p:cNvSpPr>
             <a:spLocks noGrp="1"/>
           </p:cNvSpPr>
@@ -450,7 +406,7 @@
           <a:bodyPr/>
           <a:lstStyle/>
           <a:p>
-            <a:fld id="{BBE91FCD-5F32-4893-87F4-18E5763C05BB}" type="datetimeFigureOut">
+            <a:fld id="{645F7DBC-EAEC-441E-8CA0-A048D5859A18}" type="datetimeFigureOut">
               <a:rPr lang="en-US" smtClean="0"/>
               <a:t>11/3/2022</a:t>
             </a:fld>
@@ -460,13 +416,7 @@
       </p:sp>
       <p:sp>
         <p:nvSpPr>
-          <p:cNvPr id="5" name="Footer Placeholder 4">
-            <a:extLst>
-              <a:ext uri="{FF2B5EF4-FFF2-40B4-BE49-F238E27FC236}">
-                <a16:creationId xmlns:a16="http://schemas.microsoft.com/office/drawing/2014/main" id="{AB0592ED-8056-4A7D-B7FB-02E60C323073}"/>
-              </a:ext>
-            </a:extLst>
-          </p:cNvPr>
+          <p:cNvPr id="5" name="Footer Placeholder 4"/>
           <p:cNvSpPr>
             <a:spLocks noGrp="1"/>
           </p:cNvSpPr>
@@ -485,13 +435,7 @@
       </p:sp>
       <p:sp>
         <p:nvSpPr>
-          <p:cNvPr id="6" name="Slide Number Placeholder 5">
-            <a:extLst>
-              <a:ext uri="{FF2B5EF4-FFF2-40B4-BE49-F238E27FC236}">
-                <a16:creationId xmlns:a16="http://schemas.microsoft.com/office/drawing/2014/main" id="{70F9F116-5BAE-458A-AC04-4830898B742B}"/>
-              </a:ext>
-            </a:extLst>
-          </p:cNvPr>
+          <p:cNvPr id="6" name="Slide Number Placeholder 5"/>
           <p:cNvSpPr>
             <a:spLocks noGrp="1"/>
           </p:cNvSpPr>
@@ -504,7 +448,7 @@
           <a:bodyPr/>
           <a:lstStyle/>
           <a:p>
-            <a:fld id="{B97B9177-721B-4D9E-8370-F7DE891ADD74}" type="slidenum">
+            <a:fld id="{B5A48D93-383F-4434-892B-4EB7522B144A}" type="slidenum">
               <a:rPr lang="en-US" smtClean="0"/>
               <a:t>‹#›</a:t>
             </a:fld>
@@ -515,7 +459,7 @@
     </p:spTree>
     <p:extLst>
       <p:ext uri="{BB962C8B-B14F-4D97-AF65-F5344CB8AC3E}">
-        <p14:creationId xmlns:p14="http://schemas.microsoft.com/office/powerpoint/2010/main" val="3046918127"/>
+        <p14:creationId xmlns:p14="http://schemas.microsoft.com/office/powerpoint/2010/main" val="247975843"/>
       </p:ext>
     </p:extLst>
   </p:cSld>
@@ -544,13 +488,7 @@
       </p:grpSpPr>
       <p:sp>
         <p:nvSpPr>
-          <p:cNvPr id="2" name="Vertical Title 1">
-            <a:extLst>
-              <a:ext uri="{FF2B5EF4-FFF2-40B4-BE49-F238E27FC236}">
-                <a16:creationId xmlns:a16="http://schemas.microsoft.com/office/drawing/2014/main" id="{756BCD74-B365-4ADC-ADD0-2F9DAF0BCE47}"/>
-              </a:ext>
-            </a:extLst>
-          </p:cNvPr>
+          <p:cNvPr id="2" name="Vertical Title 1"/>
           <p:cNvSpPr>
             <a:spLocks noGrp="1"/>
           </p:cNvSpPr>
@@ -560,8 +498,8 @@
         </p:nvSpPr>
         <p:spPr>
           <a:xfrm>
-            <a:off x="8724900" y="365125"/>
-            <a:ext cx="2628900" cy="5811838"/>
+            <a:off x="3926205" y="340783"/>
+            <a:ext cx="1183005" cy="5424382"/>
           </a:xfrm>
         </p:spPr>
         <p:txBody>
@@ -572,18 +510,13 @@
               <a:rPr lang="en-US"/>
               <a:t>Click to edit Master title style</a:t>
             </a:r>
-          </a:p>
-        </p:txBody>
-      </p:sp>
-      <p:sp>
-        <p:nvSpPr>
-          <p:cNvPr id="3" name="Vertical Text Placeholder 2">
-            <a:extLst>
-              <a:ext uri="{FF2B5EF4-FFF2-40B4-BE49-F238E27FC236}">
-                <a16:creationId xmlns:a16="http://schemas.microsoft.com/office/drawing/2014/main" id="{8AF74C22-4033-4EA4-96E0-5106D341FDA7}"/>
-              </a:ext>
-            </a:extLst>
-          </p:cNvPr>
+            <a:endParaRPr lang="en-US" dirty="0"/>
+          </a:p>
+        </p:txBody>
+      </p:sp>
+      <p:sp>
+        <p:nvSpPr>
+          <p:cNvPr id="3" name="Vertical Text Placeholder 2"/>
           <p:cNvSpPr>
             <a:spLocks noGrp="1"/>
           </p:cNvSpPr>
@@ -593,8 +526,8 @@
         </p:nvSpPr>
         <p:spPr>
           <a:xfrm>
-            <a:off x="838200" y="365125"/>
-            <a:ext cx="7734300" cy="5811838"/>
+            <a:off x="377190" y="340783"/>
+            <a:ext cx="3480435" cy="5424382"/>
           </a:xfrm>
         </p:spPr>
         <p:txBody>
@@ -634,18 +567,13 @@
               <a:rPr lang="en-US"/>
               <a:t>Fifth level</a:t>
             </a:r>
-          </a:p>
-        </p:txBody>
-      </p:sp>
-      <p:sp>
-        <p:nvSpPr>
-          <p:cNvPr id="4" name="Date Placeholder 3">
-            <a:extLst>
-              <a:ext uri="{FF2B5EF4-FFF2-40B4-BE49-F238E27FC236}">
-                <a16:creationId xmlns:a16="http://schemas.microsoft.com/office/drawing/2014/main" id="{E401A21C-EAEE-4C52-BC07-6F9BEED95B80}"/>
-              </a:ext>
-            </a:extLst>
-          </p:cNvPr>
+            <a:endParaRPr lang="en-US" dirty="0"/>
+          </a:p>
+        </p:txBody>
+      </p:sp>
+      <p:sp>
+        <p:nvSpPr>
+          <p:cNvPr id="4" name="Date Placeholder 3"/>
           <p:cNvSpPr>
             <a:spLocks noGrp="1"/>
           </p:cNvSpPr>
@@ -658,7 +586,7 @@
           <a:bodyPr/>
           <a:lstStyle/>
           <a:p>
-            <a:fld id="{BBE91FCD-5F32-4893-87F4-18E5763C05BB}" type="datetimeFigureOut">
+            <a:fld id="{645F7DBC-EAEC-441E-8CA0-A048D5859A18}" type="datetimeFigureOut">
               <a:rPr lang="en-US" smtClean="0"/>
               <a:t>11/3/2022</a:t>
             </a:fld>
@@ -668,13 +596,7 @@
       </p:sp>
       <p:sp>
         <p:nvSpPr>
-          <p:cNvPr id="5" name="Footer Placeholder 4">
-            <a:extLst>
-              <a:ext uri="{FF2B5EF4-FFF2-40B4-BE49-F238E27FC236}">
-                <a16:creationId xmlns:a16="http://schemas.microsoft.com/office/drawing/2014/main" id="{9C741ED4-9691-4EB2-981C-9B58DB4A7BDF}"/>
-              </a:ext>
-            </a:extLst>
-          </p:cNvPr>
+          <p:cNvPr id="5" name="Footer Placeholder 4"/>
           <p:cNvSpPr>
             <a:spLocks noGrp="1"/>
           </p:cNvSpPr>
@@ -693,13 +615,7 @@
       </p:sp>
       <p:sp>
         <p:nvSpPr>
-          <p:cNvPr id="6" name="Slide Number Placeholder 5">
-            <a:extLst>
-              <a:ext uri="{FF2B5EF4-FFF2-40B4-BE49-F238E27FC236}">
-                <a16:creationId xmlns:a16="http://schemas.microsoft.com/office/drawing/2014/main" id="{C849F8D9-7D6E-4B70-8493-B3D14DDFC575}"/>
-              </a:ext>
-            </a:extLst>
-          </p:cNvPr>
+          <p:cNvPr id="6" name="Slide Number Placeholder 5"/>
           <p:cNvSpPr>
             <a:spLocks noGrp="1"/>
           </p:cNvSpPr>
@@ -712,7 +628,7 @@
           <a:bodyPr/>
           <a:lstStyle/>
           <a:p>
-            <a:fld id="{B97B9177-721B-4D9E-8370-F7DE891ADD74}" type="slidenum">
+            <a:fld id="{B5A48D93-383F-4434-892B-4EB7522B144A}" type="slidenum">
               <a:rPr lang="en-US" smtClean="0"/>
               <a:t>‹#›</a:t>
             </a:fld>
@@ -723,7 +639,7 @@
     </p:spTree>
     <p:extLst>
       <p:ext uri="{BB962C8B-B14F-4D97-AF65-F5344CB8AC3E}">
-        <p14:creationId xmlns:p14="http://schemas.microsoft.com/office/powerpoint/2010/main" val="2781505932"/>
+        <p14:creationId xmlns:p14="http://schemas.microsoft.com/office/powerpoint/2010/main" val="3912239936"/>
       </p:ext>
     </p:extLst>
   </p:cSld>
@@ -752,13 +668,7 @@
       </p:grpSpPr>
       <p:sp>
         <p:nvSpPr>
-          <p:cNvPr id="2" name="Title 1">
-            <a:extLst>
-              <a:ext uri="{FF2B5EF4-FFF2-40B4-BE49-F238E27FC236}">
-                <a16:creationId xmlns:a16="http://schemas.microsoft.com/office/drawing/2014/main" id="{2EA2B8A0-7DBE-451A-9154-B7D61CE23DBC}"/>
-              </a:ext>
-            </a:extLst>
-          </p:cNvPr>
+          <p:cNvPr id="2" name="Title 1"/>
           <p:cNvSpPr>
             <a:spLocks noGrp="1"/>
           </p:cNvSpPr>
@@ -775,18 +685,13 @@
               <a:rPr lang="en-US"/>
               <a:t>Click to edit Master title style</a:t>
             </a:r>
-          </a:p>
-        </p:txBody>
-      </p:sp>
-      <p:sp>
-        <p:nvSpPr>
-          <p:cNvPr id="3" name="Content Placeholder 2">
-            <a:extLst>
-              <a:ext uri="{FF2B5EF4-FFF2-40B4-BE49-F238E27FC236}">
-                <a16:creationId xmlns:a16="http://schemas.microsoft.com/office/drawing/2014/main" id="{D2221FD2-519F-456E-A486-4563A7F2BB27}"/>
-              </a:ext>
-            </a:extLst>
-          </p:cNvPr>
+            <a:endParaRPr lang="en-US" dirty="0"/>
+          </a:p>
+        </p:txBody>
+      </p:sp>
+      <p:sp>
+        <p:nvSpPr>
+          <p:cNvPr id="3" name="Content Placeholder 2"/>
           <p:cNvSpPr>
             <a:spLocks noGrp="1"/>
           </p:cNvSpPr>
@@ -832,18 +737,13 @@
               <a:rPr lang="en-US"/>
               <a:t>Fifth level</a:t>
             </a:r>
-          </a:p>
-        </p:txBody>
-      </p:sp>
-      <p:sp>
-        <p:nvSpPr>
-          <p:cNvPr id="4" name="Date Placeholder 3">
-            <a:extLst>
-              <a:ext uri="{FF2B5EF4-FFF2-40B4-BE49-F238E27FC236}">
-                <a16:creationId xmlns:a16="http://schemas.microsoft.com/office/drawing/2014/main" id="{52A21DE3-AD07-4D5B-8BD0-F7E87F787D95}"/>
-              </a:ext>
-            </a:extLst>
-          </p:cNvPr>
+            <a:endParaRPr lang="en-US" dirty="0"/>
+          </a:p>
+        </p:txBody>
+      </p:sp>
+      <p:sp>
+        <p:nvSpPr>
+          <p:cNvPr id="4" name="Date Placeholder 3"/>
           <p:cNvSpPr>
             <a:spLocks noGrp="1"/>
           </p:cNvSpPr>
@@ -856,7 +756,7 @@
           <a:bodyPr/>
           <a:lstStyle/>
           <a:p>
-            <a:fld id="{BBE91FCD-5F32-4893-87F4-18E5763C05BB}" type="datetimeFigureOut">
+            <a:fld id="{645F7DBC-EAEC-441E-8CA0-A048D5859A18}" type="datetimeFigureOut">
               <a:rPr lang="en-US" smtClean="0"/>
               <a:t>11/3/2022</a:t>
             </a:fld>
@@ -866,13 +766,7 @@
       </p:sp>
       <p:sp>
         <p:nvSpPr>
-          <p:cNvPr id="5" name="Footer Placeholder 4">
-            <a:extLst>
-              <a:ext uri="{FF2B5EF4-FFF2-40B4-BE49-F238E27FC236}">
-                <a16:creationId xmlns:a16="http://schemas.microsoft.com/office/drawing/2014/main" id="{532989E3-3C8E-4F5F-952B-4845E2604610}"/>
-              </a:ext>
-            </a:extLst>
-          </p:cNvPr>
+          <p:cNvPr id="5" name="Footer Placeholder 4"/>
           <p:cNvSpPr>
             <a:spLocks noGrp="1"/>
           </p:cNvSpPr>
@@ -891,13 +785,7 @@
       </p:sp>
       <p:sp>
         <p:nvSpPr>
-          <p:cNvPr id="6" name="Slide Number Placeholder 5">
-            <a:extLst>
-              <a:ext uri="{FF2B5EF4-FFF2-40B4-BE49-F238E27FC236}">
-                <a16:creationId xmlns:a16="http://schemas.microsoft.com/office/drawing/2014/main" id="{EAD74FC6-7470-47A5-8805-9FC6DAE44A03}"/>
-              </a:ext>
-            </a:extLst>
-          </p:cNvPr>
+          <p:cNvPr id="6" name="Slide Number Placeholder 5"/>
           <p:cNvSpPr>
             <a:spLocks noGrp="1"/>
           </p:cNvSpPr>
@@ -910,7 +798,7 @@
           <a:bodyPr/>
           <a:lstStyle/>
           <a:p>
-            <a:fld id="{B97B9177-721B-4D9E-8370-F7DE891ADD74}" type="slidenum">
+            <a:fld id="{B5A48D93-383F-4434-892B-4EB7522B144A}" type="slidenum">
               <a:rPr lang="en-US" smtClean="0"/>
               <a:t>‹#›</a:t>
             </a:fld>
@@ -921,7 +809,7 @@
     </p:spTree>
     <p:extLst>
       <p:ext uri="{BB962C8B-B14F-4D97-AF65-F5344CB8AC3E}">
-        <p14:creationId xmlns:p14="http://schemas.microsoft.com/office/powerpoint/2010/main" val="4267063630"/>
+        <p14:creationId xmlns:p14="http://schemas.microsoft.com/office/powerpoint/2010/main" val="2949276147"/>
       </p:ext>
     </p:extLst>
   </p:cSld>
@@ -950,13 +838,7 @@
       </p:grpSpPr>
       <p:sp>
         <p:nvSpPr>
-          <p:cNvPr id="2" name="Title 1">
-            <a:extLst>
-              <a:ext uri="{FF2B5EF4-FFF2-40B4-BE49-F238E27FC236}">
-                <a16:creationId xmlns:a16="http://schemas.microsoft.com/office/drawing/2014/main" id="{337D002A-41EC-469C-AF36-247DDCDBAFD2}"/>
-              </a:ext>
-            </a:extLst>
-          </p:cNvPr>
+          <p:cNvPr id="2" name="Title 1"/>
           <p:cNvSpPr>
             <a:spLocks noGrp="1"/>
           </p:cNvSpPr>
@@ -966,15 +848,15 @@
         </p:nvSpPr>
         <p:spPr>
           <a:xfrm>
-            <a:off x="831850" y="1709738"/>
-            <a:ext cx="10515600" cy="2852737"/>
+            <a:off x="374333" y="1595757"/>
+            <a:ext cx="4732020" cy="2662555"/>
           </a:xfrm>
         </p:spPr>
         <p:txBody>
           <a:bodyPr anchor="b"/>
           <a:lstStyle>
             <a:lvl1pPr>
-              <a:defRPr sz="6000"/>
+              <a:defRPr sz="3600"/>
             </a:lvl1pPr>
           </a:lstStyle>
           <a:p>
@@ -982,18 +864,13 @@
               <a:rPr lang="en-US"/>
               <a:t>Click to edit Master title style</a:t>
             </a:r>
-          </a:p>
-        </p:txBody>
-      </p:sp>
-      <p:sp>
-        <p:nvSpPr>
-          <p:cNvPr id="3" name="Text Placeholder 2">
-            <a:extLst>
-              <a:ext uri="{FF2B5EF4-FFF2-40B4-BE49-F238E27FC236}">
-                <a16:creationId xmlns:a16="http://schemas.microsoft.com/office/drawing/2014/main" id="{2AF6F1C9-CC98-437D-9588-587669958876}"/>
-              </a:ext>
-            </a:extLst>
-          </p:cNvPr>
+            <a:endParaRPr lang="en-US" dirty="0"/>
+          </a:p>
+        </p:txBody>
+      </p:sp>
+      <p:sp>
+        <p:nvSpPr>
+          <p:cNvPr id="3" name="Text Placeholder 2"/>
           <p:cNvSpPr>
             <a:spLocks noGrp="1"/>
           </p:cNvSpPr>
@@ -1003,8 +880,8 @@
         </p:nvSpPr>
         <p:spPr>
           <a:xfrm>
-            <a:off x="831850" y="4589463"/>
-            <a:ext cx="10515600" cy="1500187"/>
+            <a:off x="374333" y="4283500"/>
+            <a:ext cx="4732020" cy="1400175"/>
           </a:xfrm>
         </p:spPr>
         <p:txBody>
@@ -1012,17 +889,15 @@
           <a:lstStyle>
             <a:lvl1pPr marL="0" indent="0">
               <a:buNone/>
-              <a:defRPr sz="2400">
+              <a:defRPr sz="1440">
                 <a:solidFill>
-                  <a:schemeClr val="tx1">
-                    <a:tint val="75000"/>
-                  </a:schemeClr>
+                  <a:schemeClr val="tx1"/>
                 </a:solidFill>
               </a:defRPr>
             </a:lvl1pPr>
-            <a:lvl2pPr marL="457200" indent="0">
-              <a:buNone/>
-              <a:defRPr sz="2000">
+            <a:lvl2pPr marL="274320" indent="0">
+              <a:buNone/>
+              <a:defRPr sz="1200">
                 <a:solidFill>
                   <a:schemeClr val="tx1">
                     <a:tint val="75000"/>
@@ -1030,9 +905,9 @@
                 </a:solidFill>
               </a:defRPr>
             </a:lvl2pPr>
-            <a:lvl3pPr marL="914400" indent="0">
-              <a:buNone/>
-              <a:defRPr sz="1800">
+            <a:lvl3pPr marL="548640" indent="0">
+              <a:buNone/>
+              <a:defRPr sz="1080">
                 <a:solidFill>
                   <a:schemeClr val="tx1">
                     <a:tint val="75000"/>
@@ -1040,9 +915,9 @@
                 </a:solidFill>
               </a:defRPr>
             </a:lvl3pPr>
-            <a:lvl4pPr marL="1371600" indent="0">
-              <a:buNone/>
-              <a:defRPr sz="1600">
+            <a:lvl4pPr marL="822960" indent="0">
+              <a:buNone/>
+              <a:defRPr sz="960">
                 <a:solidFill>
                   <a:schemeClr val="tx1">
                     <a:tint val="75000"/>
@@ -1050,9 +925,9 @@
                 </a:solidFill>
               </a:defRPr>
             </a:lvl4pPr>
-            <a:lvl5pPr marL="1828800" indent="0">
-              <a:buNone/>
-              <a:defRPr sz="1600">
+            <a:lvl5pPr marL="1097280" indent="0">
+              <a:buNone/>
+              <a:defRPr sz="960">
                 <a:solidFill>
                   <a:schemeClr val="tx1">
                     <a:tint val="75000"/>
@@ -1060,9 +935,9 @@
                 </a:solidFill>
               </a:defRPr>
             </a:lvl5pPr>
-            <a:lvl6pPr marL="2286000" indent="0">
-              <a:buNone/>
-              <a:defRPr sz="1600">
+            <a:lvl6pPr marL="1371600" indent="0">
+              <a:buNone/>
+              <a:defRPr sz="960">
                 <a:solidFill>
                   <a:schemeClr val="tx1">
                     <a:tint val="75000"/>
@@ -1070,9 +945,9 @@
                 </a:solidFill>
               </a:defRPr>
             </a:lvl6pPr>
-            <a:lvl7pPr marL="2743200" indent="0">
-              <a:buNone/>
-              <a:defRPr sz="1600">
+            <a:lvl7pPr marL="1645920" indent="0">
+              <a:buNone/>
+              <a:defRPr sz="960">
                 <a:solidFill>
                   <a:schemeClr val="tx1">
                     <a:tint val="75000"/>
@@ -1080,9 +955,9 @@
                 </a:solidFill>
               </a:defRPr>
             </a:lvl7pPr>
-            <a:lvl8pPr marL="3200400" indent="0">
-              <a:buNone/>
-              <a:defRPr sz="1600">
+            <a:lvl8pPr marL="1920240" indent="0">
+              <a:buNone/>
+              <a:defRPr sz="960">
                 <a:solidFill>
                   <a:schemeClr val="tx1">
                     <a:tint val="75000"/>
@@ -1090,9 +965,9 @@
                 </a:solidFill>
               </a:defRPr>
             </a:lvl8pPr>
-            <a:lvl9pPr marL="3657600" indent="0">
-              <a:buNone/>
-              <a:defRPr sz="1600">
+            <a:lvl9pPr marL="2194560" indent="0">
+              <a:buNone/>
+              <a:defRPr sz="960">
                 <a:solidFill>
                   <a:schemeClr val="tx1">
                     <a:tint val="75000"/>
@@ -1112,13 +987,7 @@
       </p:sp>
       <p:sp>
         <p:nvSpPr>
-          <p:cNvPr id="4" name="Date Placeholder 3">
-            <a:extLst>
-              <a:ext uri="{FF2B5EF4-FFF2-40B4-BE49-F238E27FC236}">
-                <a16:creationId xmlns:a16="http://schemas.microsoft.com/office/drawing/2014/main" id="{F76D7ACB-DAC9-4C78-90EF-ADDD95CFC94F}"/>
-              </a:ext>
-            </a:extLst>
-          </p:cNvPr>
+          <p:cNvPr id="4" name="Date Placeholder 3"/>
           <p:cNvSpPr>
             <a:spLocks noGrp="1"/>
           </p:cNvSpPr>
@@ -1131,7 +1000,7 @@
           <a:bodyPr/>
           <a:lstStyle/>
           <a:p>
-            <a:fld id="{BBE91FCD-5F32-4893-87F4-18E5763C05BB}" type="datetimeFigureOut">
+            <a:fld id="{645F7DBC-EAEC-441E-8CA0-A048D5859A18}" type="datetimeFigureOut">
               <a:rPr lang="en-US" smtClean="0"/>
               <a:t>11/3/2022</a:t>
             </a:fld>
@@ -1141,13 +1010,7 @@
       </p:sp>
       <p:sp>
         <p:nvSpPr>
-          <p:cNvPr id="5" name="Footer Placeholder 4">
-            <a:extLst>
-              <a:ext uri="{FF2B5EF4-FFF2-40B4-BE49-F238E27FC236}">
-                <a16:creationId xmlns:a16="http://schemas.microsoft.com/office/drawing/2014/main" id="{3DDE4BFB-04B6-48A1-83B6-227A9E738E24}"/>
-              </a:ext>
-            </a:extLst>
-          </p:cNvPr>
+          <p:cNvPr id="5" name="Footer Placeholder 4"/>
           <p:cNvSpPr>
             <a:spLocks noGrp="1"/>
           </p:cNvSpPr>
@@ -1166,13 +1029,7 @@
       </p:sp>
       <p:sp>
         <p:nvSpPr>
-          <p:cNvPr id="6" name="Slide Number Placeholder 5">
-            <a:extLst>
-              <a:ext uri="{FF2B5EF4-FFF2-40B4-BE49-F238E27FC236}">
-                <a16:creationId xmlns:a16="http://schemas.microsoft.com/office/drawing/2014/main" id="{4E7200C6-59C8-4125-962D-00CFF2258885}"/>
-              </a:ext>
-            </a:extLst>
-          </p:cNvPr>
+          <p:cNvPr id="6" name="Slide Number Placeholder 5"/>
           <p:cNvSpPr>
             <a:spLocks noGrp="1"/>
           </p:cNvSpPr>
@@ -1185,7 +1042,7 @@
           <a:bodyPr/>
           <a:lstStyle/>
           <a:p>
-            <a:fld id="{B97B9177-721B-4D9E-8370-F7DE891ADD74}" type="slidenum">
+            <a:fld id="{B5A48D93-383F-4434-892B-4EB7522B144A}" type="slidenum">
               <a:rPr lang="en-US" smtClean="0"/>
               <a:t>‹#›</a:t>
             </a:fld>
@@ -1196,7 +1053,7 @@
     </p:spTree>
     <p:extLst>
       <p:ext uri="{BB962C8B-B14F-4D97-AF65-F5344CB8AC3E}">
-        <p14:creationId xmlns:p14="http://schemas.microsoft.com/office/powerpoint/2010/main" val="3289004799"/>
+        <p14:creationId xmlns:p14="http://schemas.microsoft.com/office/powerpoint/2010/main" val="902266953"/>
       </p:ext>
     </p:extLst>
   </p:cSld>
@@ -1225,13 +1082,7 @@
       </p:grpSpPr>
       <p:sp>
         <p:nvSpPr>
-          <p:cNvPr id="2" name="Title 1">
-            <a:extLst>
-              <a:ext uri="{FF2B5EF4-FFF2-40B4-BE49-F238E27FC236}">
-                <a16:creationId xmlns:a16="http://schemas.microsoft.com/office/drawing/2014/main" id="{6037EAFD-8CFB-4AA4-8221-C914CC603865}"/>
-              </a:ext>
-            </a:extLst>
-          </p:cNvPr>
+          <p:cNvPr id="2" name="Title 1"/>
           <p:cNvSpPr>
             <a:spLocks noGrp="1"/>
           </p:cNvSpPr>
@@ -1248,18 +1099,13 @@
               <a:rPr lang="en-US"/>
               <a:t>Click to edit Master title style</a:t>
             </a:r>
-          </a:p>
-        </p:txBody>
-      </p:sp>
-      <p:sp>
-        <p:nvSpPr>
-          <p:cNvPr id="3" name="Content Placeholder 2">
-            <a:extLst>
-              <a:ext uri="{FF2B5EF4-FFF2-40B4-BE49-F238E27FC236}">
-                <a16:creationId xmlns:a16="http://schemas.microsoft.com/office/drawing/2014/main" id="{BC132455-6B6A-4C0C-ACCC-0DF57977338B}"/>
-              </a:ext>
-            </a:extLst>
-          </p:cNvPr>
+            <a:endParaRPr lang="en-US" dirty="0"/>
+          </a:p>
+        </p:txBody>
+      </p:sp>
+      <p:sp>
+        <p:nvSpPr>
+          <p:cNvPr id="3" name="Content Placeholder 2"/>
           <p:cNvSpPr>
             <a:spLocks noGrp="1"/>
           </p:cNvSpPr>
@@ -1269,8 +1115,8 @@
         </p:nvSpPr>
         <p:spPr>
           <a:xfrm>
-            <a:off x="838200" y="1825625"/>
-            <a:ext cx="5181600" cy="4351338"/>
+            <a:off x="377190" y="1703917"/>
+            <a:ext cx="2331720" cy="4061249"/>
           </a:xfrm>
         </p:spPr>
         <p:txBody>
@@ -1310,18 +1156,13 @@
               <a:rPr lang="en-US"/>
               <a:t>Fifth level</a:t>
             </a:r>
-          </a:p>
-        </p:txBody>
-      </p:sp>
-      <p:sp>
-        <p:nvSpPr>
-          <p:cNvPr id="4" name="Content Placeholder 3">
-            <a:extLst>
-              <a:ext uri="{FF2B5EF4-FFF2-40B4-BE49-F238E27FC236}">
-                <a16:creationId xmlns:a16="http://schemas.microsoft.com/office/drawing/2014/main" id="{34B1F6DE-EAA5-4532-A1B5-4CFE32852A99}"/>
-              </a:ext>
-            </a:extLst>
-          </p:cNvPr>
+            <a:endParaRPr lang="en-US" dirty="0"/>
+          </a:p>
+        </p:txBody>
+      </p:sp>
+      <p:sp>
+        <p:nvSpPr>
+          <p:cNvPr id="4" name="Content Placeholder 3"/>
           <p:cNvSpPr>
             <a:spLocks noGrp="1"/>
           </p:cNvSpPr>
@@ -1331,8 +1172,8 @@
         </p:nvSpPr>
         <p:spPr>
           <a:xfrm>
-            <a:off x="6172200" y="1825625"/>
-            <a:ext cx="5181600" cy="4351338"/>
+            <a:off x="2777490" y="1703917"/>
+            <a:ext cx="2331720" cy="4061249"/>
           </a:xfrm>
         </p:spPr>
         <p:txBody>
@@ -1372,18 +1213,13 @@
               <a:rPr lang="en-US"/>
               <a:t>Fifth level</a:t>
             </a:r>
-          </a:p>
-        </p:txBody>
-      </p:sp>
-      <p:sp>
-        <p:nvSpPr>
-          <p:cNvPr id="5" name="Date Placeholder 4">
-            <a:extLst>
-              <a:ext uri="{FF2B5EF4-FFF2-40B4-BE49-F238E27FC236}">
-                <a16:creationId xmlns:a16="http://schemas.microsoft.com/office/drawing/2014/main" id="{31B8887B-5429-441C-BEA6-24A67F047FDA}"/>
-              </a:ext>
-            </a:extLst>
-          </p:cNvPr>
+            <a:endParaRPr lang="en-US" dirty="0"/>
+          </a:p>
+        </p:txBody>
+      </p:sp>
+      <p:sp>
+        <p:nvSpPr>
+          <p:cNvPr id="5" name="Date Placeholder 4"/>
           <p:cNvSpPr>
             <a:spLocks noGrp="1"/>
           </p:cNvSpPr>
@@ -1396,7 +1232,7 @@
           <a:bodyPr/>
           <a:lstStyle/>
           <a:p>
-            <a:fld id="{BBE91FCD-5F32-4893-87F4-18E5763C05BB}" type="datetimeFigureOut">
+            <a:fld id="{645F7DBC-EAEC-441E-8CA0-A048D5859A18}" type="datetimeFigureOut">
               <a:rPr lang="en-US" smtClean="0"/>
               <a:t>11/3/2022</a:t>
             </a:fld>
@@ -1406,13 +1242,7 @@
       </p:sp>
       <p:sp>
         <p:nvSpPr>
-          <p:cNvPr id="6" name="Footer Placeholder 5">
-            <a:extLst>
-              <a:ext uri="{FF2B5EF4-FFF2-40B4-BE49-F238E27FC236}">
-                <a16:creationId xmlns:a16="http://schemas.microsoft.com/office/drawing/2014/main" id="{FBC06A2F-C8C8-4C26-B4E3-5C9FAD0F9F07}"/>
-              </a:ext>
-            </a:extLst>
-          </p:cNvPr>
+          <p:cNvPr id="6" name="Footer Placeholder 5"/>
           <p:cNvSpPr>
             <a:spLocks noGrp="1"/>
           </p:cNvSpPr>
@@ -1431,13 +1261,7 @@
       </p:sp>
       <p:sp>
         <p:nvSpPr>
-          <p:cNvPr id="7" name="Slide Number Placeholder 6">
-            <a:extLst>
-              <a:ext uri="{FF2B5EF4-FFF2-40B4-BE49-F238E27FC236}">
-                <a16:creationId xmlns:a16="http://schemas.microsoft.com/office/drawing/2014/main" id="{F8FF299B-0416-44A0-8A7C-8A558859E11F}"/>
-              </a:ext>
-            </a:extLst>
-          </p:cNvPr>
+          <p:cNvPr id="7" name="Slide Number Placeholder 6"/>
           <p:cNvSpPr>
             <a:spLocks noGrp="1"/>
           </p:cNvSpPr>
@@ -1450,7 +1274,7 @@
           <a:bodyPr/>
           <a:lstStyle/>
           <a:p>
-            <a:fld id="{B97B9177-721B-4D9E-8370-F7DE891ADD74}" type="slidenum">
+            <a:fld id="{B5A48D93-383F-4434-892B-4EB7522B144A}" type="slidenum">
               <a:rPr lang="en-US" smtClean="0"/>
               <a:t>‹#›</a:t>
             </a:fld>
@@ -1461,7 +1285,7 @@
     </p:spTree>
     <p:extLst>
       <p:ext uri="{BB962C8B-B14F-4D97-AF65-F5344CB8AC3E}">
-        <p14:creationId xmlns:p14="http://schemas.microsoft.com/office/powerpoint/2010/main" val="1131636205"/>
+        <p14:creationId xmlns:p14="http://schemas.microsoft.com/office/powerpoint/2010/main" val="3405785574"/>
       </p:ext>
     </p:extLst>
   </p:cSld>
@@ -1490,13 +1314,7 @@
       </p:grpSpPr>
       <p:sp>
         <p:nvSpPr>
-          <p:cNvPr id="2" name="Title 1">
-            <a:extLst>
-              <a:ext uri="{FF2B5EF4-FFF2-40B4-BE49-F238E27FC236}">
-                <a16:creationId xmlns:a16="http://schemas.microsoft.com/office/drawing/2014/main" id="{333D2715-A2D8-4725-BF35-12FD45B71267}"/>
-              </a:ext>
-            </a:extLst>
-          </p:cNvPr>
+          <p:cNvPr id="2" name="Title 1"/>
           <p:cNvSpPr>
             <a:spLocks noGrp="1"/>
           </p:cNvSpPr>
@@ -1506,8 +1324,8 @@
         </p:nvSpPr>
         <p:spPr>
           <a:xfrm>
-            <a:off x="839788" y="365125"/>
-            <a:ext cx="10515600" cy="1325563"/>
+            <a:off x="377905" y="340785"/>
+            <a:ext cx="4732020" cy="1237192"/>
           </a:xfrm>
         </p:spPr>
         <p:txBody>
@@ -1518,18 +1336,13 @@
               <a:rPr lang="en-US"/>
               <a:t>Click to edit Master title style</a:t>
             </a:r>
-          </a:p>
-        </p:txBody>
-      </p:sp>
-      <p:sp>
-        <p:nvSpPr>
-          <p:cNvPr id="3" name="Text Placeholder 2">
-            <a:extLst>
-              <a:ext uri="{FF2B5EF4-FFF2-40B4-BE49-F238E27FC236}">
-                <a16:creationId xmlns:a16="http://schemas.microsoft.com/office/drawing/2014/main" id="{4721AD76-638A-43D1-9691-FAA79373849F}"/>
-              </a:ext>
-            </a:extLst>
-          </p:cNvPr>
+            <a:endParaRPr lang="en-US" dirty="0"/>
+          </a:p>
+        </p:txBody>
+      </p:sp>
+      <p:sp>
+        <p:nvSpPr>
+          <p:cNvPr id="3" name="Text Placeholder 2"/>
           <p:cNvSpPr>
             <a:spLocks noGrp="1"/>
           </p:cNvSpPr>
@@ -1539,8 +1352,8 @@
         </p:nvSpPr>
         <p:spPr>
           <a:xfrm>
-            <a:off x="839788" y="1681163"/>
-            <a:ext cx="5157787" cy="823912"/>
+            <a:off x="377905" y="1569085"/>
+            <a:ext cx="2321004" cy="768985"/>
           </a:xfrm>
         </p:spPr>
         <p:txBody>
@@ -1548,39 +1361,39 @@
           <a:lstStyle>
             <a:lvl1pPr marL="0" indent="0">
               <a:buNone/>
-              <a:defRPr sz="2400" b="1"/>
+              <a:defRPr sz="1440" b="1"/>
             </a:lvl1pPr>
-            <a:lvl2pPr marL="457200" indent="0">
-              <a:buNone/>
-              <a:defRPr sz="2000" b="1"/>
+            <a:lvl2pPr marL="274320" indent="0">
+              <a:buNone/>
+              <a:defRPr sz="1200" b="1"/>
             </a:lvl2pPr>
-            <a:lvl3pPr marL="914400" indent="0">
-              <a:buNone/>
-              <a:defRPr sz="1800" b="1"/>
+            <a:lvl3pPr marL="548640" indent="0">
+              <a:buNone/>
+              <a:defRPr sz="1080" b="1"/>
             </a:lvl3pPr>
-            <a:lvl4pPr marL="1371600" indent="0">
-              <a:buNone/>
-              <a:defRPr sz="1600" b="1"/>
+            <a:lvl4pPr marL="822960" indent="0">
+              <a:buNone/>
+              <a:defRPr sz="960" b="1"/>
             </a:lvl4pPr>
-            <a:lvl5pPr marL="1828800" indent="0">
-              <a:buNone/>
-              <a:defRPr sz="1600" b="1"/>
+            <a:lvl5pPr marL="1097280" indent="0">
+              <a:buNone/>
+              <a:defRPr sz="960" b="1"/>
             </a:lvl5pPr>
-            <a:lvl6pPr marL="2286000" indent="0">
-              <a:buNone/>
-              <a:defRPr sz="1600" b="1"/>
+            <a:lvl6pPr marL="1371600" indent="0">
+              <a:buNone/>
+              <a:defRPr sz="960" b="1"/>
             </a:lvl6pPr>
-            <a:lvl7pPr marL="2743200" indent="0">
-              <a:buNone/>
-              <a:defRPr sz="1600" b="1"/>
+            <a:lvl7pPr marL="1645920" indent="0">
+              <a:buNone/>
+              <a:defRPr sz="960" b="1"/>
             </a:lvl7pPr>
-            <a:lvl8pPr marL="3200400" indent="0">
-              <a:buNone/>
-              <a:defRPr sz="1600" b="1"/>
+            <a:lvl8pPr marL="1920240" indent="0">
+              <a:buNone/>
+              <a:defRPr sz="960" b="1"/>
             </a:lvl8pPr>
-            <a:lvl9pPr marL="3657600" indent="0">
-              <a:buNone/>
-              <a:defRPr sz="1600" b="1"/>
+            <a:lvl9pPr marL="2194560" indent="0">
+              <a:buNone/>
+              <a:defRPr sz="960" b="1"/>
             </a:lvl9pPr>
           </a:lstStyle>
           <a:p>
@@ -1594,13 +1407,7 @@
       </p:sp>
       <p:sp>
         <p:nvSpPr>
-          <p:cNvPr id="4" name="Content Placeholder 3">
-            <a:extLst>
-              <a:ext uri="{FF2B5EF4-FFF2-40B4-BE49-F238E27FC236}">
-                <a16:creationId xmlns:a16="http://schemas.microsoft.com/office/drawing/2014/main" id="{B0FF206E-7BE6-4B34-ADAD-74CC4DE1EBE4}"/>
-              </a:ext>
-            </a:extLst>
-          </p:cNvPr>
+          <p:cNvPr id="4" name="Content Placeholder 3"/>
           <p:cNvSpPr>
             <a:spLocks noGrp="1"/>
           </p:cNvSpPr>
@@ -1610,8 +1417,8 @@
         </p:nvSpPr>
         <p:spPr>
           <a:xfrm>
-            <a:off x="839788" y="2505075"/>
-            <a:ext cx="5157787" cy="3684588"/>
+            <a:off x="377905" y="2338070"/>
+            <a:ext cx="2321004" cy="3438949"/>
           </a:xfrm>
         </p:spPr>
         <p:txBody>
@@ -1651,18 +1458,13 @@
               <a:rPr lang="en-US"/>
               <a:t>Fifth level</a:t>
             </a:r>
-          </a:p>
-        </p:txBody>
-      </p:sp>
-      <p:sp>
-        <p:nvSpPr>
-          <p:cNvPr id="5" name="Text Placeholder 4">
-            <a:extLst>
-              <a:ext uri="{FF2B5EF4-FFF2-40B4-BE49-F238E27FC236}">
-                <a16:creationId xmlns:a16="http://schemas.microsoft.com/office/drawing/2014/main" id="{C3C55657-58C9-4622-B5A3-E1E51CD69AD0}"/>
-              </a:ext>
-            </a:extLst>
-          </p:cNvPr>
+            <a:endParaRPr lang="en-US" dirty="0"/>
+          </a:p>
+        </p:txBody>
+      </p:sp>
+      <p:sp>
+        <p:nvSpPr>
+          <p:cNvPr id="5" name="Text Placeholder 4"/>
           <p:cNvSpPr>
             <a:spLocks noGrp="1"/>
           </p:cNvSpPr>
@@ -1672,8 +1474,8 @@
         </p:nvSpPr>
         <p:spPr>
           <a:xfrm>
-            <a:off x="6172200" y="1681163"/>
-            <a:ext cx="5183188" cy="823912"/>
+            <a:off x="2777490" y="1569085"/>
+            <a:ext cx="2332435" cy="768985"/>
           </a:xfrm>
         </p:spPr>
         <p:txBody>
@@ -1681,39 +1483,39 @@
           <a:lstStyle>
             <a:lvl1pPr marL="0" indent="0">
               <a:buNone/>
-              <a:defRPr sz="2400" b="1"/>
+              <a:defRPr sz="1440" b="1"/>
             </a:lvl1pPr>
-            <a:lvl2pPr marL="457200" indent="0">
-              <a:buNone/>
-              <a:defRPr sz="2000" b="1"/>
+            <a:lvl2pPr marL="274320" indent="0">
+              <a:buNone/>
+              <a:defRPr sz="1200" b="1"/>
             </a:lvl2pPr>
-            <a:lvl3pPr marL="914400" indent="0">
-              <a:buNone/>
-              <a:defRPr sz="1800" b="1"/>
+            <a:lvl3pPr marL="548640" indent="0">
+              <a:buNone/>
+              <a:defRPr sz="1080" b="1"/>
             </a:lvl3pPr>
-            <a:lvl4pPr marL="1371600" indent="0">
-              <a:buNone/>
-              <a:defRPr sz="1600" b="1"/>
+            <a:lvl4pPr marL="822960" indent="0">
+              <a:buNone/>
+              <a:defRPr sz="960" b="1"/>
             </a:lvl4pPr>
-            <a:lvl5pPr marL="1828800" indent="0">
-              <a:buNone/>
-              <a:defRPr sz="1600" b="1"/>
+            <a:lvl5pPr marL="1097280" indent="0">
+              <a:buNone/>
+              <a:defRPr sz="960" b="1"/>
             </a:lvl5pPr>
-            <a:lvl6pPr marL="2286000" indent="0">
-              <a:buNone/>
-              <a:defRPr sz="1600" b="1"/>
+            <a:lvl6pPr marL="1371600" indent="0">
+              <a:buNone/>
+              <a:defRPr sz="960" b="1"/>
             </a:lvl6pPr>
-            <a:lvl7pPr marL="2743200" indent="0">
-              <a:buNone/>
-              <a:defRPr sz="1600" b="1"/>
+            <a:lvl7pPr marL="1645920" indent="0">
+              <a:buNone/>
+              <a:defRPr sz="960" b="1"/>
             </a:lvl7pPr>
-            <a:lvl8pPr marL="3200400" indent="0">
-              <a:buNone/>
-              <a:defRPr sz="1600" b="1"/>
+            <a:lvl8pPr marL="1920240" indent="0">
+              <a:buNone/>
+              <a:defRPr sz="960" b="1"/>
             </a:lvl8pPr>
-            <a:lvl9pPr marL="3657600" indent="0">
-              <a:buNone/>
-              <a:defRPr sz="1600" b="1"/>
+            <a:lvl9pPr marL="2194560" indent="0">
+              <a:buNone/>
+              <a:defRPr sz="960" b="1"/>
             </a:lvl9pPr>
           </a:lstStyle>
           <a:p>
@@ -1727,13 +1529,7 @@
       </p:sp>
       <p:sp>
         <p:nvSpPr>
-          <p:cNvPr id="6" name="Content Placeholder 5">
-            <a:extLst>
-              <a:ext uri="{FF2B5EF4-FFF2-40B4-BE49-F238E27FC236}">
-                <a16:creationId xmlns:a16="http://schemas.microsoft.com/office/drawing/2014/main" id="{FCAB524B-513F-421F-AFE0-97131736188B}"/>
-              </a:ext>
-            </a:extLst>
-          </p:cNvPr>
+          <p:cNvPr id="6" name="Content Placeholder 5"/>
           <p:cNvSpPr>
             <a:spLocks noGrp="1"/>
           </p:cNvSpPr>
@@ -1743,8 +1539,8 @@
         </p:nvSpPr>
         <p:spPr>
           <a:xfrm>
-            <a:off x="6172200" y="2505075"/>
-            <a:ext cx="5183188" cy="3684588"/>
+            <a:off x="2777490" y="2338070"/>
+            <a:ext cx="2332435" cy="3438949"/>
           </a:xfrm>
         </p:spPr>
         <p:txBody>
@@ -1784,18 +1580,13 @@
               <a:rPr lang="en-US"/>
               <a:t>Fifth level</a:t>
             </a:r>
-          </a:p>
-        </p:txBody>
-      </p:sp>
-      <p:sp>
-        <p:nvSpPr>
-          <p:cNvPr id="7" name="Date Placeholder 6">
-            <a:extLst>
-              <a:ext uri="{FF2B5EF4-FFF2-40B4-BE49-F238E27FC236}">
-                <a16:creationId xmlns:a16="http://schemas.microsoft.com/office/drawing/2014/main" id="{2EDEDDFE-364C-482E-BD99-0C67AEB34759}"/>
-              </a:ext>
-            </a:extLst>
-          </p:cNvPr>
+            <a:endParaRPr lang="en-US" dirty="0"/>
+          </a:p>
+        </p:txBody>
+      </p:sp>
+      <p:sp>
+        <p:nvSpPr>
+          <p:cNvPr id="7" name="Date Placeholder 6"/>
           <p:cNvSpPr>
             <a:spLocks noGrp="1"/>
           </p:cNvSpPr>
@@ -1808,7 +1599,7 @@
           <a:bodyPr/>
           <a:lstStyle/>
           <a:p>
-            <a:fld id="{BBE91FCD-5F32-4893-87F4-18E5763C05BB}" type="datetimeFigureOut">
+            <a:fld id="{645F7DBC-EAEC-441E-8CA0-A048D5859A18}" type="datetimeFigureOut">
               <a:rPr lang="en-US" smtClean="0"/>
               <a:t>11/3/2022</a:t>
             </a:fld>
@@ -1818,13 +1609,7 @@
       </p:sp>
       <p:sp>
         <p:nvSpPr>
-          <p:cNvPr id="8" name="Footer Placeholder 7">
-            <a:extLst>
-              <a:ext uri="{FF2B5EF4-FFF2-40B4-BE49-F238E27FC236}">
-                <a16:creationId xmlns:a16="http://schemas.microsoft.com/office/drawing/2014/main" id="{08B98522-0201-410D-BD6B-47BDF03C49FB}"/>
-              </a:ext>
-            </a:extLst>
-          </p:cNvPr>
+          <p:cNvPr id="8" name="Footer Placeholder 7"/>
           <p:cNvSpPr>
             <a:spLocks noGrp="1"/>
           </p:cNvSpPr>
@@ -1843,13 +1628,7 @@
       </p:sp>
       <p:sp>
         <p:nvSpPr>
-          <p:cNvPr id="9" name="Slide Number Placeholder 8">
-            <a:extLst>
-              <a:ext uri="{FF2B5EF4-FFF2-40B4-BE49-F238E27FC236}">
-                <a16:creationId xmlns:a16="http://schemas.microsoft.com/office/drawing/2014/main" id="{AB1B0911-85F5-4F65-8A14-4C4334C729DC}"/>
-              </a:ext>
-            </a:extLst>
-          </p:cNvPr>
+          <p:cNvPr id="9" name="Slide Number Placeholder 8"/>
           <p:cNvSpPr>
             <a:spLocks noGrp="1"/>
           </p:cNvSpPr>
@@ -1862,7 +1641,7 @@
           <a:bodyPr/>
           <a:lstStyle/>
           <a:p>
-            <a:fld id="{B97B9177-721B-4D9E-8370-F7DE891ADD74}" type="slidenum">
+            <a:fld id="{B5A48D93-383F-4434-892B-4EB7522B144A}" type="slidenum">
               <a:rPr lang="en-US" smtClean="0"/>
               <a:t>‹#›</a:t>
             </a:fld>
@@ -1873,7 +1652,7 @@
     </p:spTree>
     <p:extLst>
       <p:ext uri="{BB962C8B-B14F-4D97-AF65-F5344CB8AC3E}">
-        <p14:creationId xmlns:p14="http://schemas.microsoft.com/office/powerpoint/2010/main" val="3564889481"/>
+        <p14:creationId xmlns:p14="http://schemas.microsoft.com/office/powerpoint/2010/main" val="2339591006"/>
       </p:ext>
     </p:extLst>
   </p:cSld>
@@ -1902,13 +1681,7 @@
       </p:grpSpPr>
       <p:sp>
         <p:nvSpPr>
-          <p:cNvPr id="2" name="Title 1">
-            <a:extLst>
-              <a:ext uri="{FF2B5EF4-FFF2-40B4-BE49-F238E27FC236}">
-                <a16:creationId xmlns:a16="http://schemas.microsoft.com/office/drawing/2014/main" id="{0FD102FD-E59B-46A9-85E6-2D5E27DD0E08}"/>
-              </a:ext>
-            </a:extLst>
-          </p:cNvPr>
+          <p:cNvPr id="2" name="Title 1"/>
           <p:cNvSpPr>
             <a:spLocks noGrp="1"/>
           </p:cNvSpPr>
@@ -1925,18 +1698,13 @@
               <a:rPr lang="en-US"/>
               <a:t>Click to edit Master title style</a:t>
             </a:r>
-          </a:p>
-        </p:txBody>
-      </p:sp>
-      <p:sp>
-        <p:nvSpPr>
-          <p:cNvPr id="3" name="Date Placeholder 2">
-            <a:extLst>
-              <a:ext uri="{FF2B5EF4-FFF2-40B4-BE49-F238E27FC236}">
-                <a16:creationId xmlns:a16="http://schemas.microsoft.com/office/drawing/2014/main" id="{6F6CE255-8C8D-4F93-9180-EC01F9A37DAB}"/>
-              </a:ext>
-            </a:extLst>
-          </p:cNvPr>
+            <a:endParaRPr lang="en-US" dirty="0"/>
+          </a:p>
+        </p:txBody>
+      </p:sp>
+      <p:sp>
+        <p:nvSpPr>
+          <p:cNvPr id="3" name="Date Placeholder 2"/>
           <p:cNvSpPr>
             <a:spLocks noGrp="1"/>
           </p:cNvSpPr>
@@ -1949,7 +1717,7 @@
           <a:bodyPr/>
           <a:lstStyle/>
           <a:p>
-            <a:fld id="{BBE91FCD-5F32-4893-87F4-18E5763C05BB}" type="datetimeFigureOut">
+            <a:fld id="{645F7DBC-EAEC-441E-8CA0-A048D5859A18}" type="datetimeFigureOut">
               <a:rPr lang="en-US" smtClean="0"/>
               <a:t>11/3/2022</a:t>
             </a:fld>
@@ -1959,13 +1727,7 @@
       </p:sp>
       <p:sp>
         <p:nvSpPr>
-          <p:cNvPr id="4" name="Footer Placeholder 3">
-            <a:extLst>
-              <a:ext uri="{FF2B5EF4-FFF2-40B4-BE49-F238E27FC236}">
-                <a16:creationId xmlns:a16="http://schemas.microsoft.com/office/drawing/2014/main" id="{E78CA386-4482-4CBF-8DFD-817E83370BDC}"/>
-              </a:ext>
-            </a:extLst>
-          </p:cNvPr>
+          <p:cNvPr id="4" name="Footer Placeholder 3"/>
           <p:cNvSpPr>
             <a:spLocks noGrp="1"/>
           </p:cNvSpPr>
@@ -1984,13 +1746,7 @@
       </p:sp>
       <p:sp>
         <p:nvSpPr>
-          <p:cNvPr id="5" name="Slide Number Placeholder 4">
-            <a:extLst>
-              <a:ext uri="{FF2B5EF4-FFF2-40B4-BE49-F238E27FC236}">
-                <a16:creationId xmlns:a16="http://schemas.microsoft.com/office/drawing/2014/main" id="{F95E00E4-8A4F-4614-A9CF-85D9F4AE46EA}"/>
-              </a:ext>
-            </a:extLst>
-          </p:cNvPr>
+          <p:cNvPr id="5" name="Slide Number Placeholder 4"/>
           <p:cNvSpPr>
             <a:spLocks noGrp="1"/>
           </p:cNvSpPr>
@@ -2003,7 +1759,7 @@
           <a:bodyPr/>
           <a:lstStyle/>
           <a:p>
-            <a:fld id="{B97B9177-721B-4D9E-8370-F7DE891ADD74}" type="slidenum">
+            <a:fld id="{B5A48D93-383F-4434-892B-4EB7522B144A}" type="slidenum">
               <a:rPr lang="en-US" smtClean="0"/>
               <a:t>‹#›</a:t>
             </a:fld>
@@ -2014,7 +1770,7 @@
     </p:spTree>
     <p:extLst>
       <p:ext uri="{BB962C8B-B14F-4D97-AF65-F5344CB8AC3E}">
-        <p14:creationId xmlns:p14="http://schemas.microsoft.com/office/powerpoint/2010/main" val="3272796775"/>
+        <p14:creationId xmlns:p14="http://schemas.microsoft.com/office/powerpoint/2010/main" val="1537054104"/>
       </p:ext>
     </p:extLst>
   </p:cSld>
@@ -2043,13 +1799,7 @@
       </p:grpSpPr>
       <p:sp>
         <p:nvSpPr>
-          <p:cNvPr id="2" name="Date Placeholder 1">
-            <a:extLst>
-              <a:ext uri="{FF2B5EF4-FFF2-40B4-BE49-F238E27FC236}">
-                <a16:creationId xmlns:a16="http://schemas.microsoft.com/office/drawing/2014/main" id="{56FFD97E-66D7-4608-ADD2-60D087D270C9}"/>
-              </a:ext>
-            </a:extLst>
-          </p:cNvPr>
+          <p:cNvPr id="2" name="Date Placeholder 1"/>
           <p:cNvSpPr>
             <a:spLocks noGrp="1"/>
           </p:cNvSpPr>
@@ -2062,7 +1812,7 @@
           <a:bodyPr/>
           <a:lstStyle/>
           <a:p>
-            <a:fld id="{BBE91FCD-5F32-4893-87F4-18E5763C05BB}" type="datetimeFigureOut">
+            <a:fld id="{645F7DBC-EAEC-441E-8CA0-A048D5859A18}" type="datetimeFigureOut">
               <a:rPr lang="en-US" smtClean="0"/>
               <a:t>11/3/2022</a:t>
             </a:fld>
@@ -2072,13 +1822,7 @@
       </p:sp>
       <p:sp>
         <p:nvSpPr>
-          <p:cNvPr id="3" name="Footer Placeholder 2">
-            <a:extLst>
-              <a:ext uri="{FF2B5EF4-FFF2-40B4-BE49-F238E27FC236}">
-                <a16:creationId xmlns:a16="http://schemas.microsoft.com/office/drawing/2014/main" id="{9EF31CFA-FE32-4903-B0D5-5F306D512790}"/>
-              </a:ext>
-            </a:extLst>
-          </p:cNvPr>
+          <p:cNvPr id="3" name="Footer Placeholder 2"/>
           <p:cNvSpPr>
             <a:spLocks noGrp="1"/>
           </p:cNvSpPr>
@@ -2097,13 +1841,7 @@
       </p:sp>
       <p:sp>
         <p:nvSpPr>
-          <p:cNvPr id="4" name="Slide Number Placeholder 3">
-            <a:extLst>
-              <a:ext uri="{FF2B5EF4-FFF2-40B4-BE49-F238E27FC236}">
-                <a16:creationId xmlns:a16="http://schemas.microsoft.com/office/drawing/2014/main" id="{F92F2D07-5DE0-4EE3-AFB5-C741C2F32A19}"/>
-              </a:ext>
-            </a:extLst>
-          </p:cNvPr>
+          <p:cNvPr id="4" name="Slide Number Placeholder 3"/>
           <p:cNvSpPr>
             <a:spLocks noGrp="1"/>
           </p:cNvSpPr>
@@ -2116,7 +1854,7 @@
           <a:bodyPr/>
           <a:lstStyle/>
           <a:p>
-            <a:fld id="{B97B9177-721B-4D9E-8370-F7DE891ADD74}" type="slidenum">
+            <a:fld id="{B5A48D93-383F-4434-892B-4EB7522B144A}" type="slidenum">
               <a:rPr lang="en-US" smtClean="0"/>
               <a:t>‹#›</a:t>
             </a:fld>
@@ -2127,7 +1865,7 @@
     </p:spTree>
     <p:extLst>
       <p:ext uri="{BB962C8B-B14F-4D97-AF65-F5344CB8AC3E}">
-        <p14:creationId xmlns:p14="http://schemas.microsoft.com/office/powerpoint/2010/main" val="4012065149"/>
+        <p14:creationId xmlns:p14="http://schemas.microsoft.com/office/powerpoint/2010/main" val="679853639"/>
       </p:ext>
     </p:extLst>
   </p:cSld>
@@ -2156,13 +1894,7 @@
       </p:grpSpPr>
       <p:sp>
         <p:nvSpPr>
-          <p:cNvPr id="2" name="Title 1">
-            <a:extLst>
-              <a:ext uri="{FF2B5EF4-FFF2-40B4-BE49-F238E27FC236}">
-                <a16:creationId xmlns:a16="http://schemas.microsoft.com/office/drawing/2014/main" id="{6AE9A13A-DF33-469A-8FCC-E3F7BB8751C1}"/>
-              </a:ext>
-            </a:extLst>
-          </p:cNvPr>
+          <p:cNvPr id="2" name="Title 1"/>
           <p:cNvSpPr>
             <a:spLocks noGrp="1"/>
           </p:cNvSpPr>
@@ -2172,15 +1904,15 @@
         </p:nvSpPr>
         <p:spPr>
           <a:xfrm>
-            <a:off x="839788" y="457200"/>
-            <a:ext cx="3932237" cy="1600200"/>
+            <a:off x="377905" y="426720"/>
+            <a:ext cx="1769507" cy="1493520"/>
           </a:xfrm>
         </p:spPr>
         <p:txBody>
           <a:bodyPr anchor="b"/>
           <a:lstStyle>
             <a:lvl1pPr>
-              <a:defRPr sz="3200"/>
+              <a:defRPr sz="1920"/>
             </a:lvl1pPr>
           </a:lstStyle>
           <a:p>
@@ -2188,18 +1920,13 @@
               <a:rPr lang="en-US"/>
               <a:t>Click to edit Master title style</a:t>
             </a:r>
-          </a:p>
-        </p:txBody>
-      </p:sp>
-      <p:sp>
-        <p:nvSpPr>
-          <p:cNvPr id="3" name="Content Placeholder 2">
-            <a:extLst>
-              <a:ext uri="{FF2B5EF4-FFF2-40B4-BE49-F238E27FC236}">
-                <a16:creationId xmlns:a16="http://schemas.microsoft.com/office/drawing/2014/main" id="{7C296D50-24E6-468A-9115-3E5F90135C48}"/>
-              </a:ext>
-            </a:extLst>
-          </p:cNvPr>
+            <a:endParaRPr lang="en-US" dirty="0"/>
+          </a:p>
+        </p:txBody>
+      </p:sp>
+      <p:sp>
+        <p:nvSpPr>
+          <p:cNvPr id="3" name="Content Placeholder 2"/>
           <p:cNvSpPr>
             <a:spLocks noGrp="1"/>
           </p:cNvSpPr>
@@ -2209,39 +1936,39 @@
         </p:nvSpPr>
         <p:spPr>
           <a:xfrm>
-            <a:off x="5183188" y="987425"/>
-            <a:ext cx="6172200" cy="4873625"/>
+            <a:off x="2332435" y="921598"/>
+            <a:ext cx="2777490" cy="4548717"/>
           </a:xfrm>
         </p:spPr>
         <p:txBody>
           <a:bodyPr/>
           <a:lstStyle>
             <a:lvl1pPr>
-              <a:defRPr sz="3200"/>
+              <a:defRPr sz="1920"/>
             </a:lvl1pPr>
             <a:lvl2pPr>
-              <a:defRPr sz="2800"/>
+              <a:defRPr sz="1680"/>
             </a:lvl2pPr>
             <a:lvl3pPr>
-              <a:defRPr sz="2400"/>
+              <a:defRPr sz="1440"/>
             </a:lvl3pPr>
             <a:lvl4pPr>
-              <a:defRPr sz="2000"/>
+              <a:defRPr sz="1200"/>
             </a:lvl4pPr>
             <a:lvl5pPr>
-              <a:defRPr sz="2000"/>
+              <a:defRPr sz="1200"/>
             </a:lvl5pPr>
             <a:lvl6pPr>
-              <a:defRPr sz="2000"/>
+              <a:defRPr sz="1200"/>
             </a:lvl6pPr>
             <a:lvl7pPr>
-              <a:defRPr sz="2000"/>
+              <a:defRPr sz="1200"/>
             </a:lvl7pPr>
             <a:lvl8pPr>
-              <a:defRPr sz="2000"/>
+              <a:defRPr sz="1200"/>
             </a:lvl8pPr>
             <a:lvl9pPr>
-              <a:defRPr sz="2000"/>
+              <a:defRPr sz="1200"/>
             </a:lvl9pPr>
           </a:lstStyle>
           <a:p>
@@ -2278,18 +2005,13 @@
               <a:rPr lang="en-US"/>
               <a:t>Fifth level</a:t>
             </a:r>
-          </a:p>
-        </p:txBody>
-      </p:sp>
-      <p:sp>
-        <p:nvSpPr>
-          <p:cNvPr id="4" name="Text Placeholder 3">
-            <a:extLst>
-              <a:ext uri="{FF2B5EF4-FFF2-40B4-BE49-F238E27FC236}">
-                <a16:creationId xmlns:a16="http://schemas.microsoft.com/office/drawing/2014/main" id="{33A0310E-017C-4471-8701-54409CC7CE27}"/>
-              </a:ext>
-            </a:extLst>
-          </p:cNvPr>
+            <a:endParaRPr lang="en-US" dirty="0"/>
+          </a:p>
+        </p:txBody>
+      </p:sp>
+      <p:sp>
+        <p:nvSpPr>
+          <p:cNvPr id="4" name="Text Placeholder 3"/>
           <p:cNvSpPr>
             <a:spLocks noGrp="1"/>
           </p:cNvSpPr>
@@ -2299,8 +2021,8 @@
         </p:nvSpPr>
         <p:spPr>
           <a:xfrm>
-            <a:off x="839788" y="2057400"/>
-            <a:ext cx="3932237" cy="3811588"/>
+            <a:off x="377905" y="1920240"/>
+            <a:ext cx="1769507" cy="3557482"/>
           </a:xfrm>
         </p:spPr>
         <p:txBody>
@@ -2308,39 +2030,39 @@
           <a:lstStyle>
             <a:lvl1pPr marL="0" indent="0">
               <a:buNone/>
-              <a:defRPr sz="1600"/>
+              <a:defRPr sz="960"/>
             </a:lvl1pPr>
-            <a:lvl2pPr marL="457200" indent="0">
-              <a:buNone/>
-              <a:defRPr sz="1400"/>
+            <a:lvl2pPr marL="274320" indent="0">
+              <a:buNone/>
+              <a:defRPr sz="840"/>
             </a:lvl2pPr>
-            <a:lvl3pPr marL="914400" indent="0">
-              <a:buNone/>
-              <a:defRPr sz="1200"/>
+            <a:lvl3pPr marL="548640" indent="0">
+              <a:buNone/>
+              <a:defRPr sz="720"/>
             </a:lvl3pPr>
-            <a:lvl4pPr marL="1371600" indent="0">
-              <a:buNone/>
-              <a:defRPr sz="1000"/>
+            <a:lvl4pPr marL="822960" indent="0">
+              <a:buNone/>
+              <a:defRPr sz="600"/>
             </a:lvl4pPr>
-            <a:lvl5pPr marL="1828800" indent="0">
-              <a:buNone/>
-              <a:defRPr sz="1000"/>
+            <a:lvl5pPr marL="1097280" indent="0">
+              <a:buNone/>
+              <a:defRPr sz="600"/>
             </a:lvl5pPr>
-            <a:lvl6pPr marL="2286000" indent="0">
-              <a:buNone/>
-              <a:defRPr sz="1000"/>
+            <a:lvl6pPr marL="1371600" indent="0">
+              <a:buNone/>
+              <a:defRPr sz="600"/>
             </a:lvl6pPr>
-            <a:lvl7pPr marL="2743200" indent="0">
-              <a:buNone/>
-              <a:defRPr sz="1000"/>
+            <a:lvl7pPr marL="1645920" indent="0">
+              <a:buNone/>
+              <a:defRPr sz="600"/>
             </a:lvl7pPr>
-            <a:lvl8pPr marL="3200400" indent="0">
-              <a:buNone/>
-              <a:defRPr sz="1000"/>
+            <a:lvl8pPr marL="1920240" indent="0">
+              <a:buNone/>
+              <a:defRPr sz="600"/>
             </a:lvl8pPr>
-            <a:lvl9pPr marL="3657600" indent="0">
-              <a:buNone/>
-              <a:defRPr sz="1000"/>
+            <a:lvl9pPr marL="2194560" indent="0">
+              <a:buNone/>
+              <a:defRPr sz="600"/>
             </a:lvl9pPr>
           </a:lstStyle>
           <a:p>
@@ -2354,13 +2076,7 @@
       </p:sp>
       <p:sp>
         <p:nvSpPr>
-          <p:cNvPr id="5" name="Date Placeholder 4">
-            <a:extLst>
-              <a:ext uri="{FF2B5EF4-FFF2-40B4-BE49-F238E27FC236}">
-                <a16:creationId xmlns:a16="http://schemas.microsoft.com/office/drawing/2014/main" id="{98E3E984-EB2F-49B5-AA2D-6C5F186DC057}"/>
-              </a:ext>
-            </a:extLst>
-          </p:cNvPr>
+          <p:cNvPr id="5" name="Date Placeholder 4"/>
           <p:cNvSpPr>
             <a:spLocks noGrp="1"/>
           </p:cNvSpPr>
@@ -2373,7 +2089,7 @@
           <a:bodyPr/>
           <a:lstStyle/>
           <a:p>
-            <a:fld id="{BBE91FCD-5F32-4893-87F4-18E5763C05BB}" type="datetimeFigureOut">
+            <a:fld id="{645F7DBC-EAEC-441E-8CA0-A048D5859A18}" type="datetimeFigureOut">
               <a:rPr lang="en-US" smtClean="0"/>
               <a:t>11/3/2022</a:t>
             </a:fld>
@@ -2383,13 +2099,7 @@
       </p:sp>
       <p:sp>
         <p:nvSpPr>
-          <p:cNvPr id="6" name="Footer Placeholder 5">
-            <a:extLst>
-              <a:ext uri="{FF2B5EF4-FFF2-40B4-BE49-F238E27FC236}">
-                <a16:creationId xmlns:a16="http://schemas.microsoft.com/office/drawing/2014/main" id="{FE54CA74-AC29-47FA-ADC5-C2AF45117E00}"/>
-              </a:ext>
-            </a:extLst>
-          </p:cNvPr>
+          <p:cNvPr id="6" name="Footer Placeholder 5"/>
           <p:cNvSpPr>
             <a:spLocks noGrp="1"/>
           </p:cNvSpPr>
@@ -2408,13 +2118,7 @@
       </p:sp>
       <p:sp>
         <p:nvSpPr>
-          <p:cNvPr id="7" name="Slide Number Placeholder 6">
-            <a:extLst>
-              <a:ext uri="{FF2B5EF4-FFF2-40B4-BE49-F238E27FC236}">
-                <a16:creationId xmlns:a16="http://schemas.microsoft.com/office/drawing/2014/main" id="{0A9715ED-E45E-4655-8B0D-6D8A993E3A13}"/>
-              </a:ext>
-            </a:extLst>
-          </p:cNvPr>
+          <p:cNvPr id="7" name="Slide Number Placeholder 6"/>
           <p:cNvSpPr>
             <a:spLocks noGrp="1"/>
           </p:cNvSpPr>
@@ -2427,7 +2131,7 @@
           <a:bodyPr/>
           <a:lstStyle/>
           <a:p>
-            <a:fld id="{B97B9177-721B-4D9E-8370-F7DE891ADD74}" type="slidenum">
+            <a:fld id="{B5A48D93-383F-4434-892B-4EB7522B144A}" type="slidenum">
               <a:rPr lang="en-US" smtClean="0"/>
               <a:t>‹#›</a:t>
             </a:fld>
@@ -2438,7 +2142,7 @@
     </p:spTree>
     <p:extLst>
       <p:ext uri="{BB962C8B-B14F-4D97-AF65-F5344CB8AC3E}">
-        <p14:creationId xmlns:p14="http://schemas.microsoft.com/office/powerpoint/2010/main" val="1117672243"/>
+        <p14:creationId xmlns:p14="http://schemas.microsoft.com/office/powerpoint/2010/main" val="2747346555"/>
       </p:ext>
     </p:extLst>
   </p:cSld>
@@ -2467,13 +2171,7 @@
       </p:grpSpPr>
       <p:sp>
         <p:nvSpPr>
-          <p:cNvPr id="2" name="Title 1">
-            <a:extLst>
-              <a:ext uri="{FF2B5EF4-FFF2-40B4-BE49-F238E27FC236}">
-                <a16:creationId xmlns:a16="http://schemas.microsoft.com/office/drawing/2014/main" id="{61EB5436-6B58-48FA-BE5D-B1D7ADB61E42}"/>
-              </a:ext>
-            </a:extLst>
-          </p:cNvPr>
+          <p:cNvPr id="2" name="Title 1"/>
           <p:cNvSpPr>
             <a:spLocks noGrp="1"/>
           </p:cNvSpPr>
@@ -2483,15 +2181,15 @@
         </p:nvSpPr>
         <p:spPr>
           <a:xfrm>
-            <a:off x="839788" y="457200"/>
-            <a:ext cx="3932237" cy="1600200"/>
+            <a:off x="377905" y="426720"/>
+            <a:ext cx="1769507" cy="1493520"/>
           </a:xfrm>
         </p:spPr>
         <p:txBody>
           <a:bodyPr anchor="b"/>
           <a:lstStyle>
             <a:lvl1pPr>
-              <a:defRPr sz="3200"/>
+              <a:defRPr sz="1920"/>
             </a:lvl1pPr>
           </a:lstStyle>
           <a:p>
@@ -2499,20 +2197,15 @@
               <a:rPr lang="en-US"/>
               <a:t>Click to edit Master title style</a:t>
             </a:r>
-          </a:p>
-        </p:txBody>
-      </p:sp>
-      <p:sp>
-        <p:nvSpPr>
-          <p:cNvPr id="3" name="Picture Placeholder 2">
-            <a:extLst>
-              <a:ext uri="{FF2B5EF4-FFF2-40B4-BE49-F238E27FC236}">
-                <a16:creationId xmlns:a16="http://schemas.microsoft.com/office/drawing/2014/main" id="{F0CFE3C8-524B-4B11-8337-C1E26A9CBFEC}"/>
-              </a:ext>
-            </a:extLst>
-          </p:cNvPr>
-          <p:cNvSpPr>
-            <a:spLocks noGrp="1"/>
+            <a:endParaRPr lang="en-US" dirty="0"/>
+          </a:p>
+        </p:txBody>
+      </p:sp>
+      <p:sp>
+        <p:nvSpPr>
+          <p:cNvPr id="3" name="Picture Placeholder 2"/>
+          <p:cNvSpPr>
+            <a:spLocks noGrp="1" noChangeAspect="1"/>
           </p:cNvSpPr>
           <p:nvPr>
             <p:ph type="pic" idx="1"/>
@@ -2520,64 +2213,62 @@
         </p:nvSpPr>
         <p:spPr>
           <a:xfrm>
-            <a:off x="5183188" y="987425"/>
-            <a:ext cx="6172200" cy="4873625"/>
+            <a:off x="2332435" y="921598"/>
+            <a:ext cx="2777490" cy="4548717"/>
           </a:xfrm>
         </p:spPr>
         <p:txBody>
-          <a:bodyPr/>
+          <a:bodyPr anchor="t"/>
           <a:lstStyle>
             <a:lvl1pPr marL="0" indent="0">
               <a:buNone/>
-              <a:defRPr sz="3200"/>
+              <a:defRPr sz="1920"/>
             </a:lvl1pPr>
-            <a:lvl2pPr marL="457200" indent="0">
-              <a:buNone/>
-              <a:defRPr sz="2800"/>
+            <a:lvl2pPr marL="274320" indent="0">
+              <a:buNone/>
+              <a:defRPr sz="1680"/>
             </a:lvl2pPr>
-            <a:lvl3pPr marL="914400" indent="0">
-              <a:buNone/>
-              <a:defRPr sz="2400"/>
+            <a:lvl3pPr marL="548640" indent="0">
+              <a:buNone/>
+              <a:defRPr sz="1440"/>
             </a:lvl3pPr>
-            <a:lvl4pPr marL="1371600" indent="0">
-              <a:buNone/>
-              <a:defRPr sz="2000"/>
+            <a:lvl4pPr marL="822960" indent="0">
+              <a:buNone/>
+              <a:defRPr sz="1200"/>
             </a:lvl4pPr>
-            <a:lvl5pPr marL="1828800" indent="0">
-              <a:buNone/>
-              <a:defRPr sz="2000"/>
+            <a:lvl5pPr marL="1097280" indent="0">
+              <a:buNone/>
+              <a:defRPr sz="1200"/>
             </a:lvl5pPr>
-            <a:lvl6pPr marL="2286000" indent="0">
-              <a:buNone/>
-              <a:defRPr sz="2000"/>
+            <a:lvl6pPr marL="1371600" indent="0">
+              <a:buNone/>
+              <a:defRPr sz="1200"/>
             </a:lvl6pPr>
-            <a:lvl7pPr marL="2743200" indent="0">
-              <a:buNone/>
-              <a:defRPr sz="2000"/>
+            <a:lvl7pPr marL="1645920" indent="0">
+              <a:buNone/>
+              <a:defRPr sz="1200"/>
             </a:lvl7pPr>
-            <a:lvl8pPr marL="3200400" indent="0">
-              <a:buNone/>
-              <a:defRPr sz="2000"/>
+            <a:lvl8pPr marL="1920240" indent="0">
+              <a:buNone/>
+              <a:defRPr sz="1200"/>
             </a:lvl8pPr>
-            <a:lvl9pPr marL="3657600" indent="0">
-              <a:buNone/>
-              <a:defRPr sz="2000"/>
+            <a:lvl9pPr marL="2194560" indent="0">
+              <a:buNone/>
+              <a:defRPr sz="1200"/>
             </a:lvl9pPr>
           </a:lstStyle>
           <a:p>
-            <a:endParaRPr lang="en-US"/>
-          </a:p>
-        </p:txBody>
-      </p:sp>
-      <p:sp>
-        <p:nvSpPr>
-          <p:cNvPr id="4" name="Text Placeholder 3">
-            <a:extLst>
-              <a:ext uri="{FF2B5EF4-FFF2-40B4-BE49-F238E27FC236}">
-                <a16:creationId xmlns:a16="http://schemas.microsoft.com/office/drawing/2014/main" id="{546C74BF-798A-4760-8E30-870F41A9807F}"/>
-              </a:ext>
-            </a:extLst>
-          </p:cNvPr>
+            <a:r>
+              <a:rPr lang="en-US"/>
+              <a:t>Click icon to add picture</a:t>
+            </a:r>
+            <a:endParaRPr lang="en-US" dirty="0"/>
+          </a:p>
+        </p:txBody>
+      </p:sp>
+      <p:sp>
+        <p:nvSpPr>
+          <p:cNvPr id="4" name="Text Placeholder 3"/>
           <p:cNvSpPr>
             <a:spLocks noGrp="1"/>
           </p:cNvSpPr>
@@ -2587,8 +2278,8 @@
         </p:nvSpPr>
         <p:spPr>
           <a:xfrm>
-            <a:off x="839788" y="2057400"/>
-            <a:ext cx="3932237" cy="3811588"/>
+            <a:off x="377905" y="1920240"/>
+            <a:ext cx="1769507" cy="3557482"/>
           </a:xfrm>
         </p:spPr>
         <p:txBody>
@@ -2596,39 +2287,39 @@
           <a:lstStyle>
             <a:lvl1pPr marL="0" indent="0">
               <a:buNone/>
-              <a:defRPr sz="1600"/>
+              <a:defRPr sz="960"/>
             </a:lvl1pPr>
-            <a:lvl2pPr marL="457200" indent="0">
-              <a:buNone/>
-              <a:defRPr sz="1400"/>
+            <a:lvl2pPr marL="274320" indent="0">
+              <a:buNone/>
+              <a:defRPr sz="840"/>
             </a:lvl2pPr>
-            <a:lvl3pPr marL="914400" indent="0">
-              <a:buNone/>
-              <a:defRPr sz="1200"/>
+            <a:lvl3pPr marL="548640" indent="0">
+              <a:buNone/>
+              <a:defRPr sz="720"/>
             </a:lvl3pPr>
-            <a:lvl4pPr marL="1371600" indent="0">
-              <a:buNone/>
-              <a:defRPr sz="1000"/>
+            <a:lvl4pPr marL="822960" indent="0">
+              <a:buNone/>
+              <a:defRPr sz="600"/>
             </a:lvl4pPr>
-            <a:lvl5pPr marL="1828800" indent="0">
-              <a:buNone/>
-              <a:defRPr sz="1000"/>
+            <a:lvl5pPr marL="1097280" indent="0">
+              <a:buNone/>
+              <a:defRPr sz="600"/>
             </a:lvl5pPr>
-            <a:lvl6pPr marL="2286000" indent="0">
-              <a:buNone/>
-              <a:defRPr sz="1000"/>
+            <a:lvl6pPr marL="1371600" indent="0">
+              <a:buNone/>
+              <a:defRPr sz="600"/>
             </a:lvl6pPr>
-            <a:lvl7pPr marL="2743200" indent="0">
-              <a:buNone/>
-              <a:defRPr sz="1000"/>
+            <a:lvl7pPr marL="1645920" indent="0">
+              <a:buNone/>
+              <a:defRPr sz="600"/>
             </a:lvl7pPr>
-            <a:lvl8pPr marL="3200400" indent="0">
-              <a:buNone/>
-              <a:defRPr sz="1000"/>
+            <a:lvl8pPr marL="1920240" indent="0">
+              <a:buNone/>
+              <a:defRPr sz="600"/>
             </a:lvl8pPr>
-            <a:lvl9pPr marL="3657600" indent="0">
-              <a:buNone/>
-              <a:defRPr sz="1000"/>
+            <a:lvl9pPr marL="2194560" indent="0">
+              <a:buNone/>
+              <a:defRPr sz="600"/>
             </a:lvl9pPr>
           </a:lstStyle>
           <a:p>
@@ -2642,13 +2333,7 @@
       </p:sp>
       <p:sp>
         <p:nvSpPr>
-          <p:cNvPr id="5" name="Date Placeholder 4">
-            <a:extLst>
-              <a:ext uri="{FF2B5EF4-FFF2-40B4-BE49-F238E27FC236}">
-                <a16:creationId xmlns:a16="http://schemas.microsoft.com/office/drawing/2014/main" id="{146E9A8D-B7E4-4625-916C-FD715D800BB1}"/>
-              </a:ext>
-            </a:extLst>
-          </p:cNvPr>
+          <p:cNvPr id="5" name="Date Placeholder 4"/>
           <p:cNvSpPr>
             <a:spLocks noGrp="1"/>
           </p:cNvSpPr>
@@ -2661,7 +2346,7 @@
           <a:bodyPr/>
           <a:lstStyle/>
           <a:p>
-            <a:fld id="{BBE91FCD-5F32-4893-87F4-18E5763C05BB}" type="datetimeFigureOut">
+            <a:fld id="{645F7DBC-EAEC-441E-8CA0-A048D5859A18}" type="datetimeFigureOut">
               <a:rPr lang="en-US" smtClean="0"/>
               <a:t>11/3/2022</a:t>
             </a:fld>
@@ -2671,13 +2356,7 @@
       </p:sp>
       <p:sp>
         <p:nvSpPr>
-          <p:cNvPr id="6" name="Footer Placeholder 5">
-            <a:extLst>
-              <a:ext uri="{FF2B5EF4-FFF2-40B4-BE49-F238E27FC236}">
-                <a16:creationId xmlns:a16="http://schemas.microsoft.com/office/drawing/2014/main" id="{6B231CD3-4299-4013-9CB3-F7A357ABD3F7}"/>
-              </a:ext>
-            </a:extLst>
-          </p:cNvPr>
+          <p:cNvPr id="6" name="Footer Placeholder 5"/>
           <p:cNvSpPr>
             <a:spLocks noGrp="1"/>
           </p:cNvSpPr>
@@ -2696,13 +2375,7 @@
       </p:sp>
       <p:sp>
         <p:nvSpPr>
-          <p:cNvPr id="7" name="Slide Number Placeholder 6">
-            <a:extLst>
-              <a:ext uri="{FF2B5EF4-FFF2-40B4-BE49-F238E27FC236}">
-                <a16:creationId xmlns:a16="http://schemas.microsoft.com/office/drawing/2014/main" id="{7E317C87-09F9-4A03-ABFA-95CB4E32A57A}"/>
-              </a:ext>
-            </a:extLst>
-          </p:cNvPr>
+          <p:cNvPr id="7" name="Slide Number Placeholder 6"/>
           <p:cNvSpPr>
             <a:spLocks noGrp="1"/>
           </p:cNvSpPr>
@@ -2715,7 +2388,7 @@
           <a:bodyPr/>
           <a:lstStyle/>
           <a:p>
-            <a:fld id="{B97B9177-721B-4D9E-8370-F7DE891ADD74}" type="slidenum">
+            <a:fld id="{B5A48D93-383F-4434-892B-4EB7522B144A}" type="slidenum">
               <a:rPr lang="en-US" smtClean="0"/>
               <a:t>‹#›</a:t>
             </a:fld>
@@ -2726,7 +2399,7 @@
     </p:spTree>
     <p:extLst>
       <p:ext uri="{BB962C8B-B14F-4D97-AF65-F5344CB8AC3E}">
-        <p14:creationId xmlns:p14="http://schemas.microsoft.com/office/powerpoint/2010/main" val="1278939702"/>
+        <p14:creationId xmlns:p14="http://schemas.microsoft.com/office/powerpoint/2010/main" val="2616880513"/>
       </p:ext>
     </p:extLst>
   </p:cSld>
@@ -2760,13 +2433,7 @@
       </p:grpSpPr>
       <p:sp>
         <p:nvSpPr>
-          <p:cNvPr id="2" name="Title Placeholder 1">
-            <a:extLst>
-              <a:ext uri="{FF2B5EF4-FFF2-40B4-BE49-F238E27FC236}">
-                <a16:creationId xmlns:a16="http://schemas.microsoft.com/office/drawing/2014/main" id="{8AFCB2E8-7C56-4431-91EF-E8AE6901D227}"/>
-              </a:ext>
-            </a:extLst>
-          </p:cNvPr>
+          <p:cNvPr id="2" name="Title Placeholder 1"/>
           <p:cNvSpPr>
             <a:spLocks noGrp="1"/>
           </p:cNvSpPr>
@@ -2776,8 +2443,8 @@
         </p:nvSpPr>
         <p:spPr>
           <a:xfrm>
-            <a:off x="838200" y="365125"/>
-            <a:ext cx="10515600" cy="1325563"/>
+            <a:off x="377190" y="340785"/>
+            <a:ext cx="4732020" cy="1237192"/>
           </a:xfrm>
           <a:prstGeom prst="rect">
             <a:avLst/>
@@ -2793,18 +2460,13 @@
               <a:rPr lang="en-US"/>
               <a:t>Click to edit Master title style</a:t>
             </a:r>
-          </a:p>
-        </p:txBody>
-      </p:sp>
-      <p:sp>
-        <p:nvSpPr>
-          <p:cNvPr id="3" name="Text Placeholder 2">
-            <a:extLst>
-              <a:ext uri="{FF2B5EF4-FFF2-40B4-BE49-F238E27FC236}">
-                <a16:creationId xmlns:a16="http://schemas.microsoft.com/office/drawing/2014/main" id="{8C009E8D-7B94-4763-856F-EC48AAAF9D7F}"/>
-              </a:ext>
-            </a:extLst>
-          </p:cNvPr>
+            <a:endParaRPr lang="en-US" dirty="0"/>
+          </a:p>
+        </p:txBody>
+      </p:sp>
+      <p:sp>
+        <p:nvSpPr>
+          <p:cNvPr id="3" name="Text Placeholder 2"/>
           <p:cNvSpPr>
             <a:spLocks noGrp="1"/>
           </p:cNvSpPr>
@@ -2814,8 +2476,8 @@
         </p:nvSpPr>
         <p:spPr>
           <a:xfrm>
-            <a:off x="838200" y="1825625"/>
-            <a:ext cx="10515600" cy="4351338"/>
+            <a:off x="377190" y="1703917"/>
+            <a:ext cx="4732020" cy="4061249"/>
           </a:xfrm>
           <a:prstGeom prst="rect">
             <a:avLst/>
@@ -2860,18 +2522,13 @@
               <a:rPr lang="en-US"/>
               <a:t>Fifth level</a:t>
             </a:r>
-          </a:p>
-        </p:txBody>
-      </p:sp>
-      <p:sp>
-        <p:nvSpPr>
-          <p:cNvPr id="4" name="Date Placeholder 3">
-            <a:extLst>
-              <a:ext uri="{FF2B5EF4-FFF2-40B4-BE49-F238E27FC236}">
-                <a16:creationId xmlns:a16="http://schemas.microsoft.com/office/drawing/2014/main" id="{BE0FBB27-8E25-4AAB-A6A8-E8AF155EFB54}"/>
-              </a:ext>
-            </a:extLst>
-          </p:cNvPr>
+            <a:endParaRPr lang="en-US" dirty="0"/>
+          </a:p>
+        </p:txBody>
+      </p:sp>
+      <p:sp>
+        <p:nvSpPr>
+          <p:cNvPr id="4" name="Date Placeholder 3"/>
           <p:cNvSpPr>
             <a:spLocks noGrp="1"/>
           </p:cNvSpPr>
@@ -2881,8 +2538,8 @@
         </p:nvSpPr>
         <p:spPr>
           <a:xfrm>
-            <a:off x="838200" y="6356350"/>
-            <a:ext cx="2743200" cy="365125"/>
+            <a:off x="377190" y="5932595"/>
+            <a:ext cx="1234440" cy="340783"/>
           </a:xfrm>
           <a:prstGeom prst="rect">
             <a:avLst/>
@@ -2892,7 +2549,7 @@
           <a:bodyPr vert="horz" lIns="91440" tIns="45720" rIns="91440" bIns="45720" rtlCol="0" anchor="ctr"/>
           <a:lstStyle>
             <a:lvl1pPr algn="l">
-              <a:defRPr sz="1200">
+              <a:defRPr sz="720">
                 <a:solidFill>
                   <a:schemeClr val="tx1">
                     <a:tint val="75000"/>
@@ -2902,7 +2559,7 @@
             </a:lvl1pPr>
           </a:lstStyle>
           <a:p>
-            <a:fld id="{BBE91FCD-5F32-4893-87F4-18E5763C05BB}" type="datetimeFigureOut">
+            <a:fld id="{645F7DBC-EAEC-441E-8CA0-A048D5859A18}" type="datetimeFigureOut">
               <a:rPr lang="en-US" smtClean="0"/>
               <a:t>11/3/2022</a:t>
             </a:fld>
@@ -2912,13 +2569,7 @@
       </p:sp>
       <p:sp>
         <p:nvSpPr>
-          <p:cNvPr id="5" name="Footer Placeholder 4">
-            <a:extLst>
-              <a:ext uri="{FF2B5EF4-FFF2-40B4-BE49-F238E27FC236}">
-                <a16:creationId xmlns:a16="http://schemas.microsoft.com/office/drawing/2014/main" id="{76AFB3C9-2C3E-49D0-A514-530A0C1B7E10}"/>
-              </a:ext>
-            </a:extLst>
-          </p:cNvPr>
+          <p:cNvPr id="5" name="Footer Placeholder 4"/>
           <p:cNvSpPr>
             <a:spLocks noGrp="1"/>
           </p:cNvSpPr>
@@ -2928,8 +2579,8 @@
         </p:nvSpPr>
         <p:spPr>
           <a:xfrm>
-            <a:off x="4038600" y="6356350"/>
-            <a:ext cx="4114800" cy="365125"/>
+            <a:off x="1817370" y="5932595"/>
+            <a:ext cx="1851660" cy="340783"/>
           </a:xfrm>
           <a:prstGeom prst="rect">
             <a:avLst/>
@@ -2939,7 +2590,7 @@
           <a:bodyPr vert="horz" lIns="91440" tIns="45720" rIns="91440" bIns="45720" rtlCol="0" anchor="ctr"/>
           <a:lstStyle>
             <a:lvl1pPr algn="ctr">
-              <a:defRPr sz="1200">
+              <a:defRPr sz="720">
                 <a:solidFill>
                   <a:schemeClr val="tx1">
                     <a:tint val="75000"/>
@@ -2955,13 +2606,7 @@
       </p:sp>
       <p:sp>
         <p:nvSpPr>
-          <p:cNvPr id="6" name="Slide Number Placeholder 5">
-            <a:extLst>
-              <a:ext uri="{FF2B5EF4-FFF2-40B4-BE49-F238E27FC236}">
-                <a16:creationId xmlns:a16="http://schemas.microsoft.com/office/drawing/2014/main" id="{5DCE009B-E6D5-4DCF-816B-7AA86E0DA231}"/>
-              </a:ext>
-            </a:extLst>
-          </p:cNvPr>
+          <p:cNvPr id="6" name="Slide Number Placeholder 5"/>
           <p:cNvSpPr>
             <a:spLocks noGrp="1"/>
           </p:cNvSpPr>
@@ -2971,8 +2616,8 @@
         </p:nvSpPr>
         <p:spPr>
           <a:xfrm>
-            <a:off x="8610600" y="6356350"/>
-            <a:ext cx="2743200" cy="365125"/>
+            <a:off x="3874770" y="5932595"/>
+            <a:ext cx="1234440" cy="340783"/>
           </a:xfrm>
           <a:prstGeom prst="rect">
             <a:avLst/>
@@ -2982,7 +2627,7 @@
           <a:bodyPr vert="horz" lIns="91440" tIns="45720" rIns="91440" bIns="45720" rtlCol="0" anchor="ctr"/>
           <a:lstStyle>
             <a:lvl1pPr algn="r">
-              <a:defRPr sz="1200">
+              <a:defRPr sz="720">
                 <a:solidFill>
                   <a:schemeClr val="tx1">
                     <a:tint val="75000"/>
@@ -2992,7 +2637,7 @@
             </a:lvl1pPr>
           </a:lstStyle>
           <a:p>
-            <a:fld id="{B97B9177-721B-4D9E-8370-F7DE891ADD74}" type="slidenum">
+            <a:fld id="{B5A48D93-383F-4434-892B-4EB7522B144A}" type="slidenum">
               <a:rPr lang="en-US" smtClean="0"/>
               <a:t>‹#›</a:t>
             </a:fld>
@@ -3003,27 +2648,27 @@
     </p:spTree>
     <p:extLst>
       <p:ext uri="{BB962C8B-B14F-4D97-AF65-F5344CB8AC3E}">
-        <p14:creationId xmlns:p14="http://schemas.microsoft.com/office/powerpoint/2010/main" val="2282821301"/>
+        <p14:creationId xmlns:p14="http://schemas.microsoft.com/office/powerpoint/2010/main" val="1813973282"/>
       </p:ext>
     </p:extLst>
   </p:cSld>
   <p:clrMap bg1="lt1" tx1="dk1" bg2="lt2" tx2="dk2" accent1="accent1" accent2="accent2" accent3="accent3" accent4="accent4" accent5="accent5" accent6="accent6" hlink="hlink" folHlink="folHlink"/>
   <p:sldLayoutIdLst>
-    <p:sldLayoutId id="2147483649" r:id="rId1"/>
-    <p:sldLayoutId id="2147483650" r:id="rId2"/>
-    <p:sldLayoutId id="2147483651" r:id="rId3"/>
-    <p:sldLayoutId id="2147483652" r:id="rId4"/>
-    <p:sldLayoutId id="2147483653" r:id="rId5"/>
-    <p:sldLayoutId id="2147483654" r:id="rId6"/>
-    <p:sldLayoutId id="2147483655" r:id="rId7"/>
-    <p:sldLayoutId id="2147483656" r:id="rId8"/>
-    <p:sldLayoutId id="2147483657" r:id="rId9"/>
-    <p:sldLayoutId id="2147483658" r:id="rId10"/>
-    <p:sldLayoutId id="2147483659" r:id="rId11"/>
+    <p:sldLayoutId id="2147483685" r:id="rId1"/>
+    <p:sldLayoutId id="2147483686" r:id="rId2"/>
+    <p:sldLayoutId id="2147483687" r:id="rId3"/>
+    <p:sldLayoutId id="2147483688" r:id="rId4"/>
+    <p:sldLayoutId id="2147483689" r:id="rId5"/>
+    <p:sldLayoutId id="2147483690" r:id="rId6"/>
+    <p:sldLayoutId id="2147483691" r:id="rId7"/>
+    <p:sldLayoutId id="2147483692" r:id="rId8"/>
+    <p:sldLayoutId id="2147483693" r:id="rId9"/>
+    <p:sldLayoutId id="2147483694" r:id="rId10"/>
+    <p:sldLayoutId id="2147483695" r:id="rId11"/>
   </p:sldLayoutIdLst>
   <p:txStyles>
     <p:titleStyle>
-      <a:lvl1pPr algn="l" defTabSz="914400" rtl="0" eaLnBrk="1" latinLnBrk="0" hangingPunct="1">
+      <a:lvl1pPr algn="l" defTabSz="548640" rtl="0" eaLnBrk="1" latinLnBrk="0" hangingPunct="1">
         <a:lnSpc>
           <a:spcPct val="90000"/>
         </a:lnSpc>
@@ -3031,7 +2676,7 @@
           <a:spcPct val="0"/>
         </a:spcBef>
         <a:buNone/>
-        <a:defRPr sz="4400" kern="1200">
+        <a:defRPr sz="2640" kern="1200">
           <a:solidFill>
             <a:schemeClr val="tx1"/>
           </a:solidFill>
@@ -3042,16 +2687,16 @@
       </a:lvl1pPr>
     </p:titleStyle>
     <p:bodyStyle>
-      <a:lvl1pPr marL="228600" indent="-228600" algn="l" defTabSz="914400" rtl="0" eaLnBrk="1" latinLnBrk="0" hangingPunct="1">
+      <a:lvl1pPr marL="137160" indent="-137160" algn="l" defTabSz="548640" rtl="0" eaLnBrk="1" latinLnBrk="0" hangingPunct="1">
         <a:lnSpc>
           <a:spcPct val="90000"/>
         </a:lnSpc>
         <a:spcBef>
-          <a:spcPts val="1000"/>
+          <a:spcPts val="600"/>
         </a:spcBef>
         <a:buFont typeface="Arial" panose="020B0604020202020204" pitchFamily="34" charset="0"/>
         <a:buChar char="•"/>
-        <a:defRPr sz="2800" kern="1200">
+        <a:defRPr sz="1680" kern="1200">
           <a:solidFill>
             <a:schemeClr val="tx1"/>
           </a:solidFill>
@@ -3060,16 +2705,16 @@
           <a:cs typeface="+mn-cs"/>
         </a:defRPr>
       </a:lvl1pPr>
-      <a:lvl2pPr marL="685800" indent="-228600" algn="l" defTabSz="914400" rtl="0" eaLnBrk="1" latinLnBrk="0" hangingPunct="1">
+      <a:lvl2pPr marL="411480" indent="-137160" algn="l" defTabSz="548640" rtl="0" eaLnBrk="1" latinLnBrk="0" hangingPunct="1">
         <a:lnSpc>
           <a:spcPct val="90000"/>
         </a:lnSpc>
         <a:spcBef>
-          <a:spcPts val="500"/>
+          <a:spcPts val="300"/>
         </a:spcBef>
         <a:buFont typeface="Arial" panose="020B0604020202020204" pitchFamily="34" charset="0"/>
         <a:buChar char="•"/>
-        <a:defRPr sz="2400" kern="1200">
+        <a:defRPr sz="1440" kern="1200">
           <a:solidFill>
             <a:schemeClr val="tx1"/>
           </a:solidFill>
@@ -3078,16 +2723,16 @@
           <a:cs typeface="+mn-cs"/>
         </a:defRPr>
       </a:lvl2pPr>
-      <a:lvl3pPr marL="1143000" indent="-228600" algn="l" defTabSz="914400" rtl="0" eaLnBrk="1" latinLnBrk="0" hangingPunct="1">
+      <a:lvl3pPr marL="685800" indent="-137160" algn="l" defTabSz="548640" rtl="0" eaLnBrk="1" latinLnBrk="0" hangingPunct="1">
         <a:lnSpc>
           <a:spcPct val="90000"/>
         </a:lnSpc>
         <a:spcBef>
-          <a:spcPts val="500"/>
+          <a:spcPts val="300"/>
         </a:spcBef>
         <a:buFont typeface="Arial" panose="020B0604020202020204" pitchFamily="34" charset="0"/>
         <a:buChar char="•"/>
-        <a:defRPr sz="2000" kern="1200">
+        <a:defRPr sz="1200" kern="1200">
           <a:solidFill>
             <a:schemeClr val="tx1"/>
           </a:solidFill>
@@ -3096,16 +2741,16 @@
           <a:cs typeface="+mn-cs"/>
         </a:defRPr>
       </a:lvl3pPr>
-      <a:lvl4pPr marL="1600200" indent="-228600" algn="l" defTabSz="914400" rtl="0" eaLnBrk="1" latinLnBrk="0" hangingPunct="1">
+      <a:lvl4pPr marL="960120" indent="-137160" algn="l" defTabSz="548640" rtl="0" eaLnBrk="1" latinLnBrk="0" hangingPunct="1">
         <a:lnSpc>
           <a:spcPct val="90000"/>
         </a:lnSpc>
         <a:spcBef>
-          <a:spcPts val="500"/>
+          <a:spcPts val="300"/>
         </a:spcBef>
         <a:buFont typeface="Arial" panose="020B0604020202020204" pitchFamily="34" charset="0"/>
         <a:buChar char="•"/>
-        <a:defRPr sz="1800" kern="1200">
+        <a:defRPr sz="1080" kern="1200">
           <a:solidFill>
             <a:schemeClr val="tx1"/>
           </a:solidFill>
@@ -3114,16 +2759,16 @@
           <a:cs typeface="+mn-cs"/>
         </a:defRPr>
       </a:lvl4pPr>
-      <a:lvl5pPr marL="2057400" indent="-228600" algn="l" defTabSz="914400" rtl="0" eaLnBrk="1" latinLnBrk="0" hangingPunct="1">
+      <a:lvl5pPr marL="1234440" indent="-137160" algn="l" defTabSz="548640" rtl="0" eaLnBrk="1" latinLnBrk="0" hangingPunct="1">
         <a:lnSpc>
           <a:spcPct val="90000"/>
         </a:lnSpc>
         <a:spcBef>
-          <a:spcPts val="500"/>
+          <a:spcPts val="300"/>
         </a:spcBef>
         <a:buFont typeface="Arial" panose="020B0604020202020204" pitchFamily="34" charset="0"/>
         <a:buChar char="•"/>
-        <a:defRPr sz="1800" kern="1200">
+        <a:defRPr sz="1080" kern="1200">
           <a:solidFill>
             <a:schemeClr val="tx1"/>
           </a:solidFill>
@@ -3132,16 +2777,16 @@
           <a:cs typeface="+mn-cs"/>
         </a:defRPr>
       </a:lvl5pPr>
-      <a:lvl6pPr marL="2514600" indent="-228600" algn="l" defTabSz="914400" rtl="0" eaLnBrk="1" latinLnBrk="0" hangingPunct="1">
+      <a:lvl6pPr marL="1508760" indent="-137160" algn="l" defTabSz="548640" rtl="0" eaLnBrk="1" latinLnBrk="0" hangingPunct="1">
         <a:lnSpc>
           <a:spcPct val="90000"/>
         </a:lnSpc>
         <a:spcBef>
-          <a:spcPts val="500"/>
+          <a:spcPts val="300"/>
         </a:spcBef>
         <a:buFont typeface="Arial" panose="020B0604020202020204" pitchFamily="34" charset="0"/>
         <a:buChar char="•"/>
-        <a:defRPr sz="1800" kern="1200">
+        <a:defRPr sz="1080" kern="1200">
           <a:solidFill>
             <a:schemeClr val="tx1"/>
           </a:solidFill>
@@ -3150,16 +2795,16 @@
           <a:cs typeface="+mn-cs"/>
         </a:defRPr>
       </a:lvl6pPr>
-      <a:lvl7pPr marL="2971800" indent="-228600" algn="l" defTabSz="914400" rtl="0" eaLnBrk="1" latinLnBrk="0" hangingPunct="1">
+      <a:lvl7pPr marL="1783080" indent="-137160" algn="l" defTabSz="548640" rtl="0" eaLnBrk="1" latinLnBrk="0" hangingPunct="1">
         <a:lnSpc>
           <a:spcPct val="90000"/>
         </a:lnSpc>
         <a:spcBef>
-          <a:spcPts val="500"/>
+          <a:spcPts val="300"/>
         </a:spcBef>
         <a:buFont typeface="Arial" panose="020B0604020202020204" pitchFamily="34" charset="0"/>
         <a:buChar char="•"/>
-        <a:defRPr sz="1800" kern="1200">
+        <a:defRPr sz="1080" kern="1200">
           <a:solidFill>
             <a:schemeClr val="tx1"/>
           </a:solidFill>
@@ -3168,16 +2813,16 @@
           <a:cs typeface="+mn-cs"/>
         </a:defRPr>
       </a:lvl7pPr>
-      <a:lvl8pPr marL="3429000" indent="-228600" algn="l" defTabSz="914400" rtl="0" eaLnBrk="1" latinLnBrk="0" hangingPunct="1">
+      <a:lvl8pPr marL="2057400" indent="-137160" algn="l" defTabSz="548640" rtl="0" eaLnBrk="1" latinLnBrk="0" hangingPunct="1">
         <a:lnSpc>
           <a:spcPct val="90000"/>
         </a:lnSpc>
         <a:spcBef>
-          <a:spcPts val="500"/>
+          <a:spcPts val="300"/>
         </a:spcBef>
         <a:buFont typeface="Arial" panose="020B0604020202020204" pitchFamily="34" charset="0"/>
         <a:buChar char="•"/>
-        <a:defRPr sz="1800" kern="1200">
+        <a:defRPr sz="1080" kern="1200">
           <a:solidFill>
             <a:schemeClr val="tx1"/>
           </a:solidFill>
@@ -3186,16 +2831,16 @@
           <a:cs typeface="+mn-cs"/>
         </a:defRPr>
       </a:lvl8pPr>
-      <a:lvl9pPr marL="3886200" indent="-228600" algn="l" defTabSz="914400" rtl="0" eaLnBrk="1" latinLnBrk="0" hangingPunct="1">
+      <a:lvl9pPr marL="2331720" indent="-137160" algn="l" defTabSz="548640" rtl="0" eaLnBrk="1" latinLnBrk="0" hangingPunct="1">
         <a:lnSpc>
           <a:spcPct val="90000"/>
         </a:lnSpc>
         <a:spcBef>
-          <a:spcPts val="500"/>
+          <a:spcPts val="300"/>
         </a:spcBef>
         <a:buFont typeface="Arial" panose="020B0604020202020204" pitchFamily="34" charset="0"/>
         <a:buChar char="•"/>
-        <a:defRPr sz="1800" kern="1200">
+        <a:defRPr sz="1080" kern="1200">
           <a:solidFill>
             <a:schemeClr val="tx1"/>
           </a:solidFill>
@@ -3209,8 +2854,8 @@
       <a:defPPr>
         <a:defRPr lang="en-US"/>
       </a:defPPr>
-      <a:lvl1pPr marL="0" algn="l" defTabSz="914400" rtl="0" eaLnBrk="1" latinLnBrk="0" hangingPunct="1">
-        <a:defRPr sz="1800" kern="1200">
+      <a:lvl1pPr marL="0" algn="l" defTabSz="548640" rtl="0" eaLnBrk="1" latinLnBrk="0" hangingPunct="1">
+        <a:defRPr sz="1080" kern="1200">
           <a:solidFill>
             <a:schemeClr val="tx1"/>
           </a:solidFill>
@@ -3219,8 +2864,8 @@
           <a:cs typeface="+mn-cs"/>
         </a:defRPr>
       </a:lvl1pPr>
-      <a:lvl2pPr marL="457200" algn="l" defTabSz="914400" rtl="0" eaLnBrk="1" latinLnBrk="0" hangingPunct="1">
-        <a:defRPr sz="1800" kern="1200">
+      <a:lvl2pPr marL="274320" algn="l" defTabSz="548640" rtl="0" eaLnBrk="1" latinLnBrk="0" hangingPunct="1">
+        <a:defRPr sz="1080" kern="1200">
           <a:solidFill>
             <a:schemeClr val="tx1"/>
           </a:solidFill>
@@ -3229,8 +2874,8 @@
           <a:cs typeface="+mn-cs"/>
         </a:defRPr>
       </a:lvl2pPr>
-      <a:lvl3pPr marL="914400" algn="l" defTabSz="914400" rtl="0" eaLnBrk="1" latinLnBrk="0" hangingPunct="1">
-        <a:defRPr sz="1800" kern="1200">
+      <a:lvl3pPr marL="548640" algn="l" defTabSz="548640" rtl="0" eaLnBrk="1" latinLnBrk="0" hangingPunct="1">
+        <a:defRPr sz="1080" kern="1200">
           <a:solidFill>
             <a:schemeClr val="tx1"/>
           </a:solidFill>
@@ -3239,8 +2884,8 @@
           <a:cs typeface="+mn-cs"/>
         </a:defRPr>
       </a:lvl3pPr>
-      <a:lvl4pPr marL="1371600" algn="l" defTabSz="914400" rtl="0" eaLnBrk="1" latinLnBrk="0" hangingPunct="1">
-        <a:defRPr sz="1800" kern="1200">
+      <a:lvl4pPr marL="822960" algn="l" defTabSz="548640" rtl="0" eaLnBrk="1" latinLnBrk="0" hangingPunct="1">
+        <a:defRPr sz="1080" kern="1200">
           <a:solidFill>
             <a:schemeClr val="tx1"/>
           </a:solidFill>
@@ -3249,8 +2894,8 @@
           <a:cs typeface="+mn-cs"/>
         </a:defRPr>
       </a:lvl4pPr>
-      <a:lvl5pPr marL="1828800" algn="l" defTabSz="914400" rtl="0" eaLnBrk="1" latinLnBrk="0" hangingPunct="1">
-        <a:defRPr sz="1800" kern="1200">
+      <a:lvl5pPr marL="1097280" algn="l" defTabSz="548640" rtl="0" eaLnBrk="1" latinLnBrk="0" hangingPunct="1">
+        <a:defRPr sz="1080" kern="1200">
           <a:solidFill>
             <a:schemeClr val="tx1"/>
           </a:solidFill>
@@ -3259,8 +2904,8 @@
           <a:cs typeface="+mn-cs"/>
         </a:defRPr>
       </a:lvl5pPr>
-      <a:lvl6pPr marL="2286000" algn="l" defTabSz="914400" rtl="0" eaLnBrk="1" latinLnBrk="0" hangingPunct="1">
-        <a:defRPr sz="1800" kern="1200">
+      <a:lvl6pPr marL="1371600" algn="l" defTabSz="548640" rtl="0" eaLnBrk="1" latinLnBrk="0" hangingPunct="1">
+        <a:defRPr sz="1080" kern="1200">
           <a:solidFill>
             <a:schemeClr val="tx1"/>
           </a:solidFill>
@@ -3269,8 +2914,8 @@
           <a:cs typeface="+mn-cs"/>
         </a:defRPr>
       </a:lvl6pPr>
-      <a:lvl7pPr marL="2743200" algn="l" defTabSz="914400" rtl="0" eaLnBrk="1" latinLnBrk="0" hangingPunct="1">
-        <a:defRPr sz="1800" kern="1200">
+      <a:lvl7pPr marL="1645920" algn="l" defTabSz="548640" rtl="0" eaLnBrk="1" latinLnBrk="0" hangingPunct="1">
+        <a:defRPr sz="1080" kern="1200">
           <a:solidFill>
             <a:schemeClr val="tx1"/>
           </a:solidFill>
@@ -3279,8 +2924,8 @@
           <a:cs typeface="+mn-cs"/>
         </a:defRPr>
       </a:lvl7pPr>
-      <a:lvl8pPr marL="3200400" algn="l" defTabSz="914400" rtl="0" eaLnBrk="1" latinLnBrk="0" hangingPunct="1">
-        <a:defRPr sz="1800" kern="1200">
+      <a:lvl8pPr marL="1920240" algn="l" defTabSz="548640" rtl="0" eaLnBrk="1" latinLnBrk="0" hangingPunct="1">
+        <a:defRPr sz="1080" kern="1200">
           <a:solidFill>
             <a:schemeClr val="tx1"/>
           </a:solidFill>
@@ -3289,8 +2934,8 @@
           <a:cs typeface="+mn-cs"/>
         </a:defRPr>
       </a:lvl8pPr>
-      <a:lvl9pPr marL="3657600" algn="l" defTabSz="914400" rtl="0" eaLnBrk="1" latinLnBrk="0" hangingPunct="1">
-        <a:defRPr sz="1800" kern="1200">
+      <a:lvl9pPr marL="2194560" algn="l" defTabSz="548640" rtl="0" eaLnBrk="1" latinLnBrk="0" hangingPunct="1">
+        <a:defRPr sz="1080" kern="1200">
           <a:solidFill>
             <a:schemeClr val="tx1"/>
           </a:solidFill>
@@ -3321,46 +2966,1054 @@
           <a:chExt cx="0" cy="0"/>
         </a:xfrm>
       </p:grpSpPr>
-      <p:pic>
-        <p:nvPicPr>
-          <p:cNvPr id="5" name="Picture 4">
+      <p:sp>
+        <p:nvSpPr>
+          <p:cNvPr id="50" name="Parallelogram 49">
             <a:extLst>
               <a:ext uri="{FF2B5EF4-FFF2-40B4-BE49-F238E27FC236}">
-                <a16:creationId xmlns:a16="http://schemas.microsoft.com/office/drawing/2014/main" id="{F11B21A8-22DE-4C54-A18B-DD5D986F0C43}"/>
+                <a16:creationId xmlns:a16="http://schemas.microsoft.com/office/drawing/2014/main" id="{758DC1F2-B34E-4CFA-BD15-925BA8D2B123}"/>
               </a:ext>
             </a:extLst>
           </p:cNvPr>
-          <p:cNvPicPr>
-            <a:picLocks noChangeAspect="1"/>
-          </p:cNvPicPr>
+          <p:cNvSpPr/>
           <p:nvPr/>
-        </p:nvPicPr>
-        <p:blipFill>
-          <a:blip r:embed="rId2">
+        </p:nvSpPr>
+        <p:spPr>
+          <a:xfrm>
+            <a:off x="129540" y="155666"/>
+            <a:ext cx="1432560" cy="518160"/>
+          </a:xfrm>
+          <a:prstGeom prst="parallelogram">
+            <a:avLst/>
+          </a:prstGeom>
+          <a:solidFill>
+            <a:schemeClr val="accent2">
+              <a:lumMod val="75000"/>
+            </a:schemeClr>
+          </a:solidFill>
+        </p:spPr>
+        <p:style>
+          <a:lnRef idx="2">
+            <a:schemeClr val="accent2">
+              <a:shade val="50000"/>
+            </a:schemeClr>
+          </a:lnRef>
+          <a:fillRef idx="1">
+            <a:schemeClr val="accent2"/>
+          </a:fillRef>
+          <a:effectRef idx="0">
+            <a:schemeClr val="accent2"/>
+          </a:effectRef>
+          <a:fontRef idx="minor">
+            <a:schemeClr val="lt1"/>
+          </a:fontRef>
+        </p:style>
+        <p:txBody>
+          <a:bodyPr rot="0" spcFirstLastPara="0" vertOverflow="overflow" horzOverflow="overflow" vert="horz" wrap="square" lIns="91440" tIns="45720" rIns="91440" bIns="45720" numCol="1" spcCol="0" rtlCol="0" fromWordArt="0" anchor="ctr" anchorCtr="0" forceAA="0" compatLnSpc="1">
+            <a:prstTxWarp prst="textNoShape">
+              <a:avLst/>
+            </a:prstTxWarp>
+            <a:noAutofit/>
+          </a:bodyPr>
+          <a:lstStyle/>
+          <a:p>
+            <a:pPr algn="ctr"/>
+            <a:r>
+              <a:rPr lang="en-US" dirty="0">
+                <a:solidFill>
+                  <a:schemeClr val="bg1"/>
+                </a:solidFill>
+                <a:latin typeface="Arial" panose="020B0604020202020204" pitchFamily="34" charset="0"/>
+                <a:cs typeface="Arial" panose="020B0604020202020204" pitchFamily="34" charset="0"/>
+              </a:rPr>
+              <a:t>STL File</a:t>
+            </a:r>
+          </a:p>
+        </p:txBody>
+      </p:sp>
+      <p:sp>
+        <p:nvSpPr>
+          <p:cNvPr id="51" name="Parallelogram 50">
             <a:extLst>
-              <a:ext uri="{28A0092B-C50C-407E-A947-70E740481C1C}">
-                <a14:useLocalDpi xmlns:a14="http://schemas.microsoft.com/office/drawing/2010/main" val="0"/>
+              <a:ext uri="{FF2B5EF4-FFF2-40B4-BE49-F238E27FC236}">
+                <a16:creationId xmlns:a16="http://schemas.microsoft.com/office/drawing/2014/main" id="{9CCD3A48-6A3B-4D42-B062-9A0E78E019FB}"/>
               </a:ext>
             </a:extLst>
-          </a:blip>
-          <a:stretch>
-            <a:fillRect/>
-          </a:stretch>
-        </p:blipFill>
+          </p:cNvPr>
+          <p:cNvSpPr/>
+          <p:nvPr/>
+        </p:nvSpPr>
         <p:spPr>
           <a:xfrm>
-            <a:off x="2776537" y="923925"/>
-            <a:ext cx="6638544" cy="5009862"/>
+            <a:off x="129540" y="5581106"/>
+            <a:ext cx="1432560" cy="518160"/>
+          </a:xfrm>
+          <a:prstGeom prst="parallelogram">
+            <a:avLst/>
+          </a:prstGeom>
+          <a:solidFill>
+            <a:schemeClr val="accent2">
+              <a:lumMod val="75000"/>
+            </a:schemeClr>
+          </a:solidFill>
+        </p:spPr>
+        <p:style>
+          <a:lnRef idx="2">
+            <a:schemeClr val="accent2">
+              <a:shade val="50000"/>
+            </a:schemeClr>
+          </a:lnRef>
+          <a:fillRef idx="1">
+            <a:schemeClr val="accent2"/>
+          </a:fillRef>
+          <a:effectRef idx="0">
+            <a:schemeClr val="accent2"/>
+          </a:effectRef>
+          <a:fontRef idx="minor">
+            <a:schemeClr val="lt1"/>
+          </a:fontRef>
+        </p:style>
+        <p:txBody>
+          <a:bodyPr rot="0" spcFirstLastPara="0" vertOverflow="overflow" horzOverflow="overflow" vert="horz" wrap="square" lIns="91440" tIns="45720" rIns="91440" bIns="45720" numCol="1" spcCol="0" rtlCol="0" fromWordArt="0" anchor="ctr" anchorCtr="0" forceAA="0" compatLnSpc="1">
+            <a:prstTxWarp prst="textNoShape">
+              <a:avLst/>
+            </a:prstTxWarp>
+            <a:noAutofit/>
+          </a:bodyPr>
+          <a:lstStyle/>
+          <a:p>
+            <a:pPr algn="ctr"/>
+            <a:r>
+              <a:rPr lang="en-US" sz="1100" dirty="0">
+                <a:solidFill>
+                  <a:schemeClr val="bg1"/>
+                </a:solidFill>
+                <a:latin typeface="Arial" panose="020B0604020202020204" pitchFamily="34" charset="0"/>
+                <a:cs typeface="Arial" panose="020B0604020202020204" pitchFamily="34" charset="0"/>
+              </a:rPr>
+              <a:t>Printing Using Multiple Robots</a:t>
+            </a:r>
+          </a:p>
+        </p:txBody>
+      </p:sp>
+      <p:sp>
+        <p:nvSpPr>
+          <p:cNvPr id="52" name="Rectangle 51">
+            <a:extLst>
+              <a:ext uri="{FF2B5EF4-FFF2-40B4-BE49-F238E27FC236}">
+                <a16:creationId xmlns:a16="http://schemas.microsoft.com/office/drawing/2014/main" id="{42FA961B-FEF6-4002-87D5-AF0C4209CE42}"/>
+              </a:ext>
+            </a:extLst>
+          </p:cNvPr>
+          <p:cNvSpPr/>
+          <p:nvPr/>
+        </p:nvSpPr>
+        <p:spPr>
+          <a:xfrm>
+            <a:off x="3931920" y="878941"/>
+            <a:ext cx="1432560" cy="403860"/>
           </a:xfrm>
           <a:prstGeom prst="rect">
             <a:avLst/>
           </a:prstGeom>
         </p:spPr>
-      </p:pic>
+        <p:style>
+          <a:lnRef idx="2">
+            <a:schemeClr val="accent3">
+              <a:shade val="50000"/>
+            </a:schemeClr>
+          </a:lnRef>
+          <a:fillRef idx="1">
+            <a:schemeClr val="accent3"/>
+          </a:fillRef>
+          <a:effectRef idx="0">
+            <a:schemeClr val="accent3"/>
+          </a:effectRef>
+          <a:fontRef idx="minor">
+            <a:schemeClr val="lt1"/>
+          </a:fontRef>
+        </p:style>
+        <p:txBody>
+          <a:bodyPr rot="0" spcFirstLastPara="0" vertOverflow="overflow" horzOverflow="overflow" vert="horz" wrap="square" lIns="91440" tIns="45720" rIns="91440" bIns="45720" numCol="1" spcCol="0" rtlCol="0" fromWordArt="0" anchor="ctr" anchorCtr="0" forceAA="0" compatLnSpc="1">
+            <a:prstTxWarp prst="textNoShape">
+              <a:avLst/>
+            </a:prstTxWarp>
+            <a:noAutofit/>
+          </a:bodyPr>
+          <a:lstStyle/>
+          <a:p>
+            <a:pPr algn="ctr"/>
+            <a:r>
+              <a:rPr lang="en-US" sz="1400" dirty="0">
+                <a:latin typeface="Arial" panose="020B0604020202020204" pitchFamily="34" charset="0"/>
+                <a:cs typeface="Arial" panose="020B0604020202020204" pitchFamily="34" charset="0"/>
+              </a:rPr>
+              <a:t>Chunking</a:t>
+            </a:r>
+            <a:endParaRPr lang="en-US" dirty="0">
+              <a:latin typeface="Arial" panose="020B0604020202020204" pitchFamily="34" charset="0"/>
+              <a:cs typeface="Arial" panose="020B0604020202020204" pitchFamily="34" charset="0"/>
+            </a:endParaRPr>
+          </a:p>
+        </p:txBody>
+      </p:sp>
+      <p:sp>
+        <p:nvSpPr>
+          <p:cNvPr id="53" name="Rectangle 52">
+            <a:extLst>
+              <a:ext uri="{FF2B5EF4-FFF2-40B4-BE49-F238E27FC236}">
+                <a16:creationId xmlns:a16="http://schemas.microsoft.com/office/drawing/2014/main" id="{B1479D50-02FA-4305-98A8-C8DF15329F50}"/>
+              </a:ext>
+            </a:extLst>
+          </p:cNvPr>
+          <p:cNvSpPr/>
+          <p:nvPr/>
+        </p:nvSpPr>
+        <p:spPr>
+          <a:xfrm>
+            <a:off x="3931920" y="1886685"/>
+            <a:ext cx="1432560" cy="403860"/>
+          </a:xfrm>
+          <a:prstGeom prst="rect">
+            <a:avLst/>
+          </a:prstGeom>
+          <a:solidFill>
+            <a:srgbClr val="C00000"/>
+          </a:solidFill>
+        </p:spPr>
+        <p:style>
+          <a:lnRef idx="2">
+            <a:schemeClr val="accent3">
+              <a:shade val="50000"/>
+            </a:schemeClr>
+          </a:lnRef>
+          <a:fillRef idx="1">
+            <a:schemeClr val="accent3"/>
+          </a:fillRef>
+          <a:effectRef idx="0">
+            <a:schemeClr val="accent3"/>
+          </a:effectRef>
+          <a:fontRef idx="minor">
+            <a:schemeClr val="lt1"/>
+          </a:fontRef>
+        </p:style>
+        <p:txBody>
+          <a:bodyPr rot="0" spcFirstLastPara="0" vertOverflow="overflow" horzOverflow="overflow" vert="horz" wrap="square" lIns="91440" tIns="45720" rIns="91440" bIns="45720" numCol="1" spcCol="0" rtlCol="0" fromWordArt="0" anchor="ctr" anchorCtr="0" forceAA="0" compatLnSpc="1">
+            <a:prstTxWarp prst="textNoShape">
+              <a:avLst/>
+            </a:prstTxWarp>
+            <a:noAutofit/>
+          </a:bodyPr>
+          <a:lstStyle/>
+          <a:p>
+            <a:pPr algn="ctr"/>
+            <a:r>
+              <a:rPr lang="en-US" dirty="0">
+                <a:latin typeface="Arial" panose="020B0604020202020204" pitchFamily="34" charset="0"/>
+                <a:cs typeface="Arial" panose="020B0604020202020204" pitchFamily="34" charset="0"/>
+              </a:rPr>
+              <a:t>Placing</a:t>
+            </a:r>
+          </a:p>
+        </p:txBody>
+      </p:sp>
+      <p:sp>
+        <p:nvSpPr>
+          <p:cNvPr id="54" name="Rectangle 53">
+            <a:extLst>
+              <a:ext uri="{FF2B5EF4-FFF2-40B4-BE49-F238E27FC236}">
+                <a16:creationId xmlns:a16="http://schemas.microsoft.com/office/drawing/2014/main" id="{7A0EC9ED-9D23-44D2-ACDA-C3B8580536AA}"/>
+              </a:ext>
+            </a:extLst>
+          </p:cNvPr>
+          <p:cNvSpPr/>
+          <p:nvPr/>
+        </p:nvSpPr>
+        <p:spPr>
+          <a:xfrm>
+            <a:off x="3931920" y="2894429"/>
+            <a:ext cx="1432560" cy="403860"/>
+          </a:xfrm>
+          <a:prstGeom prst="rect">
+            <a:avLst/>
+          </a:prstGeom>
+        </p:spPr>
+        <p:style>
+          <a:lnRef idx="2">
+            <a:schemeClr val="accent3">
+              <a:shade val="50000"/>
+            </a:schemeClr>
+          </a:lnRef>
+          <a:fillRef idx="1">
+            <a:schemeClr val="accent3"/>
+          </a:fillRef>
+          <a:effectRef idx="0">
+            <a:schemeClr val="accent3"/>
+          </a:effectRef>
+          <a:fontRef idx="minor">
+            <a:schemeClr val="lt1"/>
+          </a:fontRef>
+        </p:style>
+        <p:txBody>
+          <a:bodyPr rot="0" spcFirstLastPara="0" vertOverflow="overflow" horzOverflow="overflow" vert="horz" wrap="square" lIns="91440" tIns="45720" rIns="91440" bIns="45720" numCol="1" spcCol="0" rtlCol="0" fromWordArt="0" anchor="ctr" anchorCtr="0" forceAA="0" compatLnSpc="1">
+            <a:prstTxWarp prst="textNoShape">
+              <a:avLst/>
+            </a:prstTxWarp>
+            <a:noAutofit/>
+          </a:bodyPr>
+          <a:lstStyle/>
+          <a:p>
+            <a:pPr algn="ctr"/>
+            <a:r>
+              <a:rPr lang="en-US" sz="1400" dirty="0">
+                <a:latin typeface="Arial" panose="020B0604020202020204" pitchFamily="34" charset="0"/>
+                <a:cs typeface="Arial" panose="020B0604020202020204" pitchFamily="34" charset="0"/>
+              </a:rPr>
+              <a:t>Scheduling</a:t>
+            </a:r>
+            <a:endParaRPr lang="en-US" dirty="0">
+              <a:latin typeface="Arial" panose="020B0604020202020204" pitchFamily="34" charset="0"/>
+              <a:cs typeface="Arial" panose="020B0604020202020204" pitchFamily="34" charset="0"/>
+            </a:endParaRPr>
+          </a:p>
+        </p:txBody>
+      </p:sp>
+      <p:sp>
+        <p:nvSpPr>
+          <p:cNvPr id="55" name="Rectangle 54">
+            <a:extLst>
+              <a:ext uri="{FF2B5EF4-FFF2-40B4-BE49-F238E27FC236}">
+                <a16:creationId xmlns:a16="http://schemas.microsoft.com/office/drawing/2014/main" id="{0718B160-34E7-40F9-8258-991ADDB142B9}"/>
+              </a:ext>
+            </a:extLst>
+          </p:cNvPr>
+          <p:cNvSpPr/>
+          <p:nvPr/>
+        </p:nvSpPr>
+        <p:spPr>
+          <a:xfrm>
+            <a:off x="3931920" y="3902173"/>
+            <a:ext cx="1432560" cy="403860"/>
+          </a:xfrm>
+          <a:prstGeom prst="rect">
+            <a:avLst/>
+          </a:prstGeom>
+        </p:spPr>
+        <p:style>
+          <a:lnRef idx="2">
+            <a:schemeClr val="accent3">
+              <a:shade val="50000"/>
+            </a:schemeClr>
+          </a:lnRef>
+          <a:fillRef idx="1">
+            <a:schemeClr val="accent3"/>
+          </a:fillRef>
+          <a:effectRef idx="0">
+            <a:schemeClr val="accent3"/>
+          </a:effectRef>
+          <a:fontRef idx="minor">
+            <a:schemeClr val="lt1"/>
+          </a:fontRef>
+        </p:style>
+        <p:txBody>
+          <a:bodyPr rot="0" spcFirstLastPara="0" vertOverflow="overflow" horzOverflow="overflow" vert="horz" wrap="square" lIns="91440" tIns="45720" rIns="91440" bIns="45720" numCol="1" spcCol="0" rtlCol="0" fromWordArt="0" anchor="ctr" anchorCtr="0" forceAA="0" compatLnSpc="1">
+            <a:prstTxWarp prst="textNoShape">
+              <a:avLst/>
+            </a:prstTxWarp>
+            <a:noAutofit/>
+          </a:bodyPr>
+          <a:lstStyle/>
+          <a:p>
+            <a:pPr algn="ctr"/>
+            <a:r>
+              <a:rPr lang="en-US" sz="1400" dirty="0">
+                <a:latin typeface="Arial" panose="020B0604020202020204" pitchFamily="34" charset="0"/>
+                <a:cs typeface="Arial" panose="020B0604020202020204" pitchFamily="34" charset="0"/>
+              </a:rPr>
+              <a:t>Path Planning</a:t>
+            </a:r>
+          </a:p>
+        </p:txBody>
+      </p:sp>
+      <p:sp>
+        <p:nvSpPr>
+          <p:cNvPr id="56" name="Rectangle 55">
+            <a:extLst>
+              <a:ext uri="{FF2B5EF4-FFF2-40B4-BE49-F238E27FC236}">
+                <a16:creationId xmlns:a16="http://schemas.microsoft.com/office/drawing/2014/main" id="{C3B8D9A4-173E-4DF8-8123-5E80F5E317B5}"/>
+              </a:ext>
+            </a:extLst>
+          </p:cNvPr>
+          <p:cNvSpPr/>
+          <p:nvPr/>
+        </p:nvSpPr>
+        <p:spPr>
+          <a:xfrm>
+            <a:off x="3931920" y="4909917"/>
+            <a:ext cx="1432560" cy="403860"/>
+          </a:xfrm>
+          <a:prstGeom prst="rect">
+            <a:avLst/>
+          </a:prstGeom>
+        </p:spPr>
+        <p:style>
+          <a:lnRef idx="2">
+            <a:schemeClr val="accent3">
+              <a:shade val="50000"/>
+            </a:schemeClr>
+          </a:lnRef>
+          <a:fillRef idx="1">
+            <a:schemeClr val="accent3"/>
+          </a:fillRef>
+          <a:effectRef idx="0">
+            <a:schemeClr val="accent3"/>
+          </a:effectRef>
+          <a:fontRef idx="minor">
+            <a:schemeClr val="lt1"/>
+          </a:fontRef>
+        </p:style>
+        <p:txBody>
+          <a:bodyPr rot="0" spcFirstLastPara="0" vertOverflow="overflow" horzOverflow="overflow" vert="horz" wrap="square" lIns="91440" tIns="45720" rIns="91440" bIns="45720" numCol="1" spcCol="0" rtlCol="0" fromWordArt="0" anchor="ctr" anchorCtr="0" forceAA="0" compatLnSpc="1">
+            <a:prstTxWarp prst="textNoShape">
+              <a:avLst/>
+            </a:prstTxWarp>
+            <a:noAutofit/>
+          </a:bodyPr>
+          <a:lstStyle/>
+          <a:p>
+            <a:pPr algn="ctr"/>
+            <a:r>
+              <a:rPr lang="en-US" sz="1400" dirty="0">
+                <a:latin typeface="Arial" panose="020B0604020202020204" pitchFamily="34" charset="0"/>
+                <a:cs typeface="Arial" panose="020B0604020202020204" pitchFamily="34" charset="0"/>
+              </a:rPr>
+              <a:t>Slicing</a:t>
+            </a:r>
+          </a:p>
+        </p:txBody>
+      </p:sp>
+      <p:cxnSp>
+        <p:nvCxnSpPr>
+          <p:cNvPr id="57" name="Straight Arrow Connector 56">
+            <a:extLst>
+              <a:ext uri="{FF2B5EF4-FFF2-40B4-BE49-F238E27FC236}">
+                <a16:creationId xmlns:a16="http://schemas.microsoft.com/office/drawing/2014/main" id="{E0DF6410-5FF1-418D-B464-D75F9C8D9DE2}"/>
+              </a:ext>
+            </a:extLst>
+          </p:cNvPr>
+          <p:cNvCxnSpPr>
+            <a:stCxn id="52" idx="2"/>
+            <a:endCxn id="53" idx="0"/>
+          </p:cNvCxnSpPr>
+          <p:nvPr/>
+        </p:nvCxnSpPr>
+        <p:spPr>
+          <a:xfrm>
+            <a:off x="4648200" y="1282801"/>
+            <a:ext cx="0" cy="603884"/>
+          </a:xfrm>
+          <a:prstGeom prst="straightConnector1">
+            <a:avLst/>
+          </a:prstGeom>
+          <a:ln>
+            <a:headEnd type="triangle" w="med" len="med"/>
+            <a:tailEnd type="triangle" w="med" len="med"/>
+          </a:ln>
+        </p:spPr>
+        <p:style>
+          <a:lnRef idx="1">
+            <a:schemeClr val="dk1"/>
+          </a:lnRef>
+          <a:fillRef idx="0">
+            <a:schemeClr val="dk1"/>
+          </a:fillRef>
+          <a:effectRef idx="0">
+            <a:schemeClr val="dk1"/>
+          </a:effectRef>
+          <a:fontRef idx="minor">
+            <a:schemeClr val="tx1"/>
+          </a:fontRef>
+        </p:style>
+      </p:cxnSp>
+      <p:cxnSp>
+        <p:nvCxnSpPr>
+          <p:cNvPr id="58" name="Straight Arrow Connector 57">
+            <a:extLst>
+              <a:ext uri="{FF2B5EF4-FFF2-40B4-BE49-F238E27FC236}">
+                <a16:creationId xmlns:a16="http://schemas.microsoft.com/office/drawing/2014/main" id="{D5B3851D-054D-43E9-9421-A2FC59559F79}"/>
+              </a:ext>
+            </a:extLst>
+          </p:cNvPr>
+          <p:cNvCxnSpPr>
+            <a:stCxn id="53" idx="2"/>
+            <a:endCxn id="54" idx="0"/>
+          </p:cNvCxnSpPr>
+          <p:nvPr/>
+        </p:nvCxnSpPr>
+        <p:spPr>
+          <a:xfrm>
+            <a:off x="4648200" y="2290545"/>
+            <a:ext cx="0" cy="603884"/>
+          </a:xfrm>
+          <a:prstGeom prst="straightConnector1">
+            <a:avLst/>
+          </a:prstGeom>
+          <a:ln>
+            <a:headEnd type="triangle" w="med" len="med"/>
+            <a:tailEnd type="triangle" w="med" len="med"/>
+          </a:ln>
+        </p:spPr>
+        <p:style>
+          <a:lnRef idx="1">
+            <a:schemeClr val="dk1"/>
+          </a:lnRef>
+          <a:fillRef idx="0">
+            <a:schemeClr val="dk1"/>
+          </a:fillRef>
+          <a:effectRef idx="0">
+            <a:schemeClr val="dk1"/>
+          </a:effectRef>
+          <a:fontRef idx="minor">
+            <a:schemeClr val="tx1"/>
+          </a:fontRef>
+        </p:style>
+      </p:cxnSp>
+      <p:cxnSp>
+        <p:nvCxnSpPr>
+          <p:cNvPr id="59" name="Straight Arrow Connector 58">
+            <a:extLst>
+              <a:ext uri="{FF2B5EF4-FFF2-40B4-BE49-F238E27FC236}">
+                <a16:creationId xmlns:a16="http://schemas.microsoft.com/office/drawing/2014/main" id="{5970AD3C-6FAD-4A45-8EDD-AC2CA4980538}"/>
+              </a:ext>
+            </a:extLst>
+          </p:cNvPr>
+          <p:cNvCxnSpPr>
+            <a:cxnSpLocks/>
+            <a:stCxn id="54" idx="2"/>
+            <a:endCxn id="55" idx="0"/>
+          </p:cNvCxnSpPr>
+          <p:nvPr/>
+        </p:nvCxnSpPr>
+        <p:spPr>
+          <a:xfrm>
+            <a:off x="4648200" y="3298289"/>
+            <a:ext cx="0" cy="603884"/>
+          </a:xfrm>
+          <a:prstGeom prst="straightConnector1">
+            <a:avLst/>
+          </a:prstGeom>
+          <a:ln>
+            <a:headEnd type="triangle" w="med" len="med"/>
+            <a:tailEnd type="triangle" w="med" len="med"/>
+          </a:ln>
+        </p:spPr>
+        <p:style>
+          <a:lnRef idx="1">
+            <a:schemeClr val="dk1"/>
+          </a:lnRef>
+          <a:fillRef idx="0">
+            <a:schemeClr val="dk1"/>
+          </a:fillRef>
+          <a:effectRef idx="0">
+            <a:schemeClr val="dk1"/>
+          </a:effectRef>
+          <a:fontRef idx="minor">
+            <a:schemeClr val="tx1"/>
+          </a:fontRef>
+        </p:style>
+      </p:cxnSp>
+      <p:cxnSp>
+        <p:nvCxnSpPr>
+          <p:cNvPr id="60" name="Straight Arrow Connector 59">
+            <a:extLst>
+              <a:ext uri="{FF2B5EF4-FFF2-40B4-BE49-F238E27FC236}">
+                <a16:creationId xmlns:a16="http://schemas.microsoft.com/office/drawing/2014/main" id="{10077C3E-8AA0-45F2-9F4F-A1EE96D3C436}"/>
+              </a:ext>
+            </a:extLst>
+          </p:cNvPr>
+          <p:cNvCxnSpPr>
+            <a:cxnSpLocks/>
+            <a:stCxn id="55" idx="2"/>
+            <a:endCxn id="56" idx="0"/>
+          </p:cNvCxnSpPr>
+          <p:nvPr/>
+        </p:nvCxnSpPr>
+        <p:spPr>
+          <a:xfrm>
+            <a:off x="4648200" y="4306033"/>
+            <a:ext cx="0" cy="603884"/>
+          </a:xfrm>
+          <a:prstGeom prst="straightConnector1">
+            <a:avLst/>
+          </a:prstGeom>
+          <a:ln>
+            <a:headEnd type="none" w="med" len="med"/>
+            <a:tailEnd type="triangle" w="med" len="med"/>
+          </a:ln>
+        </p:spPr>
+        <p:style>
+          <a:lnRef idx="1">
+            <a:schemeClr val="dk1"/>
+          </a:lnRef>
+          <a:fillRef idx="0">
+            <a:schemeClr val="dk1"/>
+          </a:fillRef>
+          <a:effectRef idx="0">
+            <a:schemeClr val="dk1"/>
+          </a:effectRef>
+          <a:fontRef idx="minor">
+            <a:schemeClr val="tx1"/>
+          </a:fontRef>
+        </p:style>
+      </p:cxnSp>
+      <p:cxnSp>
+        <p:nvCxnSpPr>
+          <p:cNvPr id="61" name="Straight Arrow Connector 60">
+            <a:extLst>
+              <a:ext uri="{FF2B5EF4-FFF2-40B4-BE49-F238E27FC236}">
+                <a16:creationId xmlns:a16="http://schemas.microsoft.com/office/drawing/2014/main" id="{3117A377-35DE-4B51-8261-709138F7D7B6}"/>
+              </a:ext>
+            </a:extLst>
+          </p:cNvPr>
+          <p:cNvCxnSpPr>
+            <a:cxnSpLocks/>
+            <a:stCxn id="50" idx="4"/>
+            <a:endCxn id="51" idx="0"/>
+          </p:cNvCxnSpPr>
+          <p:nvPr/>
+        </p:nvCxnSpPr>
+        <p:spPr>
+          <a:xfrm>
+            <a:off x="845820" y="673826"/>
+            <a:ext cx="0" cy="4907280"/>
+          </a:xfrm>
+          <a:prstGeom prst="straightConnector1">
+            <a:avLst/>
+          </a:prstGeom>
+          <a:ln>
+            <a:headEnd type="none" w="med" len="med"/>
+            <a:tailEnd type="triangle" w="med" len="med"/>
+          </a:ln>
+        </p:spPr>
+        <p:style>
+          <a:lnRef idx="1">
+            <a:schemeClr val="dk1"/>
+          </a:lnRef>
+          <a:fillRef idx="0">
+            <a:schemeClr val="dk1"/>
+          </a:fillRef>
+          <a:effectRef idx="0">
+            <a:schemeClr val="dk1"/>
+          </a:effectRef>
+          <a:fontRef idx="minor">
+            <a:schemeClr val="tx1"/>
+          </a:fontRef>
+        </p:style>
+      </p:cxnSp>
+      <p:sp>
+        <p:nvSpPr>
+          <p:cNvPr id="62" name="TextBox 61">
+            <a:extLst>
+              <a:ext uri="{FF2B5EF4-FFF2-40B4-BE49-F238E27FC236}">
+                <a16:creationId xmlns:a16="http://schemas.microsoft.com/office/drawing/2014/main" id="{20CCE68E-2A01-4B2A-84ED-06514445F020}"/>
+              </a:ext>
+            </a:extLst>
+          </p:cNvPr>
+          <p:cNvSpPr txBox="1"/>
+          <p:nvPr/>
+        </p:nvSpPr>
+        <p:spPr>
+          <a:xfrm>
+            <a:off x="1805940" y="183913"/>
+            <a:ext cx="2026916" cy="461665"/>
+          </a:xfrm>
+          <a:prstGeom prst="rect">
+            <a:avLst/>
+          </a:prstGeom>
+          <a:noFill/>
+        </p:spPr>
+        <p:txBody>
+          <a:bodyPr wrap="square" rtlCol="0">
+            <a:spAutoFit/>
+          </a:bodyPr>
+          <a:lstStyle/>
+          <a:p>
+            <a:pPr algn="ctr"/>
+            <a:r>
+              <a:rPr lang="en-US" sz="1200" dirty="0">
+                <a:latin typeface="Arial" panose="020B0604020202020204" pitchFamily="34" charset="0"/>
+                <a:cs typeface="Arial" panose="020B0604020202020204" pitchFamily="34" charset="0"/>
+              </a:rPr>
+              <a:t>Discretization of 3D printing process</a:t>
+            </a:r>
+          </a:p>
+        </p:txBody>
+      </p:sp>
+      <p:cxnSp>
+        <p:nvCxnSpPr>
+          <p:cNvPr id="63" name="Connector: Elbow 62">
+            <a:extLst>
+              <a:ext uri="{FF2B5EF4-FFF2-40B4-BE49-F238E27FC236}">
+                <a16:creationId xmlns:a16="http://schemas.microsoft.com/office/drawing/2014/main" id="{14FA52BD-6049-4F64-9C71-A6F747C1354D}"/>
+              </a:ext>
+            </a:extLst>
+          </p:cNvPr>
+          <p:cNvCxnSpPr>
+            <a:stCxn id="56" idx="2"/>
+            <a:endCxn id="51" idx="2"/>
+          </p:cNvCxnSpPr>
+          <p:nvPr/>
+        </p:nvCxnSpPr>
+        <p:spPr>
+          <a:xfrm rot="5400000">
+            <a:off x="2809561" y="4001546"/>
+            <a:ext cx="526409" cy="3150870"/>
+          </a:xfrm>
+          <a:prstGeom prst="bentConnector2">
+            <a:avLst/>
+          </a:prstGeom>
+          <a:ln w="6350">
+            <a:tailEnd type="triangle"/>
+          </a:ln>
+        </p:spPr>
+        <p:style>
+          <a:lnRef idx="1">
+            <a:schemeClr val="dk1"/>
+          </a:lnRef>
+          <a:fillRef idx="0">
+            <a:schemeClr val="dk1"/>
+          </a:fillRef>
+          <a:effectRef idx="0">
+            <a:schemeClr val="dk1"/>
+          </a:effectRef>
+          <a:fontRef idx="minor">
+            <a:schemeClr val="tx1"/>
+          </a:fontRef>
+        </p:style>
+      </p:cxnSp>
+      <p:cxnSp>
+        <p:nvCxnSpPr>
+          <p:cNvPr id="64" name="Connector: Elbow 63">
+            <a:extLst>
+              <a:ext uri="{FF2B5EF4-FFF2-40B4-BE49-F238E27FC236}">
+                <a16:creationId xmlns:a16="http://schemas.microsoft.com/office/drawing/2014/main" id="{2ACD69A5-52D1-45F4-9133-4A8B6BB6614E}"/>
+              </a:ext>
+            </a:extLst>
+          </p:cNvPr>
+          <p:cNvCxnSpPr>
+            <a:cxnSpLocks/>
+            <a:stCxn id="50" idx="2"/>
+            <a:endCxn id="52" idx="0"/>
+          </p:cNvCxnSpPr>
+          <p:nvPr/>
+        </p:nvCxnSpPr>
+        <p:spPr>
+          <a:xfrm>
+            <a:off x="1497330" y="414746"/>
+            <a:ext cx="3150870" cy="464195"/>
+          </a:xfrm>
+          <a:prstGeom prst="bentConnector2">
+            <a:avLst/>
+          </a:prstGeom>
+          <a:ln>
+            <a:tailEnd type="triangle"/>
+          </a:ln>
+        </p:spPr>
+        <p:style>
+          <a:lnRef idx="1">
+            <a:schemeClr val="dk1"/>
+          </a:lnRef>
+          <a:fillRef idx="0">
+            <a:schemeClr val="dk1"/>
+          </a:fillRef>
+          <a:effectRef idx="0">
+            <a:schemeClr val="dk1"/>
+          </a:effectRef>
+          <a:fontRef idx="minor">
+            <a:schemeClr val="tx1"/>
+          </a:fontRef>
+        </p:style>
+      </p:cxnSp>
+      <p:grpSp>
+        <p:nvGrpSpPr>
+          <p:cNvPr id="65" name="Group 64">
+            <a:extLst>
+              <a:ext uri="{FF2B5EF4-FFF2-40B4-BE49-F238E27FC236}">
+                <a16:creationId xmlns:a16="http://schemas.microsoft.com/office/drawing/2014/main" id="{5D4FC8F1-8EFC-41D4-B1F2-5B454E7F9E0E}"/>
+              </a:ext>
+            </a:extLst>
+          </p:cNvPr>
+          <p:cNvGrpSpPr/>
+          <p:nvPr/>
+        </p:nvGrpSpPr>
+        <p:grpSpPr>
+          <a:xfrm>
+            <a:off x="3140882" y="795746"/>
+            <a:ext cx="791038" cy="4580856"/>
+            <a:chOff x="3872402" y="1226820"/>
+            <a:chExt cx="791038" cy="4580856"/>
+          </a:xfrm>
+        </p:grpSpPr>
+        <p:grpSp>
+          <p:nvGrpSpPr>
+            <p:cNvPr id="66" name="Group 65">
+              <a:extLst>
+                <a:ext uri="{FF2B5EF4-FFF2-40B4-BE49-F238E27FC236}">
+                  <a16:creationId xmlns:a16="http://schemas.microsoft.com/office/drawing/2014/main" id="{B0584152-5DAA-4280-96D6-FD4CBB169667}"/>
+                </a:ext>
+              </a:extLst>
+            </p:cNvPr>
+            <p:cNvGrpSpPr/>
+            <p:nvPr/>
+          </p:nvGrpSpPr>
+          <p:grpSpPr>
+            <a:xfrm>
+              <a:off x="4183380" y="1226820"/>
+              <a:ext cx="480060" cy="4580856"/>
+              <a:chOff x="4183380" y="1226820"/>
+              <a:chExt cx="480060" cy="4678680"/>
+            </a:xfrm>
+          </p:grpSpPr>
+          <p:cxnSp>
+            <p:nvCxnSpPr>
+              <p:cNvPr id="68" name="Straight Connector 67">
+                <a:extLst>
+                  <a:ext uri="{FF2B5EF4-FFF2-40B4-BE49-F238E27FC236}">
+                    <a16:creationId xmlns:a16="http://schemas.microsoft.com/office/drawing/2014/main" id="{B852F3DE-032C-44BE-8BBF-9A3BE7FBF41E}"/>
+                  </a:ext>
+                </a:extLst>
+              </p:cNvPr>
+              <p:cNvCxnSpPr/>
+              <p:nvPr/>
+            </p:nvCxnSpPr>
+            <p:spPr>
+              <a:xfrm flipH="1">
+                <a:off x="4191000" y="1226820"/>
+                <a:ext cx="472440" cy="0"/>
+              </a:xfrm>
+              <a:prstGeom prst="line">
+                <a:avLst/>
+              </a:prstGeom>
+            </p:spPr>
+            <p:style>
+              <a:lnRef idx="1">
+                <a:schemeClr val="dk1"/>
+              </a:lnRef>
+              <a:fillRef idx="0">
+                <a:schemeClr val="dk1"/>
+              </a:fillRef>
+              <a:effectRef idx="0">
+                <a:schemeClr val="dk1"/>
+              </a:effectRef>
+              <a:fontRef idx="minor">
+                <a:schemeClr val="tx1"/>
+              </a:fontRef>
+            </p:style>
+          </p:cxnSp>
+          <p:cxnSp>
+            <p:nvCxnSpPr>
+              <p:cNvPr id="69" name="Straight Connector 68">
+                <a:extLst>
+                  <a:ext uri="{FF2B5EF4-FFF2-40B4-BE49-F238E27FC236}">
+                    <a16:creationId xmlns:a16="http://schemas.microsoft.com/office/drawing/2014/main" id="{932038AA-88CA-48B9-A5A3-4690A6B1F43A}"/>
+                  </a:ext>
+                </a:extLst>
+              </p:cNvPr>
+              <p:cNvCxnSpPr/>
+              <p:nvPr/>
+            </p:nvCxnSpPr>
+            <p:spPr>
+              <a:xfrm flipH="1">
+                <a:off x="4183380" y="5905500"/>
+                <a:ext cx="472440" cy="0"/>
+              </a:xfrm>
+              <a:prstGeom prst="line">
+                <a:avLst/>
+              </a:prstGeom>
+            </p:spPr>
+            <p:style>
+              <a:lnRef idx="1">
+                <a:schemeClr val="dk1"/>
+              </a:lnRef>
+              <a:fillRef idx="0">
+                <a:schemeClr val="dk1"/>
+              </a:fillRef>
+              <a:effectRef idx="0">
+                <a:schemeClr val="dk1"/>
+              </a:effectRef>
+              <a:fontRef idx="minor">
+                <a:schemeClr val="tx1"/>
+              </a:fontRef>
+            </p:style>
+          </p:cxnSp>
+          <p:cxnSp>
+            <p:nvCxnSpPr>
+              <p:cNvPr id="70" name="Straight Connector 69">
+                <a:extLst>
+                  <a:ext uri="{FF2B5EF4-FFF2-40B4-BE49-F238E27FC236}">
+                    <a16:creationId xmlns:a16="http://schemas.microsoft.com/office/drawing/2014/main" id="{1E1A0404-B277-469A-B4B1-60418BF85E36}"/>
+                  </a:ext>
+                </a:extLst>
+              </p:cNvPr>
+              <p:cNvCxnSpPr>
+                <a:cxnSpLocks/>
+              </p:cNvCxnSpPr>
+              <p:nvPr/>
+            </p:nvCxnSpPr>
+            <p:spPr>
+              <a:xfrm flipH="1">
+                <a:off x="4183380" y="1226820"/>
+                <a:ext cx="7620" cy="4678680"/>
+              </a:xfrm>
+              <a:prstGeom prst="line">
+                <a:avLst/>
+              </a:prstGeom>
+            </p:spPr>
+            <p:style>
+              <a:lnRef idx="1">
+                <a:schemeClr val="dk1"/>
+              </a:lnRef>
+              <a:fillRef idx="0">
+                <a:schemeClr val="dk1"/>
+              </a:fillRef>
+              <a:effectRef idx="0">
+                <a:schemeClr val="dk1"/>
+              </a:effectRef>
+              <a:fontRef idx="minor">
+                <a:schemeClr val="tx1"/>
+              </a:fontRef>
+            </p:style>
+          </p:cxnSp>
+        </p:grpSp>
+        <p:cxnSp>
+          <p:nvCxnSpPr>
+            <p:cNvPr id="67" name="Straight Connector 66">
+              <a:extLst>
+                <a:ext uri="{FF2B5EF4-FFF2-40B4-BE49-F238E27FC236}">
+                  <a16:creationId xmlns:a16="http://schemas.microsoft.com/office/drawing/2014/main" id="{142C405C-6BCC-498C-9888-0D9187497280}"/>
+                </a:ext>
+              </a:extLst>
+            </p:cNvPr>
+            <p:cNvCxnSpPr/>
+            <p:nvPr/>
+          </p:nvCxnSpPr>
+          <p:spPr>
+            <a:xfrm flipH="1">
+              <a:off x="3872402" y="3429000"/>
+              <a:ext cx="310978" cy="0"/>
+            </a:xfrm>
+            <a:prstGeom prst="line">
+              <a:avLst/>
+            </a:prstGeom>
+          </p:spPr>
+          <p:style>
+            <a:lnRef idx="1">
+              <a:schemeClr val="dk1"/>
+            </a:lnRef>
+            <a:fillRef idx="0">
+              <a:schemeClr val="dk1"/>
+            </a:fillRef>
+            <a:effectRef idx="0">
+              <a:schemeClr val="dk1"/>
+            </a:effectRef>
+            <a:fontRef idx="minor">
+              <a:schemeClr val="tx1"/>
+            </a:fontRef>
+          </p:style>
+        </p:cxnSp>
+      </p:grpSp>
+      <p:sp>
+        <p:nvSpPr>
+          <p:cNvPr id="71" name="TextBox 70">
+            <a:extLst>
+              <a:ext uri="{FF2B5EF4-FFF2-40B4-BE49-F238E27FC236}">
+                <a16:creationId xmlns:a16="http://schemas.microsoft.com/office/drawing/2014/main" id="{DE7EB548-31B3-4282-9A43-1EAE9A4F5E89}"/>
+              </a:ext>
+            </a:extLst>
+          </p:cNvPr>
+          <p:cNvSpPr txBox="1"/>
+          <p:nvPr/>
+        </p:nvSpPr>
+        <p:spPr>
+          <a:xfrm>
+            <a:off x="1371189" y="2755956"/>
+            <a:ext cx="2026916" cy="461665"/>
+          </a:xfrm>
+          <a:prstGeom prst="rect">
+            <a:avLst/>
+          </a:prstGeom>
+          <a:noFill/>
+        </p:spPr>
+        <p:txBody>
+          <a:bodyPr wrap="square" rtlCol="0">
+            <a:spAutoFit/>
+          </a:bodyPr>
+          <a:lstStyle/>
+          <a:p>
+            <a:pPr algn="ctr"/>
+            <a:r>
+              <a:rPr lang="en-US" sz="1200" dirty="0">
+                <a:latin typeface="Arial" panose="020B0604020202020204" pitchFamily="34" charset="0"/>
+                <a:cs typeface="Arial" panose="020B0604020202020204" pitchFamily="34" charset="0"/>
+              </a:rPr>
+              <a:t>Multi-Level Collision Avoidance</a:t>
+            </a:r>
+          </a:p>
+        </p:txBody>
+      </p:sp>
+      <p:sp>
+        <p:nvSpPr>
+          <p:cNvPr id="72" name="TextBox 71">
+            <a:extLst>
+              <a:ext uri="{FF2B5EF4-FFF2-40B4-BE49-F238E27FC236}">
+                <a16:creationId xmlns:a16="http://schemas.microsoft.com/office/drawing/2014/main" id="{8EC7C0D9-3209-4B82-B3C0-C90553AE2BEE}"/>
+              </a:ext>
+            </a:extLst>
+          </p:cNvPr>
+          <p:cNvSpPr txBox="1"/>
+          <p:nvPr/>
+        </p:nvSpPr>
+        <p:spPr>
+          <a:xfrm rot="16200000">
+            <a:off x="-460621" y="2755956"/>
+            <a:ext cx="2589682" cy="461665"/>
+          </a:xfrm>
+          <a:prstGeom prst="rect">
+            <a:avLst/>
+          </a:prstGeom>
+          <a:noFill/>
+        </p:spPr>
+        <p:txBody>
+          <a:bodyPr wrap="square" rtlCol="0">
+            <a:spAutoFit/>
+          </a:bodyPr>
+          <a:lstStyle/>
+          <a:p>
+            <a:pPr algn="ctr"/>
+            <a:r>
+              <a:rPr lang="en-US" sz="1200" dirty="0">
+                <a:latin typeface="Arial" panose="020B0604020202020204" pitchFamily="34" charset="0"/>
+                <a:cs typeface="Arial" panose="020B0604020202020204" pitchFamily="34" charset="0"/>
+              </a:rPr>
+              <a:t>Continuous 3D Process</a:t>
+            </a:r>
+          </a:p>
+          <a:p>
+            <a:pPr algn="ctr"/>
+            <a:r>
+              <a:rPr lang="en-US" sz="1200" dirty="0">
+                <a:latin typeface="Arial" panose="020B0604020202020204" pitchFamily="34" charset="0"/>
+                <a:cs typeface="Arial" panose="020B0604020202020204" pitchFamily="34" charset="0"/>
+              </a:rPr>
+              <a:t>Direct planning with multi-robots</a:t>
+            </a:r>
+          </a:p>
+        </p:txBody>
+      </p:sp>
     </p:spTree>
     <p:extLst>
       <p:ext uri="{BB962C8B-B14F-4D97-AF65-F5344CB8AC3E}">
-        <p14:creationId xmlns:p14="http://schemas.microsoft.com/office/powerpoint/2010/main" val="2476699761"/>
+        <p14:creationId xmlns:p14="http://schemas.microsoft.com/office/powerpoint/2010/main" val="3331588608"/>
       </p:ext>
     </p:extLst>
   </p:cSld>
@@ -3373,7 +4026,7 @@
 <file path=ppt/theme/theme1.xml><?xml version="1.0" encoding="utf-8"?>
 <a:theme xmlns:a="http://schemas.openxmlformats.org/drawingml/2006/main" name="Office Theme">
   <a:themeElements>
-    <a:clrScheme name="Office">
+    <a:clrScheme name="Office Theme">
       <a:dk1>
         <a:sysClr val="windowText" lastClr="000000"/>
       </a:dk1>
@@ -3411,7 +4064,7 @@
         <a:srgbClr val="954F72"/>
       </a:folHlink>
     </a:clrScheme>
-    <a:fontScheme name="Office">
+    <a:fontScheme name="Office Theme">
       <a:majorFont>
         <a:latin typeface="Calibri Light" panose="020F0302020204030204"/>
         <a:ea typeface=""/>
@@ -3446,23 +4099,6 @@
         <a:font script="Viet" typeface="Times New Roman"/>
         <a:font script="Uigh" typeface="Microsoft Uighur"/>
         <a:font script="Geor" typeface="Sylfaen"/>
-        <a:font script="Armn" typeface="Arial"/>
-        <a:font script="Bugi" typeface="Leelawadee UI"/>
-        <a:font script="Bopo" typeface="Microsoft JhengHei"/>
-        <a:font script="Java" typeface="Javanese Text"/>
-        <a:font script="Lisu" typeface="Segoe UI"/>
-        <a:font script="Mymr" typeface="Myanmar Text"/>
-        <a:font script="Nkoo" typeface="Ebrima"/>
-        <a:font script="Olck" typeface="Nirmala UI"/>
-        <a:font script="Osma" typeface="Ebrima"/>
-        <a:font script="Phag" typeface="Phagspa"/>
-        <a:font script="Syrn" typeface="Estrangelo Edessa"/>
-        <a:font script="Syrj" typeface="Estrangelo Edessa"/>
-        <a:font script="Syre" typeface="Estrangelo Edessa"/>
-        <a:font script="Sora" typeface="Nirmala UI"/>
-        <a:font script="Tale" typeface="Microsoft Tai Le"/>
-        <a:font script="Talu" typeface="Microsoft New Tai Lue"/>
-        <a:font script="Tfng" typeface="Ebrima"/>
       </a:majorFont>
       <a:minorFont>
         <a:latin typeface="Calibri" panose="020F0502020204030204"/>
@@ -3498,26 +4134,9 @@
         <a:font script="Viet" typeface="Arial"/>
         <a:font script="Uigh" typeface="Microsoft Uighur"/>
         <a:font script="Geor" typeface="Sylfaen"/>
-        <a:font script="Armn" typeface="Arial"/>
-        <a:font script="Bugi" typeface="Leelawadee UI"/>
-        <a:font script="Bopo" typeface="Microsoft JhengHei"/>
-        <a:font script="Java" typeface="Javanese Text"/>
-        <a:font script="Lisu" typeface="Segoe UI"/>
-        <a:font script="Mymr" typeface="Myanmar Text"/>
-        <a:font script="Nkoo" typeface="Ebrima"/>
-        <a:font script="Olck" typeface="Nirmala UI"/>
-        <a:font script="Osma" typeface="Ebrima"/>
-        <a:font script="Phag" typeface="Phagspa"/>
-        <a:font script="Syrn" typeface="Estrangelo Edessa"/>
-        <a:font script="Syrj" typeface="Estrangelo Edessa"/>
-        <a:font script="Syre" typeface="Estrangelo Edessa"/>
-        <a:font script="Sora" typeface="Nirmala UI"/>
-        <a:font script="Tale" typeface="Microsoft Tai Le"/>
-        <a:font script="Talu" typeface="Microsoft New Tai Lue"/>
-        <a:font script="Tfng" typeface="Ebrima"/>
       </a:minorFont>
     </a:fontScheme>
-    <a:fmtScheme name="Office">
+    <a:fmtScheme name="Office Theme">
       <a:fillStyleLst>
         <a:solidFill>
           <a:schemeClr val="phClr"/>
